--- a/Docs/kayak construction/connector_layout.pptx
+++ b/Docs/kayak construction/connector_layout.pptx
@@ -4,8 +4,12 @@
   <p:sldMasterIdLst>
     <p:sldMasterId id="2147483648" r:id="rId1"/>
   </p:sldMasterIdLst>
+  <p:notesMasterIdLst>
+    <p:notesMasterId r:id="rId4"/>
+  </p:notesMasterIdLst>
   <p:sldIdLst>
     <p:sldId id="256" r:id="rId2"/>
+    <p:sldId id="257" r:id="rId3"/>
   </p:sldIdLst>
   <p:sldSz cx="8229600" cy="3200400"/>
   <p:notesSz cx="7099300" cy="9385300"/>
@@ -107,6 +111,440 @@
 </p:presentation>
 </file>
 
+<file path=ppt/notesMasters/notesMaster1.xml><?xml version="1.0" encoding="utf-8"?>
+<p:notesMaster xmlns:a="http://schemas.openxmlformats.org/drawingml/2006/main" xmlns:r="http://schemas.openxmlformats.org/officeDocument/2006/relationships" xmlns:p="http://schemas.openxmlformats.org/presentationml/2006/main">
+  <p:cSld>
+    <p:bg>
+      <p:bgRef idx="1001">
+        <a:schemeClr val="bg1"/>
+      </p:bgRef>
+    </p:bg>
+    <p:spTree>
+      <p:nvGrpSpPr>
+        <p:cNvPr id="1" name=""/>
+        <p:cNvGrpSpPr/>
+        <p:nvPr/>
+      </p:nvGrpSpPr>
+      <p:grpSpPr>
+        <a:xfrm>
+          <a:off x="0" y="0"/>
+          <a:ext cx="0" cy="0"/>
+          <a:chOff x="0" y="0"/>
+          <a:chExt cx="0" cy="0"/>
+        </a:xfrm>
+      </p:grpSpPr>
+      <p:sp>
+        <p:nvSpPr>
+          <p:cNvPr id="2" name="Header Placeholder 1"/>
+          <p:cNvSpPr>
+            <a:spLocks noGrp="1"/>
+          </p:cNvSpPr>
+          <p:nvPr>
+            <p:ph type="hdr" sz="quarter"/>
+          </p:nvPr>
+        </p:nvSpPr>
+        <p:spPr>
+          <a:xfrm>
+            <a:off x="0" y="0"/>
+            <a:ext cx="3076575" cy="469900"/>
+          </a:xfrm>
+          <a:prstGeom prst="rect">
+            <a:avLst/>
+          </a:prstGeom>
+        </p:spPr>
+        <p:txBody>
+          <a:bodyPr vert="horz" lIns="91440" tIns="45720" rIns="91440" bIns="45720" rtlCol="0"/>
+          <a:lstStyle>
+            <a:lvl1pPr algn="l">
+              <a:defRPr sz="1200"/>
+            </a:lvl1pPr>
+          </a:lstStyle>
+          <a:p>
+            <a:endParaRPr lang="en-US"/>
+          </a:p>
+        </p:txBody>
+      </p:sp>
+      <p:sp>
+        <p:nvSpPr>
+          <p:cNvPr id="3" name="Date Placeholder 2"/>
+          <p:cNvSpPr>
+            <a:spLocks noGrp="1"/>
+          </p:cNvSpPr>
+          <p:nvPr>
+            <p:ph type="dt" idx="1"/>
+          </p:nvPr>
+        </p:nvSpPr>
+        <p:spPr>
+          <a:xfrm>
+            <a:off x="4021138" y="0"/>
+            <a:ext cx="3076575" cy="469900"/>
+          </a:xfrm>
+          <a:prstGeom prst="rect">
+            <a:avLst/>
+          </a:prstGeom>
+        </p:spPr>
+        <p:txBody>
+          <a:bodyPr vert="horz" lIns="91440" tIns="45720" rIns="91440" bIns="45720" rtlCol="0"/>
+          <a:lstStyle>
+            <a:lvl1pPr algn="r">
+              <a:defRPr sz="1200"/>
+            </a:lvl1pPr>
+          </a:lstStyle>
+          <a:p>
+            <a:fld id="{317509A6-A9F8-48D2-8259-8DB60A5984A3}" type="datetimeFigureOut">
+              <a:rPr lang="en-US" smtClean="0"/>
+              <a:t>3/1/2013</a:t>
+            </a:fld>
+            <a:endParaRPr lang="en-US"/>
+          </a:p>
+        </p:txBody>
+      </p:sp>
+      <p:sp>
+        <p:nvSpPr>
+          <p:cNvPr id="4" name="Slide Image Placeholder 3"/>
+          <p:cNvSpPr>
+            <a:spLocks noGrp="1" noRot="1" noChangeAspect="1"/>
+          </p:cNvSpPr>
+          <p:nvPr>
+            <p:ph type="sldImg" idx="2"/>
+          </p:nvPr>
+        </p:nvSpPr>
+        <p:spPr>
+          <a:xfrm>
+            <a:off x="-974725" y="703263"/>
+            <a:ext cx="9048750" cy="3519487"/>
+          </a:xfrm>
+          <a:prstGeom prst="rect">
+            <a:avLst/>
+          </a:prstGeom>
+          <a:noFill/>
+          <a:ln w="12700">
+            <a:solidFill>
+              <a:prstClr val="black"/>
+            </a:solidFill>
+          </a:ln>
+        </p:spPr>
+        <p:txBody>
+          <a:bodyPr vert="horz" lIns="91440" tIns="45720" rIns="91440" bIns="45720" rtlCol="0" anchor="ctr"/>
+          <a:lstStyle/>
+          <a:p>
+            <a:endParaRPr lang="en-US"/>
+          </a:p>
+        </p:txBody>
+      </p:sp>
+      <p:sp>
+        <p:nvSpPr>
+          <p:cNvPr id="5" name="Notes Placeholder 4"/>
+          <p:cNvSpPr>
+            <a:spLocks noGrp="1"/>
+          </p:cNvSpPr>
+          <p:nvPr>
+            <p:ph type="body" sz="quarter" idx="3"/>
+          </p:nvPr>
+        </p:nvSpPr>
+        <p:spPr>
+          <a:xfrm>
+            <a:off x="709613" y="4457700"/>
+            <a:ext cx="5680075" cy="4224338"/>
+          </a:xfrm>
+          <a:prstGeom prst="rect">
+            <a:avLst/>
+          </a:prstGeom>
+        </p:spPr>
+        <p:txBody>
+          <a:bodyPr vert="horz" lIns="91440" tIns="45720" rIns="91440" bIns="45720" rtlCol="0"/>
+          <a:lstStyle/>
+          <a:p>
+            <a:pPr lvl="0"/>
+            <a:r>
+              <a:rPr lang="en-US" smtClean="0"/>
+              <a:t>Click to edit Master text styles</a:t>
+            </a:r>
+          </a:p>
+          <a:p>
+            <a:pPr lvl="1"/>
+            <a:r>
+              <a:rPr lang="en-US" smtClean="0"/>
+              <a:t>Second level</a:t>
+            </a:r>
+          </a:p>
+          <a:p>
+            <a:pPr lvl="2"/>
+            <a:r>
+              <a:rPr lang="en-US" smtClean="0"/>
+              <a:t>Third level</a:t>
+            </a:r>
+          </a:p>
+          <a:p>
+            <a:pPr lvl="3"/>
+            <a:r>
+              <a:rPr lang="en-US" smtClean="0"/>
+              <a:t>Fourth level</a:t>
+            </a:r>
+          </a:p>
+          <a:p>
+            <a:pPr lvl="4"/>
+            <a:r>
+              <a:rPr lang="en-US" smtClean="0"/>
+              <a:t>Fifth level</a:t>
+            </a:r>
+            <a:endParaRPr lang="en-US"/>
+          </a:p>
+        </p:txBody>
+      </p:sp>
+      <p:sp>
+        <p:nvSpPr>
+          <p:cNvPr id="6" name="Footer Placeholder 5"/>
+          <p:cNvSpPr>
+            <a:spLocks noGrp="1"/>
+          </p:cNvSpPr>
+          <p:nvPr>
+            <p:ph type="ftr" sz="quarter" idx="4"/>
+          </p:nvPr>
+        </p:nvSpPr>
+        <p:spPr>
+          <a:xfrm>
+            <a:off x="0" y="8913813"/>
+            <a:ext cx="3076575" cy="469900"/>
+          </a:xfrm>
+          <a:prstGeom prst="rect">
+            <a:avLst/>
+          </a:prstGeom>
+        </p:spPr>
+        <p:txBody>
+          <a:bodyPr vert="horz" lIns="91440" tIns="45720" rIns="91440" bIns="45720" rtlCol="0" anchor="b"/>
+          <a:lstStyle>
+            <a:lvl1pPr algn="l">
+              <a:defRPr sz="1200"/>
+            </a:lvl1pPr>
+          </a:lstStyle>
+          <a:p>
+            <a:endParaRPr lang="en-US"/>
+          </a:p>
+        </p:txBody>
+      </p:sp>
+      <p:sp>
+        <p:nvSpPr>
+          <p:cNvPr id="7" name="Slide Number Placeholder 6"/>
+          <p:cNvSpPr>
+            <a:spLocks noGrp="1"/>
+          </p:cNvSpPr>
+          <p:nvPr>
+            <p:ph type="sldNum" sz="quarter" idx="5"/>
+          </p:nvPr>
+        </p:nvSpPr>
+        <p:spPr>
+          <a:xfrm>
+            <a:off x="4021138" y="8913813"/>
+            <a:ext cx="3076575" cy="469900"/>
+          </a:xfrm>
+          <a:prstGeom prst="rect">
+            <a:avLst/>
+          </a:prstGeom>
+        </p:spPr>
+        <p:txBody>
+          <a:bodyPr vert="horz" lIns="91440" tIns="45720" rIns="91440" bIns="45720" rtlCol="0" anchor="b"/>
+          <a:lstStyle>
+            <a:lvl1pPr algn="r">
+              <a:defRPr sz="1200"/>
+            </a:lvl1pPr>
+          </a:lstStyle>
+          <a:p>
+            <a:fld id="{D51D16B0-14B9-4ABE-A034-1118F2A2036A}" type="slidenum">
+              <a:rPr lang="en-US" smtClean="0"/>
+              <a:t>‹#›</a:t>
+            </a:fld>
+            <a:endParaRPr lang="en-US"/>
+          </a:p>
+        </p:txBody>
+      </p:sp>
+    </p:spTree>
+    <p:extLst>
+      <p:ext uri="{BB962C8B-B14F-4D97-AF65-F5344CB8AC3E}">
+        <p14:creationId xmlns:p14="http://schemas.microsoft.com/office/powerpoint/2010/main" val="3198216753"/>
+      </p:ext>
+    </p:extLst>
+  </p:cSld>
+  <p:clrMap bg1="lt1" tx1="dk1" bg2="lt2" tx2="dk2" accent1="accent1" accent2="accent2" accent3="accent3" accent4="accent4" accent5="accent5" accent6="accent6" hlink="hlink" folHlink="folHlink"/>
+  <p:notesStyle>
+    <a:lvl1pPr marL="0" algn="l" defTabSz="914400" rtl="0" eaLnBrk="1" latinLnBrk="0" hangingPunct="1">
+      <a:defRPr sz="1200" kern="1200">
+        <a:solidFill>
+          <a:schemeClr val="tx1"/>
+        </a:solidFill>
+        <a:latin typeface="+mn-lt"/>
+        <a:ea typeface="+mn-ea"/>
+        <a:cs typeface="+mn-cs"/>
+      </a:defRPr>
+    </a:lvl1pPr>
+    <a:lvl2pPr marL="457200" algn="l" defTabSz="914400" rtl="0" eaLnBrk="1" latinLnBrk="0" hangingPunct="1">
+      <a:defRPr sz="1200" kern="1200">
+        <a:solidFill>
+          <a:schemeClr val="tx1"/>
+        </a:solidFill>
+        <a:latin typeface="+mn-lt"/>
+        <a:ea typeface="+mn-ea"/>
+        <a:cs typeface="+mn-cs"/>
+      </a:defRPr>
+    </a:lvl2pPr>
+    <a:lvl3pPr marL="914400" algn="l" defTabSz="914400" rtl="0" eaLnBrk="1" latinLnBrk="0" hangingPunct="1">
+      <a:defRPr sz="1200" kern="1200">
+        <a:solidFill>
+          <a:schemeClr val="tx1"/>
+        </a:solidFill>
+        <a:latin typeface="+mn-lt"/>
+        <a:ea typeface="+mn-ea"/>
+        <a:cs typeface="+mn-cs"/>
+      </a:defRPr>
+    </a:lvl3pPr>
+    <a:lvl4pPr marL="1371600" algn="l" defTabSz="914400" rtl="0" eaLnBrk="1" latinLnBrk="0" hangingPunct="1">
+      <a:defRPr sz="1200" kern="1200">
+        <a:solidFill>
+          <a:schemeClr val="tx1"/>
+        </a:solidFill>
+        <a:latin typeface="+mn-lt"/>
+        <a:ea typeface="+mn-ea"/>
+        <a:cs typeface="+mn-cs"/>
+      </a:defRPr>
+    </a:lvl4pPr>
+    <a:lvl5pPr marL="1828800" algn="l" defTabSz="914400" rtl="0" eaLnBrk="1" latinLnBrk="0" hangingPunct="1">
+      <a:defRPr sz="1200" kern="1200">
+        <a:solidFill>
+          <a:schemeClr val="tx1"/>
+        </a:solidFill>
+        <a:latin typeface="+mn-lt"/>
+        <a:ea typeface="+mn-ea"/>
+        <a:cs typeface="+mn-cs"/>
+      </a:defRPr>
+    </a:lvl5pPr>
+    <a:lvl6pPr marL="2286000" algn="l" defTabSz="914400" rtl="0" eaLnBrk="1" latinLnBrk="0" hangingPunct="1">
+      <a:defRPr sz="1200" kern="1200">
+        <a:solidFill>
+          <a:schemeClr val="tx1"/>
+        </a:solidFill>
+        <a:latin typeface="+mn-lt"/>
+        <a:ea typeface="+mn-ea"/>
+        <a:cs typeface="+mn-cs"/>
+      </a:defRPr>
+    </a:lvl6pPr>
+    <a:lvl7pPr marL="2743200" algn="l" defTabSz="914400" rtl="0" eaLnBrk="1" latinLnBrk="0" hangingPunct="1">
+      <a:defRPr sz="1200" kern="1200">
+        <a:solidFill>
+          <a:schemeClr val="tx1"/>
+        </a:solidFill>
+        <a:latin typeface="+mn-lt"/>
+        <a:ea typeface="+mn-ea"/>
+        <a:cs typeface="+mn-cs"/>
+      </a:defRPr>
+    </a:lvl7pPr>
+    <a:lvl8pPr marL="3200400" algn="l" defTabSz="914400" rtl="0" eaLnBrk="1" latinLnBrk="0" hangingPunct="1">
+      <a:defRPr sz="1200" kern="1200">
+        <a:solidFill>
+          <a:schemeClr val="tx1"/>
+        </a:solidFill>
+        <a:latin typeface="+mn-lt"/>
+        <a:ea typeface="+mn-ea"/>
+        <a:cs typeface="+mn-cs"/>
+      </a:defRPr>
+    </a:lvl8pPr>
+    <a:lvl9pPr marL="3657600" algn="l" defTabSz="914400" rtl="0" eaLnBrk="1" latinLnBrk="0" hangingPunct="1">
+      <a:defRPr sz="1200" kern="1200">
+        <a:solidFill>
+          <a:schemeClr val="tx1"/>
+        </a:solidFill>
+        <a:latin typeface="+mn-lt"/>
+        <a:ea typeface="+mn-ea"/>
+        <a:cs typeface="+mn-cs"/>
+      </a:defRPr>
+    </a:lvl9pPr>
+  </p:notesStyle>
+</p:notesMaster>
+</file>
+
+<file path=ppt/notesSlides/notesSlide1.xml><?xml version="1.0" encoding="utf-8"?>
+<p:notes xmlns:a="http://schemas.openxmlformats.org/drawingml/2006/main" xmlns:r="http://schemas.openxmlformats.org/officeDocument/2006/relationships" xmlns:p="http://schemas.openxmlformats.org/presentationml/2006/main">
+  <p:cSld>
+    <p:spTree>
+      <p:nvGrpSpPr>
+        <p:cNvPr id="1" name=""/>
+        <p:cNvGrpSpPr/>
+        <p:nvPr/>
+      </p:nvGrpSpPr>
+      <p:grpSpPr>
+        <a:xfrm>
+          <a:off x="0" y="0"/>
+          <a:ext cx="0" cy="0"/>
+          <a:chOff x="0" y="0"/>
+          <a:chExt cx="0" cy="0"/>
+        </a:xfrm>
+      </p:grpSpPr>
+      <p:sp>
+        <p:nvSpPr>
+          <p:cNvPr id="2" name="Slide Image Placeholder 1"/>
+          <p:cNvSpPr>
+            <a:spLocks noGrp="1" noRot="1" noChangeAspect="1"/>
+          </p:cNvSpPr>
+          <p:nvPr>
+            <p:ph type="sldImg"/>
+          </p:nvPr>
+        </p:nvSpPr>
+        <p:spPr/>
+      </p:sp>
+      <p:sp>
+        <p:nvSpPr>
+          <p:cNvPr id="3" name="Notes Placeholder 2"/>
+          <p:cNvSpPr>
+            <a:spLocks noGrp="1"/>
+          </p:cNvSpPr>
+          <p:nvPr>
+            <p:ph type="body" idx="1"/>
+          </p:nvPr>
+        </p:nvSpPr>
+        <p:spPr/>
+        <p:txBody>
+          <a:bodyPr/>
+          <a:lstStyle/>
+          <a:p>
+            <a:endParaRPr lang="en-US" dirty="0"/>
+          </a:p>
+        </p:txBody>
+      </p:sp>
+      <p:sp>
+        <p:nvSpPr>
+          <p:cNvPr id="4" name="Slide Number Placeholder 3"/>
+          <p:cNvSpPr>
+            <a:spLocks noGrp="1"/>
+          </p:cNvSpPr>
+          <p:nvPr>
+            <p:ph type="sldNum" sz="quarter" idx="10"/>
+          </p:nvPr>
+        </p:nvSpPr>
+        <p:spPr/>
+        <p:txBody>
+          <a:bodyPr/>
+          <a:lstStyle/>
+          <a:p>
+            <a:fld id="{D51D16B0-14B9-4ABE-A034-1118F2A2036A}" type="slidenum">
+              <a:rPr lang="en-US" smtClean="0"/>
+              <a:t>2</a:t>
+            </a:fld>
+            <a:endParaRPr lang="en-US"/>
+          </a:p>
+        </p:txBody>
+      </p:sp>
+    </p:spTree>
+    <p:extLst>
+      <p:ext uri="{BB962C8B-B14F-4D97-AF65-F5344CB8AC3E}">
+        <p14:creationId xmlns:p14="http://schemas.microsoft.com/office/powerpoint/2010/main" val="3873958477"/>
+      </p:ext>
+    </p:extLst>
+  </p:cSld>
+  <p:clrMapOvr>
+    <a:masterClrMapping/>
+  </p:clrMapOvr>
+</p:notes>
+</file>
+
 <file path=ppt/slideLayouts/slideLayout1.xml><?xml version="1.0" encoding="utf-8"?>
 <p:sldLayout xmlns:a="http://schemas.openxmlformats.org/drawingml/2006/main" xmlns:r="http://schemas.openxmlformats.org/officeDocument/2006/relationships" xmlns:p="http://schemas.openxmlformats.org/presentationml/2006/main" type="title" preserve="1">
   <p:cSld name="Title Slide">
@@ -288,7 +726,7 @@
           <a:p>
             <a:fld id="{A7F0C8F3-A75F-4F8A-8F50-E4C7FB632DB2}" type="datetimeFigureOut">
               <a:rPr lang="en-US" smtClean="0"/>
-              <a:t>5/17/2012</a:t>
+              <a:t>3/1/2013</a:t>
             </a:fld>
             <a:endParaRPr lang="en-US"/>
           </a:p>
@@ -458,7 +896,7 @@
           <a:p>
             <a:fld id="{A7F0C8F3-A75F-4F8A-8F50-E4C7FB632DB2}" type="datetimeFigureOut">
               <a:rPr lang="en-US" smtClean="0"/>
-              <a:t>5/17/2012</a:t>
+              <a:t>3/1/2013</a:t>
             </a:fld>
             <a:endParaRPr lang="en-US"/>
           </a:p>
@@ -638,7 +1076,7 @@
           <a:p>
             <a:fld id="{A7F0C8F3-A75F-4F8A-8F50-E4C7FB632DB2}" type="datetimeFigureOut">
               <a:rPr lang="en-US" smtClean="0"/>
-              <a:t>5/17/2012</a:t>
+              <a:t>3/1/2013</a:t>
             </a:fld>
             <a:endParaRPr lang="en-US"/>
           </a:p>
@@ -808,7 +1246,7 @@
           <a:p>
             <a:fld id="{A7F0C8F3-A75F-4F8A-8F50-E4C7FB632DB2}" type="datetimeFigureOut">
               <a:rPr lang="en-US" smtClean="0"/>
-              <a:t>5/17/2012</a:t>
+              <a:t>3/1/2013</a:t>
             </a:fld>
             <a:endParaRPr lang="en-US"/>
           </a:p>
@@ -1054,7 +1492,7 @@
           <a:p>
             <a:fld id="{A7F0C8F3-A75F-4F8A-8F50-E4C7FB632DB2}" type="datetimeFigureOut">
               <a:rPr lang="en-US" smtClean="0"/>
-              <a:t>5/17/2012</a:t>
+              <a:t>3/1/2013</a:t>
             </a:fld>
             <a:endParaRPr lang="en-US"/>
           </a:p>
@@ -1342,7 +1780,7 @@
           <a:p>
             <a:fld id="{A7F0C8F3-A75F-4F8A-8F50-E4C7FB632DB2}" type="datetimeFigureOut">
               <a:rPr lang="en-US" smtClean="0"/>
-              <a:t>5/17/2012</a:t>
+              <a:t>3/1/2013</a:t>
             </a:fld>
             <a:endParaRPr lang="en-US"/>
           </a:p>
@@ -1764,7 +2202,7 @@
           <a:p>
             <a:fld id="{A7F0C8F3-A75F-4F8A-8F50-E4C7FB632DB2}" type="datetimeFigureOut">
               <a:rPr lang="en-US" smtClean="0"/>
-              <a:t>5/17/2012</a:t>
+              <a:t>3/1/2013</a:t>
             </a:fld>
             <a:endParaRPr lang="en-US"/>
           </a:p>
@@ -1882,7 +2320,7 @@
           <a:p>
             <a:fld id="{A7F0C8F3-A75F-4F8A-8F50-E4C7FB632DB2}" type="datetimeFigureOut">
               <a:rPr lang="en-US" smtClean="0"/>
-              <a:t>5/17/2012</a:t>
+              <a:t>3/1/2013</a:t>
             </a:fld>
             <a:endParaRPr lang="en-US"/>
           </a:p>
@@ -1977,7 +2415,7 @@
           <a:p>
             <a:fld id="{A7F0C8F3-A75F-4F8A-8F50-E4C7FB632DB2}" type="datetimeFigureOut">
               <a:rPr lang="en-US" smtClean="0"/>
-              <a:t>5/17/2012</a:t>
+              <a:t>3/1/2013</a:t>
             </a:fld>
             <a:endParaRPr lang="en-US"/>
           </a:p>
@@ -2254,7 +2692,7 @@
           <a:p>
             <a:fld id="{A7F0C8F3-A75F-4F8A-8F50-E4C7FB632DB2}" type="datetimeFigureOut">
               <a:rPr lang="en-US" smtClean="0"/>
-              <a:t>5/17/2012</a:t>
+              <a:t>3/1/2013</a:t>
             </a:fld>
             <a:endParaRPr lang="en-US"/>
           </a:p>
@@ -2507,7 +2945,7 @@
           <a:p>
             <a:fld id="{A7F0C8F3-A75F-4F8A-8F50-E4C7FB632DB2}" type="datetimeFigureOut">
               <a:rPr lang="en-US" smtClean="0"/>
-              <a:t>5/17/2012</a:t>
+              <a:t>3/1/2013</a:t>
             </a:fld>
             <a:endParaRPr lang="en-US"/>
           </a:p>
@@ -2720,7 +3158,7 @@
           <a:p>
             <a:fld id="{A7F0C8F3-A75F-4F8A-8F50-E4C7FB632DB2}" type="datetimeFigureOut">
               <a:rPr lang="en-US" smtClean="0"/>
-              <a:t>5/17/2012</a:t>
+              <a:t>3/1/2013</a:t>
             </a:fld>
             <a:endParaRPr lang="en-US"/>
           </a:p>
@@ -5371,6 +5809,2772 @@
 </p:sld>
 </file>
 
+<file path=ppt/slides/slide2.xml><?xml version="1.0" encoding="utf-8"?>
+<p:sld xmlns:a="http://schemas.openxmlformats.org/drawingml/2006/main" xmlns:r="http://schemas.openxmlformats.org/officeDocument/2006/relationships" xmlns:p="http://schemas.openxmlformats.org/presentationml/2006/main">
+  <p:cSld>
+    <p:spTree>
+      <p:nvGrpSpPr>
+        <p:cNvPr id="1" name=""/>
+        <p:cNvGrpSpPr/>
+        <p:nvPr/>
+      </p:nvGrpSpPr>
+      <p:grpSpPr>
+        <a:xfrm>
+          <a:off x="0" y="0"/>
+          <a:ext cx="0" cy="0"/>
+          <a:chOff x="0" y="0"/>
+          <a:chExt cx="0" cy="0"/>
+        </a:xfrm>
+      </p:grpSpPr>
+      <p:cxnSp>
+        <p:nvCxnSpPr>
+          <p:cNvPr id="46" name="Straight Connector 45"/>
+          <p:cNvCxnSpPr/>
+          <p:nvPr/>
+        </p:nvCxnSpPr>
+        <p:spPr>
+          <a:xfrm>
+            <a:off x="304800" y="1390650"/>
+            <a:ext cx="7620000" cy="0"/>
+          </a:xfrm>
+          <a:prstGeom prst="line">
+            <a:avLst/>
+          </a:prstGeom>
+          <a:ln>
+            <a:solidFill>
+              <a:schemeClr val="accent1"/>
+            </a:solidFill>
+            <a:prstDash val="dash"/>
+          </a:ln>
+        </p:spPr>
+        <p:style>
+          <a:lnRef idx="1">
+            <a:schemeClr val="accent1"/>
+          </a:lnRef>
+          <a:fillRef idx="0">
+            <a:schemeClr val="accent1"/>
+          </a:fillRef>
+          <a:effectRef idx="0">
+            <a:schemeClr val="accent1"/>
+          </a:effectRef>
+          <a:fontRef idx="minor">
+            <a:schemeClr val="tx1"/>
+          </a:fontRef>
+        </p:style>
+      </p:cxnSp>
+      <p:grpSp>
+        <p:nvGrpSpPr>
+          <p:cNvPr id="24" name="Group 23"/>
+          <p:cNvGrpSpPr/>
+          <p:nvPr/>
+        </p:nvGrpSpPr>
+        <p:grpSpPr>
+          <a:xfrm>
+            <a:off x="6967728" y="224414"/>
+            <a:ext cx="804672" cy="804672"/>
+            <a:chOff x="3424428" y="224028"/>
+            <a:chExt cx="804672" cy="804672"/>
+          </a:xfrm>
+        </p:grpSpPr>
+        <p:sp>
+          <p:nvSpPr>
+            <p:cNvPr id="21" name="Oval 20"/>
+            <p:cNvSpPr/>
+            <p:nvPr/>
+          </p:nvSpPr>
+          <p:spPr>
+            <a:xfrm>
+              <a:off x="3424428" y="224028"/>
+              <a:ext cx="804672" cy="804672"/>
+            </a:xfrm>
+            <a:prstGeom prst="ellipse">
+              <a:avLst/>
+            </a:prstGeom>
+          </p:spPr>
+          <p:style>
+            <a:lnRef idx="2">
+              <a:schemeClr val="accent2">
+                <a:shade val="50000"/>
+              </a:schemeClr>
+            </a:lnRef>
+            <a:fillRef idx="1">
+              <a:schemeClr val="accent2"/>
+            </a:fillRef>
+            <a:effectRef idx="0">
+              <a:schemeClr val="accent2"/>
+            </a:effectRef>
+            <a:fontRef idx="minor">
+              <a:schemeClr val="lt1"/>
+            </a:fontRef>
+          </p:style>
+          <p:txBody>
+            <a:bodyPr rtlCol="0" anchor="ctr"/>
+            <a:lstStyle/>
+            <a:p>
+              <a:pPr algn="ctr"/>
+              <a:endParaRPr lang="en-US" dirty="0"/>
+            </a:p>
+          </p:txBody>
+        </p:sp>
+        <p:sp>
+          <p:nvSpPr>
+            <p:cNvPr id="5" name="Oval 4"/>
+            <p:cNvSpPr/>
+            <p:nvPr/>
+          </p:nvSpPr>
+          <p:spPr>
+            <a:xfrm>
+              <a:off x="3538728" y="338328"/>
+              <a:ext cx="576072" cy="576072"/>
+            </a:xfrm>
+            <a:prstGeom prst="ellipse">
+              <a:avLst/>
+            </a:prstGeom>
+          </p:spPr>
+          <p:style>
+            <a:lnRef idx="2">
+              <a:schemeClr val="accent1">
+                <a:shade val="50000"/>
+              </a:schemeClr>
+            </a:lnRef>
+            <a:fillRef idx="1">
+              <a:schemeClr val="accent1"/>
+            </a:fillRef>
+            <a:effectRef idx="0">
+              <a:schemeClr val="accent1"/>
+            </a:effectRef>
+            <a:fontRef idx="minor">
+              <a:schemeClr val="lt1"/>
+            </a:fontRef>
+          </p:style>
+          <p:txBody>
+            <a:bodyPr rtlCol="0" anchor="ctr"/>
+            <a:lstStyle/>
+            <a:p>
+              <a:pPr algn="ctr"/>
+              <a:r>
+                <a:rPr lang="en-US" dirty="0" smtClean="0"/>
+                <a:t>switch</a:t>
+              </a:r>
+              <a:endParaRPr lang="en-US" dirty="0"/>
+            </a:p>
+          </p:txBody>
+        </p:sp>
+      </p:grpSp>
+      <p:grpSp>
+        <p:nvGrpSpPr>
+          <p:cNvPr id="19" name="Group 18"/>
+          <p:cNvGrpSpPr/>
+          <p:nvPr/>
+        </p:nvGrpSpPr>
+        <p:grpSpPr>
+          <a:xfrm>
+            <a:off x="381000" y="169550"/>
+            <a:ext cx="914400" cy="914400"/>
+            <a:chOff x="269765" y="217076"/>
+            <a:chExt cx="914400" cy="914400"/>
+          </a:xfrm>
+        </p:grpSpPr>
+        <p:sp>
+          <p:nvSpPr>
+            <p:cNvPr id="18" name="Oval 17"/>
+            <p:cNvSpPr/>
+            <p:nvPr/>
+          </p:nvSpPr>
+          <p:spPr>
+            <a:xfrm>
+              <a:off x="269765" y="217076"/>
+              <a:ext cx="914400" cy="914400"/>
+            </a:xfrm>
+            <a:prstGeom prst="ellipse">
+              <a:avLst/>
+            </a:prstGeom>
+          </p:spPr>
+          <p:style>
+            <a:lnRef idx="2">
+              <a:schemeClr val="accent2">
+                <a:shade val="50000"/>
+              </a:schemeClr>
+            </a:lnRef>
+            <a:fillRef idx="1">
+              <a:schemeClr val="accent2"/>
+            </a:fillRef>
+            <a:effectRef idx="0">
+              <a:schemeClr val="accent2"/>
+            </a:effectRef>
+            <a:fontRef idx="minor">
+              <a:schemeClr val="lt1"/>
+            </a:fontRef>
+          </p:style>
+          <p:txBody>
+            <a:bodyPr rtlCol="0" anchor="ctr"/>
+            <a:lstStyle/>
+            <a:p>
+              <a:pPr algn="ctr"/>
+              <a:endParaRPr lang="en-US" dirty="0"/>
+            </a:p>
+          </p:txBody>
+        </p:sp>
+        <p:sp>
+          <p:nvSpPr>
+            <p:cNvPr id="6" name="Oval 5"/>
+            <p:cNvSpPr/>
+            <p:nvPr/>
+          </p:nvSpPr>
+          <p:spPr>
+            <a:xfrm>
+              <a:off x="356633" y="303944"/>
+              <a:ext cx="740664" cy="740664"/>
+            </a:xfrm>
+            <a:prstGeom prst="ellipse">
+              <a:avLst/>
+            </a:prstGeom>
+          </p:spPr>
+          <p:style>
+            <a:lnRef idx="2">
+              <a:schemeClr val="accent1">
+                <a:shade val="50000"/>
+              </a:schemeClr>
+            </a:lnRef>
+            <a:fillRef idx="1">
+              <a:schemeClr val="accent1"/>
+            </a:fillRef>
+            <a:effectRef idx="0">
+              <a:schemeClr val="accent1"/>
+            </a:effectRef>
+            <a:fontRef idx="minor">
+              <a:schemeClr val="lt1"/>
+            </a:fontRef>
+          </p:style>
+          <p:txBody>
+            <a:bodyPr rtlCol="0" anchor="ctr"/>
+            <a:lstStyle/>
+            <a:p>
+              <a:pPr algn="ctr"/>
+              <a:endParaRPr lang="en-US" dirty="0"/>
+            </a:p>
+          </p:txBody>
+        </p:sp>
+      </p:grpSp>
+      <p:grpSp>
+        <p:nvGrpSpPr>
+          <p:cNvPr id="25" name="Group 24"/>
+          <p:cNvGrpSpPr/>
+          <p:nvPr/>
+        </p:nvGrpSpPr>
+        <p:grpSpPr>
+          <a:xfrm>
+            <a:off x="5336286" y="1600200"/>
+            <a:ext cx="1033272" cy="1033272"/>
+            <a:chOff x="6864096" y="158496"/>
+            <a:chExt cx="1033272" cy="1033272"/>
+          </a:xfrm>
+        </p:grpSpPr>
+        <p:sp>
+          <p:nvSpPr>
+            <p:cNvPr id="23" name="Oval 22"/>
+            <p:cNvSpPr/>
+            <p:nvPr/>
+          </p:nvSpPr>
+          <p:spPr>
+            <a:xfrm>
+              <a:off x="6864096" y="158496"/>
+              <a:ext cx="1033272" cy="1033272"/>
+            </a:xfrm>
+            <a:prstGeom prst="ellipse">
+              <a:avLst/>
+            </a:prstGeom>
+          </p:spPr>
+          <p:style>
+            <a:lnRef idx="2">
+              <a:schemeClr val="accent2">
+                <a:shade val="50000"/>
+              </a:schemeClr>
+            </a:lnRef>
+            <a:fillRef idx="1">
+              <a:schemeClr val="accent2"/>
+            </a:fillRef>
+            <a:effectRef idx="0">
+              <a:schemeClr val="accent2"/>
+            </a:effectRef>
+            <a:fontRef idx="minor">
+              <a:schemeClr val="lt1"/>
+            </a:fontRef>
+          </p:style>
+          <p:txBody>
+            <a:bodyPr rtlCol="0" anchor="ctr"/>
+            <a:lstStyle/>
+            <a:p>
+              <a:pPr algn="ctr"/>
+              <a:endParaRPr lang="en-US" dirty="0"/>
+            </a:p>
+          </p:txBody>
+        </p:sp>
+        <p:sp>
+          <p:nvSpPr>
+            <p:cNvPr id="11" name="Oval 10"/>
+            <p:cNvSpPr/>
+            <p:nvPr/>
+          </p:nvSpPr>
+          <p:spPr>
+            <a:xfrm>
+              <a:off x="7010400" y="303944"/>
+              <a:ext cx="740664" cy="740664"/>
+            </a:xfrm>
+            <a:prstGeom prst="ellipse">
+              <a:avLst/>
+            </a:prstGeom>
+          </p:spPr>
+          <p:style>
+            <a:lnRef idx="2">
+              <a:schemeClr val="accent1">
+                <a:shade val="50000"/>
+              </a:schemeClr>
+            </a:lnRef>
+            <a:fillRef idx="1">
+              <a:schemeClr val="accent1"/>
+            </a:fillRef>
+            <a:effectRef idx="0">
+              <a:schemeClr val="accent1"/>
+            </a:effectRef>
+            <a:fontRef idx="minor">
+              <a:schemeClr val="lt1"/>
+            </a:fontRef>
+          </p:style>
+          <p:txBody>
+            <a:bodyPr rtlCol="0" anchor="ctr"/>
+            <a:lstStyle/>
+            <a:p>
+              <a:pPr algn="ctr"/>
+              <a:r>
+                <a:rPr lang="en-US" dirty="0" err="1" smtClean="0"/>
+                <a:t>usb</a:t>
+              </a:r>
+              <a:endParaRPr lang="en-US" dirty="0"/>
+            </a:p>
+          </p:txBody>
+        </p:sp>
+      </p:grpSp>
+      <p:cxnSp>
+        <p:nvCxnSpPr>
+          <p:cNvPr id="16" name="Straight Connector 15"/>
+          <p:cNvCxnSpPr/>
+          <p:nvPr/>
+        </p:nvCxnSpPr>
+        <p:spPr>
+          <a:xfrm>
+            <a:off x="228600" y="0"/>
+            <a:ext cx="0" cy="2971800"/>
+          </a:xfrm>
+          <a:prstGeom prst="line">
+            <a:avLst/>
+          </a:prstGeom>
+        </p:spPr>
+        <p:style>
+          <a:lnRef idx="1">
+            <a:schemeClr val="accent1"/>
+          </a:lnRef>
+          <a:fillRef idx="0">
+            <a:schemeClr val="accent1"/>
+          </a:fillRef>
+          <a:effectRef idx="0">
+            <a:schemeClr val="accent1"/>
+          </a:effectRef>
+          <a:fontRef idx="minor">
+            <a:schemeClr val="tx1"/>
+          </a:fontRef>
+        </p:style>
+      </p:cxnSp>
+      <p:cxnSp>
+        <p:nvCxnSpPr>
+          <p:cNvPr id="17" name="Straight Connector 16"/>
+          <p:cNvCxnSpPr/>
+          <p:nvPr/>
+        </p:nvCxnSpPr>
+        <p:spPr>
+          <a:xfrm>
+            <a:off x="8001000" y="-76200"/>
+            <a:ext cx="0" cy="2971800"/>
+          </a:xfrm>
+          <a:prstGeom prst="line">
+            <a:avLst/>
+          </a:prstGeom>
+        </p:spPr>
+        <p:style>
+          <a:lnRef idx="1">
+            <a:schemeClr val="accent1"/>
+          </a:lnRef>
+          <a:fillRef idx="0">
+            <a:schemeClr val="accent1"/>
+          </a:fillRef>
+          <a:effectRef idx="0">
+            <a:schemeClr val="accent1"/>
+          </a:effectRef>
+          <a:fontRef idx="minor">
+            <a:schemeClr val="tx1"/>
+          </a:fontRef>
+        </p:style>
+      </p:cxnSp>
+      <p:grpSp>
+        <p:nvGrpSpPr>
+          <p:cNvPr id="29" name="Group 28"/>
+          <p:cNvGrpSpPr/>
+          <p:nvPr/>
+        </p:nvGrpSpPr>
+        <p:grpSpPr>
+          <a:xfrm>
+            <a:off x="1364361" y="704850"/>
+            <a:ext cx="1371600" cy="1371600"/>
+            <a:chOff x="2217968" y="817395"/>
+            <a:chExt cx="1371600" cy="1371600"/>
+          </a:xfrm>
+        </p:grpSpPr>
+        <p:sp>
+          <p:nvSpPr>
+            <p:cNvPr id="27" name="Oval 26"/>
+            <p:cNvSpPr/>
+            <p:nvPr/>
+          </p:nvSpPr>
+          <p:spPr>
+            <a:xfrm>
+              <a:off x="2217968" y="817395"/>
+              <a:ext cx="1371600" cy="1371600"/>
+            </a:xfrm>
+            <a:prstGeom prst="ellipse">
+              <a:avLst/>
+            </a:prstGeom>
+          </p:spPr>
+          <p:style>
+            <a:lnRef idx="2">
+              <a:schemeClr val="accent2">
+                <a:shade val="50000"/>
+              </a:schemeClr>
+            </a:lnRef>
+            <a:fillRef idx="1">
+              <a:schemeClr val="accent2"/>
+            </a:fillRef>
+            <a:effectRef idx="0">
+              <a:schemeClr val="accent2"/>
+            </a:effectRef>
+            <a:fontRef idx="minor">
+              <a:schemeClr val="lt1"/>
+            </a:fontRef>
+          </p:style>
+          <p:txBody>
+            <a:bodyPr rtlCol="0" anchor="ctr"/>
+            <a:lstStyle/>
+            <a:p>
+              <a:pPr algn="ctr"/>
+              <a:endParaRPr lang="en-US" dirty="0"/>
+            </a:p>
+          </p:txBody>
+        </p:sp>
+        <p:sp>
+          <p:nvSpPr>
+            <p:cNvPr id="4" name="Oval 3"/>
+            <p:cNvSpPr/>
+            <p:nvPr/>
+          </p:nvSpPr>
+          <p:spPr>
+            <a:xfrm>
+              <a:off x="2387132" y="986559"/>
+              <a:ext cx="1033272" cy="1033272"/>
+            </a:xfrm>
+            <a:prstGeom prst="ellipse">
+              <a:avLst/>
+            </a:prstGeom>
+          </p:spPr>
+          <p:style>
+            <a:lnRef idx="2">
+              <a:schemeClr val="accent1">
+                <a:shade val="50000"/>
+              </a:schemeClr>
+            </a:lnRef>
+            <a:fillRef idx="1">
+              <a:schemeClr val="accent1"/>
+            </a:fillRef>
+            <a:effectRef idx="0">
+              <a:schemeClr val="accent1"/>
+            </a:effectRef>
+            <a:fontRef idx="minor">
+              <a:schemeClr val="lt1"/>
+            </a:fontRef>
+          </p:style>
+          <p:txBody>
+            <a:bodyPr rtlCol="0" anchor="ctr"/>
+            <a:lstStyle/>
+            <a:p>
+              <a:pPr algn="ctr"/>
+              <a:r>
+                <a:rPr lang="en-US" dirty="0" smtClean="0"/>
+                <a:t>rj45</a:t>
+              </a:r>
+              <a:endParaRPr lang="en-US" dirty="0"/>
+            </a:p>
+          </p:txBody>
+        </p:sp>
+      </p:grpSp>
+      <p:grpSp>
+        <p:nvGrpSpPr>
+          <p:cNvPr id="30" name="Group 29"/>
+          <p:cNvGrpSpPr/>
+          <p:nvPr/>
+        </p:nvGrpSpPr>
+        <p:grpSpPr>
+          <a:xfrm>
+            <a:off x="381000" y="1659636"/>
+            <a:ext cx="914400" cy="914400"/>
+            <a:chOff x="269765" y="217076"/>
+            <a:chExt cx="914400" cy="914400"/>
+          </a:xfrm>
+        </p:grpSpPr>
+        <p:sp>
+          <p:nvSpPr>
+            <p:cNvPr id="31" name="Oval 30"/>
+            <p:cNvSpPr/>
+            <p:nvPr/>
+          </p:nvSpPr>
+          <p:spPr>
+            <a:xfrm>
+              <a:off x="269765" y="217076"/>
+              <a:ext cx="914400" cy="914400"/>
+            </a:xfrm>
+            <a:prstGeom prst="ellipse">
+              <a:avLst/>
+            </a:prstGeom>
+          </p:spPr>
+          <p:style>
+            <a:lnRef idx="2">
+              <a:schemeClr val="accent2">
+                <a:shade val="50000"/>
+              </a:schemeClr>
+            </a:lnRef>
+            <a:fillRef idx="1">
+              <a:schemeClr val="accent2"/>
+            </a:fillRef>
+            <a:effectRef idx="0">
+              <a:schemeClr val="accent2"/>
+            </a:effectRef>
+            <a:fontRef idx="minor">
+              <a:schemeClr val="lt1"/>
+            </a:fontRef>
+          </p:style>
+          <p:txBody>
+            <a:bodyPr rtlCol="0" anchor="ctr"/>
+            <a:lstStyle/>
+            <a:p>
+              <a:pPr algn="ctr"/>
+              <a:endParaRPr lang="en-US" dirty="0"/>
+            </a:p>
+          </p:txBody>
+        </p:sp>
+        <p:sp>
+          <p:nvSpPr>
+            <p:cNvPr id="32" name="Oval 31"/>
+            <p:cNvSpPr/>
+            <p:nvPr/>
+          </p:nvSpPr>
+          <p:spPr>
+            <a:xfrm>
+              <a:off x="356633" y="303944"/>
+              <a:ext cx="740664" cy="740664"/>
+            </a:xfrm>
+            <a:prstGeom prst="ellipse">
+              <a:avLst/>
+            </a:prstGeom>
+          </p:spPr>
+          <p:style>
+            <a:lnRef idx="2">
+              <a:schemeClr val="accent1">
+                <a:shade val="50000"/>
+              </a:schemeClr>
+            </a:lnRef>
+            <a:fillRef idx="1">
+              <a:schemeClr val="accent1"/>
+            </a:fillRef>
+            <a:effectRef idx="0">
+              <a:schemeClr val="accent1"/>
+            </a:effectRef>
+            <a:fontRef idx="minor">
+              <a:schemeClr val="lt1"/>
+            </a:fontRef>
+          </p:style>
+          <p:txBody>
+            <a:bodyPr rtlCol="0" anchor="ctr"/>
+            <a:lstStyle/>
+            <a:p>
+              <a:pPr algn="ctr"/>
+              <a:endParaRPr lang="en-US" dirty="0"/>
+            </a:p>
+          </p:txBody>
+        </p:sp>
+      </p:grpSp>
+      <p:grpSp>
+        <p:nvGrpSpPr>
+          <p:cNvPr id="33" name="Group 32"/>
+          <p:cNvGrpSpPr/>
+          <p:nvPr/>
+        </p:nvGrpSpPr>
+        <p:grpSpPr>
+          <a:xfrm>
+            <a:off x="2819400" y="169550"/>
+            <a:ext cx="914400" cy="914400"/>
+            <a:chOff x="269765" y="217076"/>
+            <a:chExt cx="914400" cy="914400"/>
+          </a:xfrm>
+        </p:grpSpPr>
+        <p:sp>
+          <p:nvSpPr>
+            <p:cNvPr id="34" name="Oval 33"/>
+            <p:cNvSpPr/>
+            <p:nvPr/>
+          </p:nvSpPr>
+          <p:spPr>
+            <a:xfrm>
+              <a:off x="269765" y="217076"/>
+              <a:ext cx="914400" cy="914400"/>
+            </a:xfrm>
+            <a:prstGeom prst="ellipse">
+              <a:avLst/>
+            </a:prstGeom>
+          </p:spPr>
+          <p:style>
+            <a:lnRef idx="2">
+              <a:schemeClr val="accent2">
+                <a:shade val="50000"/>
+              </a:schemeClr>
+            </a:lnRef>
+            <a:fillRef idx="1">
+              <a:schemeClr val="accent2"/>
+            </a:fillRef>
+            <a:effectRef idx="0">
+              <a:schemeClr val="accent2"/>
+            </a:effectRef>
+            <a:fontRef idx="minor">
+              <a:schemeClr val="lt1"/>
+            </a:fontRef>
+          </p:style>
+          <p:txBody>
+            <a:bodyPr rtlCol="0" anchor="ctr"/>
+            <a:lstStyle/>
+            <a:p>
+              <a:pPr algn="ctr"/>
+              <a:endParaRPr lang="en-US" dirty="0"/>
+            </a:p>
+          </p:txBody>
+        </p:sp>
+        <p:sp>
+          <p:nvSpPr>
+            <p:cNvPr id="35" name="Oval 34"/>
+            <p:cNvSpPr/>
+            <p:nvPr/>
+          </p:nvSpPr>
+          <p:spPr>
+            <a:xfrm>
+              <a:off x="356633" y="303944"/>
+              <a:ext cx="740664" cy="740664"/>
+            </a:xfrm>
+            <a:prstGeom prst="ellipse">
+              <a:avLst/>
+            </a:prstGeom>
+          </p:spPr>
+          <p:style>
+            <a:lnRef idx="2">
+              <a:schemeClr val="accent1">
+                <a:shade val="50000"/>
+              </a:schemeClr>
+            </a:lnRef>
+            <a:fillRef idx="1">
+              <a:schemeClr val="accent1"/>
+            </a:fillRef>
+            <a:effectRef idx="0">
+              <a:schemeClr val="accent1"/>
+            </a:effectRef>
+            <a:fontRef idx="minor">
+              <a:schemeClr val="lt1"/>
+            </a:fontRef>
+          </p:style>
+          <p:txBody>
+            <a:bodyPr rtlCol="0" anchor="ctr"/>
+            <a:lstStyle/>
+            <a:p>
+              <a:pPr algn="ctr"/>
+              <a:endParaRPr lang="en-US" dirty="0"/>
+            </a:p>
+          </p:txBody>
+        </p:sp>
+      </p:grpSp>
+      <p:grpSp>
+        <p:nvGrpSpPr>
+          <p:cNvPr id="36" name="Group 35"/>
+          <p:cNvGrpSpPr/>
+          <p:nvPr/>
+        </p:nvGrpSpPr>
+        <p:grpSpPr>
+          <a:xfrm>
+            <a:off x="2819400" y="1659636"/>
+            <a:ext cx="914400" cy="914400"/>
+            <a:chOff x="269765" y="217076"/>
+            <a:chExt cx="914400" cy="914400"/>
+          </a:xfrm>
+        </p:grpSpPr>
+        <p:sp>
+          <p:nvSpPr>
+            <p:cNvPr id="37" name="Oval 36"/>
+            <p:cNvSpPr/>
+            <p:nvPr/>
+          </p:nvSpPr>
+          <p:spPr>
+            <a:xfrm>
+              <a:off x="269765" y="217076"/>
+              <a:ext cx="914400" cy="914400"/>
+            </a:xfrm>
+            <a:prstGeom prst="ellipse">
+              <a:avLst/>
+            </a:prstGeom>
+          </p:spPr>
+          <p:style>
+            <a:lnRef idx="2">
+              <a:schemeClr val="accent2">
+                <a:shade val="50000"/>
+              </a:schemeClr>
+            </a:lnRef>
+            <a:fillRef idx="1">
+              <a:schemeClr val="accent2"/>
+            </a:fillRef>
+            <a:effectRef idx="0">
+              <a:schemeClr val="accent2"/>
+            </a:effectRef>
+            <a:fontRef idx="minor">
+              <a:schemeClr val="lt1"/>
+            </a:fontRef>
+          </p:style>
+          <p:txBody>
+            <a:bodyPr rtlCol="0" anchor="ctr"/>
+            <a:lstStyle/>
+            <a:p>
+              <a:pPr algn="ctr"/>
+              <a:endParaRPr lang="en-US" dirty="0"/>
+            </a:p>
+          </p:txBody>
+        </p:sp>
+        <p:sp>
+          <p:nvSpPr>
+            <p:cNvPr id="38" name="Oval 37"/>
+            <p:cNvSpPr/>
+            <p:nvPr/>
+          </p:nvSpPr>
+          <p:spPr>
+            <a:xfrm>
+              <a:off x="356633" y="303944"/>
+              <a:ext cx="740664" cy="740664"/>
+            </a:xfrm>
+            <a:prstGeom prst="ellipse">
+              <a:avLst/>
+            </a:prstGeom>
+          </p:spPr>
+          <p:style>
+            <a:lnRef idx="2">
+              <a:schemeClr val="accent1">
+                <a:shade val="50000"/>
+              </a:schemeClr>
+            </a:lnRef>
+            <a:fillRef idx="1">
+              <a:schemeClr val="accent1"/>
+            </a:fillRef>
+            <a:effectRef idx="0">
+              <a:schemeClr val="accent1"/>
+            </a:effectRef>
+            <a:fontRef idx="minor">
+              <a:schemeClr val="lt1"/>
+            </a:fontRef>
+          </p:style>
+          <p:txBody>
+            <a:bodyPr rtlCol="0" anchor="ctr"/>
+            <a:lstStyle/>
+            <a:p>
+              <a:pPr algn="ctr"/>
+              <a:endParaRPr lang="en-US" dirty="0"/>
+            </a:p>
+          </p:txBody>
+        </p:sp>
+      </p:grpSp>
+      <p:grpSp>
+        <p:nvGrpSpPr>
+          <p:cNvPr id="39" name="Group 38"/>
+          <p:cNvGrpSpPr/>
+          <p:nvPr/>
+        </p:nvGrpSpPr>
+        <p:grpSpPr>
+          <a:xfrm>
+            <a:off x="5334000" y="110114"/>
+            <a:ext cx="1033272" cy="1033272"/>
+            <a:chOff x="6864096" y="158496"/>
+            <a:chExt cx="1033272" cy="1033272"/>
+          </a:xfrm>
+        </p:grpSpPr>
+        <p:sp>
+          <p:nvSpPr>
+            <p:cNvPr id="40" name="Oval 39"/>
+            <p:cNvSpPr/>
+            <p:nvPr/>
+          </p:nvSpPr>
+          <p:spPr>
+            <a:xfrm>
+              <a:off x="6864096" y="158496"/>
+              <a:ext cx="1033272" cy="1033272"/>
+            </a:xfrm>
+            <a:prstGeom prst="ellipse">
+              <a:avLst/>
+            </a:prstGeom>
+          </p:spPr>
+          <p:style>
+            <a:lnRef idx="2">
+              <a:schemeClr val="accent2">
+                <a:shade val="50000"/>
+              </a:schemeClr>
+            </a:lnRef>
+            <a:fillRef idx="1">
+              <a:schemeClr val="accent2"/>
+            </a:fillRef>
+            <a:effectRef idx="0">
+              <a:schemeClr val="accent2"/>
+            </a:effectRef>
+            <a:fontRef idx="minor">
+              <a:schemeClr val="lt1"/>
+            </a:fontRef>
+          </p:style>
+          <p:txBody>
+            <a:bodyPr rtlCol="0" anchor="ctr"/>
+            <a:lstStyle/>
+            <a:p>
+              <a:pPr algn="ctr"/>
+              <a:endParaRPr lang="en-US" dirty="0"/>
+            </a:p>
+          </p:txBody>
+        </p:sp>
+        <p:sp>
+          <p:nvSpPr>
+            <p:cNvPr id="41" name="Oval 40"/>
+            <p:cNvSpPr/>
+            <p:nvPr/>
+          </p:nvSpPr>
+          <p:spPr>
+            <a:xfrm>
+              <a:off x="7010400" y="303944"/>
+              <a:ext cx="740664" cy="740664"/>
+            </a:xfrm>
+            <a:prstGeom prst="ellipse">
+              <a:avLst/>
+            </a:prstGeom>
+          </p:spPr>
+          <p:style>
+            <a:lnRef idx="2">
+              <a:schemeClr val="accent1">
+                <a:shade val="50000"/>
+              </a:schemeClr>
+            </a:lnRef>
+            <a:fillRef idx="1">
+              <a:schemeClr val="accent1"/>
+            </a:fillRef>
+            <a:effectRef idx="0">
+              <a:schemeClr val="accent1"/>
+            </a:effectRef>
+            <a:fontRef idx="minor">
+              <a:schemeClr val="lt1"/>
+            </a:fontRef>
+          </p:style>
+          <p:txBody>
+            <a:bodyPr rtlCol="0" anchor="ctr"/>
+            <a:lstStyle/>
+            <a:p>
+              <a:pPr algn="ctr"/>
+              <a:r>
+                <a:rPr lang="en-US" dirty="0" err="1" smtClean="0"/>
+                <a:t>usb</a:t>
+              </a:r>
+              <a:endParaRPr lang="en-US" dirty="0"/>
+            </a:p>
+          </p:txBody>
+        </p:sp>
+      </p:grpSp>
+      <p:grpSp>
+        <p:nvGrpSpPr>
+          <p:cNvPr id="42" name="Group 41"/>
+          <p:cNvGrpSpPr/>
+          <p:nvPr/>
+        </p:nvGrpSpPr>
+        <p:grpSpPr>
+          <a:xfrm>
+            <a:off x="6858000" y="1600200"/>
+            <a:ext cx="1033272" cy="1033272"/>
+            <a:chOff x="6864096" y="158496"/>
+            <a:chExt cx="1033272" cy="1033272"/>
+          </a:xfrm>
+        </p:grpSpPr>
+        <p:sp>
+          <p:nvSpPr>
+            <p:cNvPr id="43" name="Oval 42"/>
+            <p:cNvSpPr/>
+            <p:nvPr/>
+          </p:nvSpPr>
+          <p:spPr>
+            <a:xfrm>
+              <a:off x="6864096" y="158496"/>
+              <a:ext cx="1033272" cy="1033272"/>
+            </a:xfrm>
+            <a:prstGeom prst="ellipse">
+              <a:avLst/>
+            </a:prstGeom>
+            <a:ln>
+              <a:prstDash val="sysDot"/>
+            </a:ln>
+          </p:spPr>
+          <p:style>
+            <a:lnRef idx="2">
+              <a:schemeClr val="accent2">
+                <a:shade val="50000"/>
+              </a:schemeClr>
+            </a:lnRef>
+            <a:fillRef idx="1">
+              <a:schemeClr val="accent2"/>
+            </a:fillRef>
+            <a:effectRef idx="0">
+              <a:schemeClr val="accent2"/>
+            </a:effectRef>
+            <a:fontRef idx="minor">
+              <a:schemeClr val="lt1"/>
+            </a:fontRef>
+          </p:style>
+          <p:txBody>
+            <a:bodyPr rtlCol="0" anchor="ctr"/>
+            <a:lstStyle/>
+            <a:p>
+              <a:pPr algn="ctr"/>
+              <a:endParaRPr lang="en-US" dirty="0"/>
+            </a:p>
+          </p:txBody>
+        </p:sp>
+        <p:sp>
+          <p:nvSpPr>
+            <p:cNvPr id="44" name="Oval 43"/>
+            <p:cNvSpPr/>
+            <p:nvPr/>
+          </p:nvSpPr>
+          <p:spPr>
+            <a:xfrm>
+              <a:off x="7010400" y="303944"/>
+              <a:ext cx="740664" cy="740664"/>
+            </a:xfrm>
+            <a:prstGeom prst="ellipse">
+              <a:avLst/>
+            </a:prstGeom>
+            <a:ln>
+              <a:prstDash val="sysDot"/>
+            </a:ln>
+          </p:spPr>
+          <p:style>
+            <a:lnRef idx="2">
+              <a:schemeClr val="accent1">
+                <a:shade val="50000"/>
+              </a:schemeClr>
+            </a:lnRef>
+            <a:fillRef idx="1">
+              <a:schemeClr val="accent1"/>
+            </a:fillRef>
+            <a:effectRef idx="0">
+              <a:schemeClr val="accent1"/>
+            </a:effectRef>
+            <a:fontRef idx="minor">
+              <a:schemeClr val="lt1"/>
+            </a:fontRef>
+          </p:style>
+          <p:txBody>
+            <a:bodyPr rtlCol="0" anchor="ctr"/>
+            <a:lstStyle/>
+            <a:p>
+              <a:pPr algn="ctr"/>
+              <a:r>
+                <a:rPr lang="en-US" dirty="0" err="1" smtClean="0"/>
+                <a:t>usb</a:t>
+              </a:r>
+              <a:endParaRPr lang="en-US" dirty="0"/>
+            </a:p>
+          </p:txBody>
+        </p:sp>
+      </p:grpSp>
+      <p:grpSp>
+        <p:nvGrpSpPr>
+          <p:cNvPr id="52" name="Group 51"/>
+          <p:cNvGrpSpPr/>
+          <p:nvPr/>
+        </p:nvGrpSpPr>
+        <p:grpSpPr>
+          <a:xfrm>
+            <a:off x="3886200" y="704850"/>
+            <a:ext cx="1371600" cy="1371600"/>
+            <a:chOff x="2217968" y="817395"/>
+            <a:chExt cx="1371600" cy="1371600"/>
+          </a:xfrm>
+        </p:grpSpPr>
+        <p:sp>
+          <p:nvSpPr>
+            <p:cNvPr id="53" name="Oval 52"/>
+            <p:cNvSpPr/>
+            <p:nvPr/>
+          </p:nvSpPr>
+          <p:spPr>
+            <a:xfrm>
+              <a:off x="2217968" y="817395"/>
+              <a:ext cx="1371600" cy="1371600"/>
+            </a:xfrm>
+            <a:prstGeom prst="ellipse">
+              <a:avLst/>
+            </a:prstGeom>
+            <a:ln>
+              <a:prstDash val="sysDot"/>
+            </a:ln>
+          </p:spPr>
+          <p:style>
+            <a:lnRef idx="2">
+              <a:schemeClr val="accent2">
+                <a:shade val="50000"/>
+              </a:schemeClr>
+            </a:lnRef>
+            <a:fillRef idx="1">
+              <a:schemeClr val="accent2"/>
+            </a:fillRef>
+            <a:effectRef idx="0">
+              <a:schemeClr val="accent2"/>
+            </a:effectRef>
+            <a:fontRef idx="minor">
+              <a:schemeClr val="lt1"/>
+            </a:fontRef>
+          </p:style>
+          <p:txBody>
+            <a:bodyPr rtlCol="0" anchor="ctr"/>
+            <a:lstStyle/>
+            <a:p>
+              <a:pPr algn="ctr"/>
+              <a:endParaRPr lang="en-US" dirty="0"/>
+            </a:p>
+          </p:txBody>
+        </p:sp>
+        <p:sp>
+          <p:nvSpPr>
+            <p:cNvPr id="54" name="Oval 53"/>
+            <p:cNvSpPr/>
+            <p:nvPr/>
+          </p:nvSpPr>
+          <p:spPr>
+            <a:xfrm>
+              <a:off x="2387132" y="986559"/>
+              <a:ext cx="1033272" cy="1033272"/>
+            </a:xfrm>
+            <a:prstGeom prst="ellipse">
+              <a:avLst/>
+            </a:prstGeom>
+            <a:ln>
+              <a:prstDash val="sysDot"/>
+            </a:ln>
+          </p:spPr>
+          <p:style>
+            <a:lnRef idx="2">
+              <a:schemeClr val="accent1">
+                <a:shade val="50000"/>
+              </a:schemeClr>
+            </a:lnRef>
+            <a:fillRef idx="1">
+              <a:schemeClr val="accent1"/>
+            </a:fillRef>
+            <a:effectRef idx="0">
+              <a:schemeClr val="accent1"/>
+            </a:effectRef>
+            <a:fontRef idx="minor">
+              <a:schemeClr val="lt1"/>
+            </a:fontRef>
+          </p:style>
+          <p:txBody>
+            <a:bodyPr rtlCol="0" anchor="ctr"/>
+            <a:lstStyle/>
+            <a:p>
+              <a:pPr algn="ctr"/>
+              <a:r>
+                <a:rPr lang="en-US" dirty="0" smtClean="0"/>
+                <a:t>rj45</a:t>
+              </a:r>
+              <a:endParaRPr lang="en-US" dirty="0"/>
+            </a:p>
+          </p:txBody>
+        </p:sp>
+      </p:grpSp>
+      <p:sp>
+        <p:nvSpPr>
+          <p:cNvPr id="57" name="Oval 56"/>
+          <p:cNvSpPr/>
+          <p:nvPr/>
+        </p:nvSpPr>
+        <p:spPr>
+          <a:xfrm>
+            <a:off x="6507480" y="1253490"/>
+            <a:ext cx="274320" cy="274320"/>
+          </a:xfrm>
+          <a:prstGeom prst="ellipse">
+            <a:avLst/>
+          </a:prstGeom>
+          <a:ln>
+            <a:prstDash val="sysDot"/>
+          </a:ln>
+        </p:spPr>
+        <p:style>
+          <a:lnRef idx="2">
+            <a:schemeClr val="accent1">
+              <a:shade val="50000"/>
+            </a:schemeClr>
+          </a:lnRef>
+          <a:fillRef idx="1">
+            <a:schemeClr val="accent1"/>
+          </a:fillRef>
+          <a:effectRef idx="0">
+            <a:schemeClr val="accent1"/>
+          </a:effectRef>
+          <a:fontRef idx="minor">
+            <a:schemeClr val="lt1"/>
+          </a:fontRef>
+        </p:style>
+        <p:txBody>
+          <a:bodyPr rtlCol="0" anchor="ctr"/>
+          <a:lstStyle/>
+          <a:p>
+            <a:pPr algn="ctr"/>
+            <a:r>
+              <a:rPr lang="en-US" dirty="0" err="1" smtClean="0"/>
+              <a:t>xbee</a:t>
+            </a:r>
+            <a:endParaRPr lang="en-US" dirty="0"/>
+          </a:p>
+        </p:txBody>
+      </p:sp>
+      <p:cxnSp>
+        <p:nvCxnSpPr>
+          <p:cNvPr id="58" name="Straight Connector 57"/>
+          <p:cNvCxnSpPr/>
+          <p:nvPr/>
+        </p:nvCxnSpPr>
+        <p:spPr>
+          <a:xfrm>
+            <a:off x="0" y="0"/>
+            <a:ext cx="8229600" cy="0"/>
+          </a:xfrm>
+          <a:prstGeom prst="line">
+            <a:avLst/>
+          </a:prstGeom>
+        </p:spPr>
+        <p:style>
+          <a:lnRef idx="1">
+            <a:schemeClr val="accent1"/>
+          </a:lnRef>
+          <a:fillRef idx="0">
+            <a:schemeClr val="accent1"/>
+          </a:fillRef>
+          <a:effectRef idx="0">
+            <a:schemeClr val="accent1"/>
+          </a:effectRef>
+          <a:fontRef idx="minor">
+            <a:schemeClr val="tx1"/>
+          </a:fontRef>
+        </p:style>
+      </p:cxnSp>
+      <p:cxnSp>
+        <p:nvCxnSpPr>
+          <p:cNvPr id="123" name="Straight Connector 122"/>
+          <p:cNvCxnSpPr>
+            <a:stCxn id="57" idx="3"/>
+            <a:endCxn id="57" idx="7"/>
+          </p:cNvCxnSpPr>
+          <p:nvPr/>
+        </p:nvCxnSpPr>
+        <p:spPr>
+          <a:xfrm flipV="1">
+            <a:off x="6547653" y="1293663"/>
+            <a:ext cx="193974" cy="193974"/>
+          </a:xfrm>
+          <a:prstGeom prst="line">
+            <a:avLst/>
+          </a:prstGeom>
+          <a:ln>
+            <a:prstDash val="sysDot"/>
+          </a:ln>
+        </p:spPr>
+        <p:style>
+          <a:lnRef idx="3">
+            <a:schemeClr val="dk1"/>
+          </a:lnRef>
+          <a:fillRef idx="0">
+            <a:schemeClr val="dk1"/>
+          </a:fillRef>
+          <a:effectRef idx="2">
+            <a:schemeClr val="dk1"/>
+          </a:effectRef>
+          <a:fontRef idx="minor">
+            <a:schemeClr val="tx1"/>
+          </a:fontRef>
+        </p:style>
+      </p:cxnSp>
+      <p:cxnSp>
+        <p:nvCxnSpPr>
+          <p:cNvPr id="126" name="Straight Connector 125"/>
+          <p:cNvCxnSpPr>
+            <a:stCxn id="57" idx="1"/>
+            <a:endCxn id="57" idx="5"/>
+          </p:cNvCxnSpPr>
+          <p:nvPr/>
+        </p:nvCxnSpPr>
+        <p:spPr>
+          <a:xfrm>
+            <a:off x="6547653" y="1293663"/>
+            <a:ext cx="193974" cy="193974"/>
+          </a:xfrm>
+          <a:prstGeom prst="line">
+            <a:avLst/>
+          </a:prstGeom>
+          <a:ln>
+            <a:prstDash val="sysDot"/>
+          </a:ln>
+        </p:spPr>
+        <p:style>
+          <a:lnRef idx="3">
+            <a:schemeClr val="dk1"/>
+          </a:lnRef>
+          <a:fillRef idx="0">
+            <a:schemeClr val="dk1"/>
+          </a:fillRef>
+          <a:effectRef idx="2">
+            <a:schemeClr val="dk1"/>
+          </a:effectRef>
+          <a:fontRef idx="minor">
+            <a:schemeClr val="tx1"/>
+          </a:fontRef>
+        </p:style>
+      </p:cxnSp>
+      <p:sp>
+        <p:nvSpPr>
+          <p:cNvPr id="129" name="TextBox 128"/>
+          <p:cNvSpPr txBox="1"/>
+          <p:nvPr/>
+        </p:nvSpPr>
+        <p:spPr>
+          <a:xfrm>
+            <a:off x="565785" y="1107757"/>
+            <a:ext cx="661797" cy="492443"/>
+          </a:xfrm>
+          <a:prstGeom prst="rect">
+            <a:avLst/>
+          </a:prstGeom>
+          <a:noFill/>
+        </p:spPr>
+        <p:txBody>
+          <a:bodyPr wrap="square" rtlCol="0">
+            <a:spAutoFit/>
+          </a:bodyPr>
+          <a:lstStyle/>
+          <a:p>
+            <a:r>
+              <a:rPr lang="en-US" dirty="0" smtClean="0"/>
+              <a:t>radio</a:t>
+            </a:r>
+            <a:endParaRPr lang="en-US" dirty="0" smtClean="0"/>
+          </a:p>
+          <a:p>
+            <a:endParaRPr lang="en-US" dirty="0"/>
+          </a:p>
+        </p:txBody>
+      </p:sp>
+      <p:sp>
+        <p:nvSpPr>
+          <p:cNvPr id="130" name="TextBox 129"/>
+          <p:cNvSpPr txBox="1"/>
+          <p:nvPr/>
+        </p:nvSpPr>
+        <p:spPr>
+          <a:xfrm>
+            <a:off x="464645" y="2649378"/>
+            <a:ext cx="1294765" cy="492443"/>
+          </a:xfrm>
+          <a:prstGeom prst="rect">
+            <a:avLst/>
+          </a:prstGeom>
+          <a:noFill/>
+        </p:spPr>
+        <p:txBody>
+          <a:bodyPr wrap="square" rtlCol="0">
+            <a:spAutoFit/>
+          </a:bodyPr>
+          <a:lstStyle/>
+          <a:p>
+            <a:r>
+              <a:rPr lang="en-US" dirty="0" smtClean="0"/>
+              <a:t>transducer</a:t>
+            </a:r>
+            <a:endParaRPr lang="en-US" dirty="0" smtClean="0"/>
+          </a:p>
+          <a:p>
+            <a:endParaRPr lang="en-US" dirty="0"/>
+          </a:p>
+        </p:txBody>
+      </p:sp>
+      <p:sp>
+        <p:nvSpPr>
+          <p:cNvPr id="131" name="TextBox 130"/>
+          <p:cNvSpPr txBox="1"/>
+          <p:nvPr/>
+        </p:nvSpPr>
+        <p:spPr>
+          <a:xfrm>
+            <a:off x="2985135" y="2620168"/>
+            <a:ext cx="661797" cy="492443"/>
+          </a:xfrm>
+          <a:prstGeom prst="rect">
+            <a:avLst/>
+          </a:prstGeom>
+          <a:noFill/>
+        </p:spPr>
+        <p:txBody>
+          <a:bodyPr wrap="square" rtlCol="0">
+            <a:spAutoFit/>
+          </a:bodyPr>
+          <a:lstStyle/>
+          <a:p>
+            <a:r>
+              <a:rPr lang="en-US" dirty="0" smtClean="0"/>
+              <a:t>servo</a:t>
+            </a:r>
+            <a:endParaRPr lang="en-US" dirty="0" smtClean="0"/>
+          </a:p>
+          <a:p>
+            <a:endParaRPr lang="en-US" dirty="0"/>
+          </a:p>
+        </p:txBody>
+      </p:sp>
+      <p:sp>
+        <p:nvSpPr>
+          <p:cNvPr id="132" name="TextBox 131"/>
+          <p:cNvSpPr txBox="1"/>
+          <p:nvPr/>
+        </p:nvSpPr>
+        <p:spPr>
+          <a:xfrm>
+            <a:off x="2985061" y="1167193"/>
+            <a:ext cx="661797" cy="492443"/>
+          </a:xfrm>
+          <a:prstGeom prst="rect">
+            <a:avLst/>
+          </a:prstGeom>
+          <a:noFill/>
+        </p:spPr>
+        <p:txBody>
+          <a:bodyPr wrap="square" rtlCol="0">
+            <a:spAutoFit/>
+          </a:bodyPr>
+          <a:lstStyle/>
+          <a:p>
+            <a:r>
+              <a:rPr lang="en-US" dirty="0" smtClean="0"/>
+              <a:t>motor</a:t>
+            </a:r>
+            <a:endParaRPr lang="en-US" dirty="0" smtClean="0"/>
+          </a:p>
+          <a:p>
+            <a:endParaRPr lang="en-US" dirty="0"/>
+          </a:p>
+        </p:txBody>
+      </p:sp>
+      <p:sp>
+        <p:nvSpPr>
+          <p:cNvPr id="133" name="TextBox 132"/>
+          <p:cNvSpPr txBox="1"/>
+          <p:nvPr/>
+        </p:nvSpPr>
+        <p:spPr>
+          <a:xfrm>
+            <a:off x="4818507" y="133451"/>
+            <a:ext cx="661797" cy="492443"/>
+          </a:xfrm>
+          <a:prstGeom prst="rect">
+            <a:avLst/>
+          </a:prstGeom>
+          <a:noFill/>
+        </p:spPr>
+        <p:txBody>
+          <a:bodyPr wrap="square" rtlCol="0">
+            <a:spAutoFit/>
+          </a:bodyPr>
+          <a:lstStyle/>
+          <a:p>
+            <a:r>
+              <a:rPr lang="en-US" dirty="0" smtClean="0"/>
+              <a:t>13/16</a:t>
+            </a:r>
+          </a:p>
+          <a:p>
+            <a:endParaRPr lang="en-US" dirty="0"/>
+          </a:p>
+        </p:txBody>
+      </p:sp>
+      <p:sp>
+        <p:nvSpPr>
+          <p:cNvPr id="134" name="TextBox 133"/>
+          <p:cNvSpPr txBox="1"/>
+          <p:nvPr/>
+        </p:nvSpPr>
+        <p:spPr>
+          <a:xfrm>
+            <a:off x="4818506" y="2271052"/>
+            <a:ext cx="661797" cy="492443"/>
+          </a:xfrm>
+          <a:prstGeom prst="rect">
+            <a:avLst/>
+          </a:prstGeom>
+          <a:noFill/>
+        </p:spPr>
+        <p:txBody>
+          <a:bodyPr wrap="square" rtlCol="0">
+            <a:spAutoFit/>
+          </a:bodyPr>
+          <a:lstStyle/>
+          <a:p>
+            <a:r>
+              <a:rPr lang="en-US" dirty="0" smtClean="0"/>
+              <a:t>13/16</a:t>
+            </a:r>
+          </a:p>
+          <a:p>
+            <a:endParaRPr lang="en-US" dirty="0"/>
+          </a:p>
+        </p:txBody>
+      </p:sp>
+      <p:sp>
+        <p:nvSpPr>
+          <p:cNvPr id="135" name="TextBox 134"/>
+          <p:cNvSpPr txBox="1"/>
+          <p:nvPr/>
+        </p:nvSpPr>
+        <p:spPr>
+          <a:xfrm>
+            <a:off x="6424803" y="2326957"/>
+            <a:ext cx="661797" cy="492443"/>
+          </a:xfrm>
+          <a:prstGeom prst="rect">
+            <a:avLst/>
+          </a:prstGeom>
+          <a:noFill/>
+        </p:spPr>
+        <p:txBody>
+          <a:bodyPr wrap="square" rtlCol="0">
+            <a:spAutoFit/>
+          </a:bodyPr>
+          <a:lstStyle/>
+          <a:p>
+            <a:r>
+              <a:rPr lang="en-US" dirty="0" smtClean="0"/>
+              <a:t>13/16</a:t>
+            </a:r>
+          </a:p>
+          <a:p>
+            <a:endParaRPr lang="en-US" dirty="0"/>
+          </a:p>
+        </p:txBody>
+      </p:sp>
+      <p:sp>
+        <p:nvSpPr>
+          <p:cNvPr id="136" name="TextBox 135"/>
+          <p:cNvSpPr txBox="1"/>
+          <p:nvPr/>
+        </p:nvSpPr>
+        <p:spPr>
+          <a:xfrm>
+            <a:off x="6616065" y="87284"/>
+            <a:ext cx="661797" cy="292388"/>
+          </a:xfrm>
+          <a:prstGeom prst="rect">
+            <a:avLst/>
+          </a:prstGeom>
+          <a:noFill/>
+        </p:spPr>
+        <p:txBody>
+          <a:bodyPr wrap="square" rtlCol="0">
+            <a:spAutoFit/>
+          </a:bodyPr>
+          <a:lstStyle/>
+          <a:p>
+            <a:r>
+              <a:rPr lang="en-US" dirty="0" smtClean="0"/>
+              <a:t>5/8</a:t>
+            </a:r>
+            <a:endParaRPr lang="en-US" dirty="0"/>
+          </a:p>
+        </p:txBody>
+      </p:sp>
+      <p:sp>
+        <p:nvSpPr>
+          <p:cNvPr id="137" name="TextBox 136"/>
+          <p:cNvSpPr txBox="1"/>
+          <p:nvPr/>
+        </p:nvSpPr>
+        <p:spPr>
+          <a:xfrm>
+            <a:off x="1565227" y="431368"/>
+            <a:ext cx="661797" cy="292388"/>
+          </a:xfrm>
+          <a:prstGeom prst="rect">
+            <a:avLst/>
+          </a:prstGeom>
+          <a:noFill/>
+        </p:spPr>
+        <p:txBody>
+          <a:bodyPr wrap="square" rtlCol="0">
+            <a:spAutoFit/>
+          </a:bodyPr>
+          <a:lstStyle/>
+          <a:p>
+            <a:r>
+              <a:rPr lang="en-US" dirty="0" smtClean="0"/>
+              <a:t>1 1/8</a:t>
+            </a:r>
+            <a:endParaRPr lang="en-US" dirty="0"/>
+          </a:p>
+        </p:txBody>
+      </p:sp>
+      <p:sp>
+        <p:nvSpPr>
+          <p:cNvPr id="138" name="TextBox 137"/>
+          <p:cNvSpPr txBox="1"/>
+          <p:nvPr/>
+        </p:nvSpPr>
+        <p:spPr>
+          <a:xfrm>
+            <a:off x="4156709" y="480556"/>
+            <a:ext cx="661797" cy="292388"/>
+          </a:xfrm>
+          <a:prstGeom prst="rect">
+            <a:avLst/>
+          </a:prstGeom>
+          <a:noFill/>
+        </p:spPr>
+        <p:txBody>
+          <a:bodyPr wrap="square" rtlCol="0">
+            <a:spAutoFit/>
+          </a:bodyPr>
+          <a:lstStyle/>
+          <a:p>
+            <a:r>
+              <a:rPr lang="en-US" dirty="0" smtClean="0"/>
+              <a:t>1 1/8</a:t>
+            </a:r>
+            <a:endParaRPr lang="en-US" dirty="0"/>
+          </a:p>
+        </p:txBody>
+      </p:sp>
+      <p:sp>
+        <p:nvSpPr>
+          <p:cNvPr id="3" name="Oval 2"/>
+          <p:cNvSpPr/>
+          <p:nvPr/>
+        </p:nvSpPr>
+        <p:spPr>
+          <a:xfrm>
+            <a:off x="914400" y="457200"/>
+            <a:ext cx="76200" cy="76200"/>
+          </a:xfrm>
+          <a:prstGeom prst="ellipse">
+            <a:avLst/>
+          </a:prstGeom>
+        </p:spPr>
+        <p:style>
+          <a:lnRef idx="2">
+            <a:schemeClr val="accent3">
+              <a:shade val="50000"/>
+            </a:schemeClr>
+          </a:lnRef>
+          <a:fillRef idx="1">
+            <a:schemeClr val="accent3"/>
+          </a:fillRef>
+          <a:effectRef idx="0">
+            <a:schemeClr val="accent3"/>
+          </a:effectRef>
+          <a:fontRef idx="minor">
+            <a:schemeClr val="lt1"/>
+          </a:fontRef>
+        </p:style>
+        <p:txBody>
+          <a:bodyPr rtlCol="0" anchor="ctr"/>
+          <a:lstStyle/>
+          <a:p>
+            <a:pPr algn="ctr"/>
+            <a:endParaRPr lang="en-US"/>
+          </a:p>
+        </p:txBody>
+      </p:sp>
+      <p:sp>
+        <p:nvSpPr>
+          <p:cNvPr id="72" name="Oval 71"/>
+          <p:cNvSpPr/>
+          <p:nvPr/>
+        </p:nvSpPr>
+        <p:spPr>
+          <a:xfrm>
+            <a:off x="914400" y="685800"/>
+            <a:ext cx="76200" cy="76200"/>
+          </a:xfrm>
+          <a:prstGeom prst="ellipse">
+            <a:avLst/>
+          </a:prstGeom>
+        </p:spPr>
+        <p:style>
+          <a:lnRef idx="2">
+            <a:schemeClr val="accent3">
+              <a:shade val="50000"/>
+            </a:schemeClr>
+          </a:lnRef>
+          <a:fillRef idx="1">
+            <a:schemeClr val="accent3"/>
+          </a:fillRef>
+          <a:effectRef idx="0">
+            <a:schemeClr val="accent3"/>
+          </a:effectRef>
+          <a:fontRef idx="minor">
+            <a:schemeClr val="lt1"/>
+          </a:fontRef>
+        </p:style>
+        <p:txBody>
+          <a:bodyPr rtlCol="0" anchor="ctr"/>
+          <a:lstStyle/>
+          <a:p>
+            <a:pPr algn="ctr"/>
+            <a:endParaRPr lang="en-US"/>
+          </a:p>
+        </p:txBody>
+      </p:sp>
+      <p:sp>
+        <p:nvSpPr>
+          <p:cNvPr id="73" name="Oval 72"/>
+          <p:cNvSpPr/>
+          <p:nvPr/>
+        </p:nvSpPr>
+        <p:spPr>
+          <a:xfrm>
+            <a:off x="685800" y="685800"/>
+            <a:ext cx="76200" cy="76200"/>
+          </a:xfrm>
+          <a:prstGeom prst="ellipse">
+            <a:avLst/>
+          </a:prstGeom>
+        </p:spPr>
+        <p:style>
+          <a:lnRef idx="2">
+            <a:schemeClr val="accent3">
+              <a:shade val="50000"/>
+            </a:schemeClr>
+          </a:lnRef>
+          <a:fillRef idx="1">
+            <a:schemeClr val="accent3"/>
+          </a:fillRef>
+          <a:effectRef idx="0">
+            <a:schemeClr val="accent3"/>
+          </a:effectRef>
+          <a:fontRef idx="minor">
+            <a:schemeClr val="lt1"/>
+          </a:fontRef>
+        </p:style>
+        <p:txBody>
+          <a:bodyPr rtlCol="0" anchor="ctr"/>
+          <a:lstStyle/>
+          <a:p>
+            <a:pPr algn="ctr"/>
+            <a:endParaRPr lang="en-US"/>
+          </a:p>
+        </p:txBody>
+      </p:sp>
+      <p:sp>
+        <p:nvSpPr>
+          <p:cNvPr id="75" name="Oval 74"/>
+          <p:cNvSpPr/>
+          <p:nvPr/>
+        </p:nvSpPr>
+        <p:spPr>
+          <a:xfrm>
+            <a:off x="685800" y="457200"/>
+            <a:ext cx="76200" cy="76200"/>
+          </a:xfrm>
+          <a:prstGeom prst="ellipse">
+            <a:avLst/>
+          </a:prstGeom>
+        </p:spPr>
+        <p:style>
+          <a:lnRef idx="2">
+            <a:schemeClr val="accent3">
+              <a:shade val="50000"/>
+            </a:schemeClr>
+          </a:lnRef>
+          <a:fillRef idx="1">
+            <a:schemeClr val="accent3"/>
+          </a:fillRef>
+          <a:effectRef idx="0">
+            <a:schemeClr val="accent3"/>
+          </a:effectRef>
+          <a:fontRef idx="minor">
+            <a:schemeClr val="lt1"/>
+          </a:fontRef>
+        </p:style>
+        <p:txBody>
+          <a:bodyPr rtlCol="0" anchor="ctr"/>
+          <a:lstStyle/>
+          <a:p>
+            <a:pPr algn="ctr"/>
+            <a:endParaRPr lang="en-US"/>
+          </a:p>
+        </p:txBody>
+      </p:sp>
+      <p:sp>
+        <p:nvSpPr>
+          <p:cNvPr id="76" name="Oval 75"/>
+          <p:cNvSpPr/>
+          <p:nvPr/>
+        </p:nvSpPr>
+        <p:spPr>
+          <a:xfrm>
+            <a:off x="914400" y="1974246"/>
+            <a:ext cx="76200" cy="76200"/>
+          </a:xfrm>
+          <a:prstGeom prst="ellipse">
+            <a:avLst/>
+          </a:prstGeom>
+        </p:spPr>
+        <p:style>
+          <a:lnRef idx="2">
+            <a:schemeClr val="accent3">
+              <a:shade val="50000"/>
+            </a:schemeClr>
+          </a:lnRef>
+          <a:fillRef idx="1">
+            <a:schemeClr val="accent3"/>
+          </a:fillRef>
+          <a:effectRef idx="0">
+            <a:schemeClr val="accent3"/>
+          </a:effectRef>
+          <a:fontRef idx="minor">
+            <a:schemeClr val="lt1"/>
+          </a:fontRef>
+        </p:style>
+        <p:txBody>
+          <a:bodyPr rtlCol="0" anchor="ctr"/>
+          <a:lstStyle/>
+          <a:p>
+            <a:pPr algn="ctr"/>
+            <a:endParaRPr lang="en-US"/>
+          </a:p>
+        </p:txBody>
+      </p:sp>
+      <p:sp>
+        <p:nvSpPr>
+          <p:cNvPr id="78" name="Oval 77"/>
+          <p:cNvSpPr/>
+          <p:nvPr/>
+        </p:nvSpPr>
+        <p:spPr>
+          <a:xfrm>
+            <a:off x="914400" y="2202846"/>
+            <a:ext cx="76200" cy="76200"/>
+          </a:xfrm>
+          <a:prstGeom prst="ellipse">
+            <a:avLst/>
+          </a:prstGeom>
+        </p:spPr>
+        <p:style>
+          <a:lnRef idx="2">
+            <a:schemeClr val="accent3">
+              <a:shade val="50000"/>
+            </a:schemeClr>
+          </a:lnRef>
+          <a:fillRef idx="1">
+            <a:schemeClr val="accent3"/>
+          </a:fillRef>
+          <a:effectRef idx="0">
+            <a:schemeClr val="accent3"/>
+          </a:effectRef>
+          <a:fontRef idx="minor">
+            <a:schemeClr val="lt1"/>
+          </a:fontRef>
+        </p:style>
+        <p:txBody>
+          <a:bodyPr rtlCol="0" anchor="ctr"/>
+          <a:lstStyle/>
+          <a:p>
+            <a:pPr algn="ctr"/>
+            <a:endParaRPr lang="en-US"/>
+          </a:p>
+        </p:txBody>
+      </p:sp>
+      <p:sp>
+        <p:nvSpPr>
+          <p:cNvPr id="79" name="Oval 78"/>
+          <p:cNvSpPr/>
+          <p:nvPr/>
+        </p:nvSpPr>
+        <p:spPr>
+          <a:xfrm>
+            <a:off x="685800" y="2202846"/>
+            <a:ext cx="76200" cy="76200"/>
+          </a:xfrm>
+          <a:prstGeom prst="ellipse">
+            <a:avLst/>
+          </a:prstGeom>
+        </p:spPr>
+        <p:style>
+          <a:lnRef idx="2">
+            <a:schemeClr val="accent3">
+              <a:shade val="50000"/>
+            </a:schemeClr>
+          </a:lnRef>
+          <a:fillRef idx="1">
+            <a:schemeClr val="accent3"/>
+          </a:fillRef>
+          <a:effectRef idx="0">
+            <a:schemeClr val="accent3"/>
+          </a:effectRef>
+          <a:fontRef idx="minor">
+            <a:schemeClr val="lt1"/>
+          </a:fontRef>
+        </p:style>
+        <p:txBody>
+          <a:bodyPr rtlCol="0" anchor="ctr"/>
+          <a:lstStyle/>
+          <a:p>
+            <a:pPr algn="ctr"/>
+            <a:endParaRPr lang="en-US"/>
+          </a:p>
+        </p:txBody>
+      </p:sp>
+      <p:sp>
+        <p:nvSpPr>
+          <p:cNvPr id="81" name="Oval 80"/>
+          <p:cNvSpPr/>
+          <p:nvPr/>
+        </p:nvSpPr>
+        <p:spPr>
+          <a:xfrm>
+            <a:off x="685800" y="1974246"/>
+            <a:ext cx="76200" cy="76200"/>
+          </a:xfrm>
+          <a:prstGeom prst="ellipse">
+            <a:avLst/>
+          </a:prstGeom>
+        </p:spPr>
+        <p:style>
+          <a:lnRef idx="2">
+            <a:schemeClr val="accent3">
+              <a:shade val="50000"/>
+            </a:schemeClr>
+          </a:lnRef>
+          <a:fillRef idx="1">
+            <a:schemeClr val="accent3"/>
+          </a:fillRef>
+          <a:effectRef idx="0">
+            <a:schemeClr val="accent3"/>
+          </a:effectRef>
+          <a:fontRef idx="minor">
+            <a:schemeClr val="lt1"/>
+          </a:fontRef>
+        </p:style>
+        <p:txBody>
+          <a:bodyPr rtlCol="0" anchor="ctr"/>
+          <a:lstStyle/>
+          <a:p>
+            <a:pPr algn="ctr"/>
+            <a:endParaRPr lang="en-US"/>
+          </a:p>
+        </p:txBody>
+      </p:sp>
+      <p:sp>
+        <p:nvSpPr>
+          <p:cNvPr id="82" name="Oval 81"/>
+          <p:cNvSpPr/>
+          <p:nvPr/>
+        </p:nvSpPr>
+        <p:spPr>
+          <a:xfrm>
+            <a:off x="3352800" y="457200"/>
+            <a:ext cx="76200" cy="76200"/>
+          </a:xfrm>
+          <a:prstGeom prst="ellipse">
+            <a:avLst/>
+          </a:prstGeom>
+        </p:spPr>
+        <p:style>
+          <a:lnRef idx="2">
+            <a:schemeClr val="accent3">
+              <a:shade val="50000"/>
+            </a:schemeClr>
+          </a:lnRef>
+          <a:fillRef idx="1">
+            <a:schemeClr val="accent3"/>
+          </a:fillRef>
+          <a:effectRef idx="0">
+            <a:schemeClr val="accent3"/>
+          </a:effectRef>
+          <a:fontRef idx="minor">
+            <a:schemeClr val="lt1"/>
+          </a:fontRef>
+        </p:style>
+        <p:txBody>
+          <a:bodyPr rtlCol="0" anchor="ctr"/>
+          <a:lstStyle/>
+          <a:p>
+            <a:pPr algn="ctr"/>
+            <a:endParaRPr lang="en-US"/>
+          </a:p>
+        </p:txBody>
+      </p:sp>
+      <p:sp>
+        <p:nvSpPr>
+          <p:cNvPr id="84" name="Oval 83"/>
+          <p:cNvSpPr/>
+          <p:nvPr/>
+        </p:nvSpPr>
+        <p:spPr>
+          <a:xfrm>
+            <a:off x="3352800" y="685800"/>
+            <a:ext cx="76200" cy="76200"/>
+          </a:xfrm>
+          <a:prstGeom prst="ellipse">
+            <a:avLst/>
+          </a:prstGeom>
+        </p:spPr>
+        <p:style>
+          <a:lnRef idx="2">
+            <a:schemeClr val="accent3">
+              <a:shade val="50000"/>
+            </a:schemeClr>
+          </a:lnRef>
+          <a:fillRef idx="1">
+            <a:schemeClr val="accent3"/>
+          </a:fillRef>
+          <a:effectRef idx="0">
+            <a:schemeClr val="accent3"/>
+          </a:effectRef>
+          <a:fontRef idx="minor">
+            <a:schemeClr val="lt1"/>
+          </a:fontRef>
+        </p:style>
+        <p:txBody>
+          <a:bodyPr rtlCol="0" anchor="ctr"/>
+          <a:lstStyle/>
+          <a:p>
+            <a:pPr algn="ctr"/>
+            <a:endParaRPr lang="en-US"/>
+          </a:p>
+        </p:txBody>
+      </p:sp>
+      <p:sp>
+        <p:nvSpPr>
+          <p:cNvPr id="85" name="Oval 84"/>
+          <p:cNvSpPr/>
+          <p:nvPr/>
+        </p:nvSpPr>
+        <p:spPr>
+          <a:xfrm>
+            <a:off x="3124200" y="685800"/>
+            <a:ext cx="76200" cy="76200"/>
+          </a:xfrm>
+          <a:prstGeom prst="ellipse">
+            <a:avLst/>
+          </a:prstGeom>
+        </p:spPr>
+        <p:style>
+          <a:lnRef idx="2">
+            <a:schemeClr val="accent3">
+              <a:shade val="50000"/>
+            </a:schemeClr>
+          </a:lnRef>
+          <a:fillRef idx="1">
+            <a:schemeClr val="accent3"/>
+          </a:fillRef>
+          <a:effectRef idx="0">
+            <a:schemeClr val="accent3"/>
+          </a:effectRef>
+          <a:fontRef idx="minor">
+            <a:schemeClr val="lt1"/>
+          </a:fontRef>
+        </p:style>
+        <p:txBody>
+          <a:bodyPr rtlCol="0" anchor="ctr"/>
+          <a:lstStyle/>
+          <a:p>
+            <a:pPr algn="ctr"/>
+            <a:endParaRPr lang="en-US"/>
+          </a:p>
+        </p:txBody>
+      </p:sp>
+      <p:sp>
+        <p:nvSpPr>
+          <p:cNvPr id="87" name="Oval 86"/>
+          <p:cNvSpPr/>
+          <p:nvPr/>
+        </p:nvSpPr>
+        <p:spPr>
+          <a:xfrm>
+            <a:off x="3124200" y="457200"/>
+            <a:ext cx="76200" cy="76200"/>
+          </a:xfrm>
+          <a:prstGeom prst="ellipse">
+            <a:avLst/>
+          </a:prstGeom>
+        </p:spPr>
+        <p:style>
+          <a:lnRef idx="2">
+            <a:schemeClr val="accent3">
+              <a:shade val="50000"/>
+            </a:schemeClr>
+          </a:lnRef>
+          <a:fillRef idx="1">
+            <a:schemeClr val="accent3"/>
+          </a:fillRef>
+          <a:effectRef idx="0">
+            <a:schemeClr val="accent3"/>
+          </a:effectRef>
+          <a:fontRef idx="minor">
+            <a:schemeClr val="lt1"/>
+          </a:fontRef>
+        </p:style>
+        <p:txBody>
+          <a:bodyPr rtlCol="0" anchor="ctr"/>
+          <a:lstStyle/>
+          <a:p>
+            <a:pPr algn="ctr"/>
+            <a:endParaRPr lang="en-US"/>
+          </a:p>
+        </p:txBody>
+      </p:sp>
+      <p:sp>
+        <p:nvSpPr>
+          <p:cNvPr id="88" name="Oval 87"/>
+          <p:cNvSpPr/>
+          <p:nvPr/>
+        </p:nvSpPr>
+        <p:spPr>
+          <a:xfrm>
+            <a:off x="3352800" y="1974246"/>
+            <a:ext cx="76200" cy="76200"/>
+          </a:xfrm>
+          <a:prstGeom prst="ellipse">
+            <a:avLst/>
+          </a:prstGeom>
+        </p:spPr>
+        <p:style>
+          <a:lnRef idx="2">
+            <a:schemeClr val="accent3">
+              <a:shade val="50000"/>
+            </a:schemeClr>
+          </a:lnRef>
+          <a:fillRef idx="1">
+            <a:schemeClr val="accent3"/>
+          </a:fillRef>
+          <a:effectRef idx="0">
+            <a:schemeClr val="accent3"/>
+          </a:effectRef>
+          <a:fontRef idx="minor">
+            <a:schemeClr val="lt1"/>
+          </a:fontRef>
+        </p:style>
+        <p:txBody>
+          <a:bodyPr rtlCol="0" anchor="ctr"/>
+          <a:lstStyle/>
+          <a:p>
+            <a:pPr algn="ctr"/>
+            <a:endParaRPr lang="en-US"/>
+          </a:p>
+        </p:txBody>
+      </p:sp>
+      <p:sp>
+        <p:nvSpPr>
+          <p:cNvPr id="89" name="Oval 88"/>
+          <p:cNvSpPr/>
+          <p:nvPr/>
+        </p:nvSpPr>
+        <p:spPr>
+          <a:xfrm>
+            <a:off x="3352800" y="2202846"/>
+            <a:ext cx="76200" cy="76200"/>
+          </a:xfrm>
+          <a:prstGeom prst="ellipse">
+            <a:avLst/>
+          </a:prstGeom>
+        </p:spPr>
+        <p:style>
+          <a:lnRef idx="2">
+            <a:schemeClr val="accent3">
+              <a:shade val="50000"/>
+            </a:schemeClr>
+          </a:lnRef>
+          <a:fillRef idx="1">
+            <a:schemeClr val="accent3"/>
+          </a:fillRef>
+          <a:effectRef idx="0">
+            <a:schemeClr val="accent3"/>
+          </a:effectRef>
+          <a:fontRef idx="minor">
+            <a:schemeClr val="lt1"/>
+          </a:fontRef>
+        </p:style>
+        <p:txBody>
+          <a:bodyPr rtlCol="0" anchor="ctr"/>
+          <a:lstStyle/>
+          <a:p>
+            <a:pPr algn="ctr"/>
+            <a:endParaRPr lang="en-US"/>
+          </a:p>
+        </p:txBody>
+      </p:sp>
+      <p:sp>
+        <p:nvSpPr>
+          <p:cNvPr id="91" name="Oval 90"/>
+          <p:cNvSpPr/>
+          <p:nvPr/>
+        </p:nvSpPr>
+        <p:spPr>
+          <a:xfrm>
+            <a:off x="3124200" y="2202846"/>
+            <a:ext cx="76200" cy="76200"/>
+          </a:xfrm>
+          <a:prstGeom prst="ellipse">
+            <a:avLst/>
+          </a:prstGeom>
+        </p:spPr>
+        <p:style>
+          <a:lnRef idx="2">
+            <a:schemeClr val="accent3">
+              <a:shade val="50000"/>
+            </a:schemeClr>
+          </a:lnRef>
+          <a:fillRef idx="1">
+            <a:schemeClr val="accent3"/>
+          </a:fillRef>
+          <a:effectRef idx="0">
+            <a:schemeClr val="accent3"/>
+          </a:effectRef>
+          <a:fontRef idx="minor">
+            <a:schemeClr val="lt1"/>
+          </a:fontRef>
+        </p:style>
+        <p:txBody>
+          <a:bodyPr rtlCol="0" anchor="ctr"/>
+          <a:lstStyle/>
+          <a:p>
+            <a:pPr algn="ctr"/>
+            <a:endParaRPr lang="en-US"/>
+          </a:p>
+        </p:txBody>
+      </p:sp>
+      <p:sp>
+        <p:nvSpPr>
+          <p:cNvPr id="92" name="Oval 91"/>
+          <p:cNvSpPr/>
+          <p:nvPr/>
+        </p:nvSpPr>
+        <p:spPr>
+          <a:xfrm>
+            <a:off x="3124200" y="1974246"/>
+            <a:ext cx="76200" cy="76200"/>
+          </a:xfrm>
+          <a:prstGeom prst="ellipse">
+            <a:avLst/>
+          </a:prstGeom>
+        </p:spPr>
+        <p:style>
+          <a:lnRef idx="2">
+            <a:schemeClr val="accent3">
+              <a:shade val="50000"/>
+            </a:schemeClr>
+          </a:lnRef>
+          <a:fillRef idx="1">
+            <a:schemeClr val="accent3"/>
+          </a:fillRef>
+          <a:effectRef idx="0">
+            <a:schemeClr val="accent3"/>
+          </a:effectRef>
+          <a:fontRef idx="minor">
+            <a:schemeClr val="lt1"/>
+          </a:fontRef>
+        </p:style>
+        <p:txBody>
+          <a:bodyPr rtlCol="0" anchor="ctr"/>
+          <a:lstStyle/>
+          <a:p>
+            <a:pPr algn="ctr"/>
+            <a:endParaRPr lang="en-US"/>
+          </a:p>
+        </p:txBody>
+      </p:sp>
+      <p:sp>
+        <p:nvSpPr>
+          <p:cNvPr id="9" name="TextBox 8"/>
+          <p:cNvSpPr txBox="1"/>
+          <p:nvPr/>
+        </p:nvSpPr>
+        <p:spPr>
+          <a:xfrm>
+            <a:off x="948945" y="283247"/>
+            <a:ext cx="727455" cy="230832"/>
+          </a:xfrm>
+          <a:prstGeom prst="rect">
+            <a:avLst/>
+          </a:prstGeom>
+          <a:noFill/>
+        </p:spPr>
+        <p:txBody>
+          <a:bodyPr wrap="square" rtlCol="0">
+            <a:spAutoFit/>
+          </a:bodyPr>
+          <a:lstStyle/>
+          <a:p>
+            <a:r>
+              <a:rPr lang="en-US" sz="900" b="1" dirty="0" smtClean="0"/>
+              <a:t>1 - +5v</a:t>
+            </a:r>
+            <a:endParaRPr lang="en-US" sz="900" b="1" dirty="0"/>
+          </a:p>
+        </p:txBody>
+      </p:sp>
+      <p:sp>
+        <p:nvSpPr>
+          <p:cNvPr id="94" name="TextBox 93"/>
+          <p:cNvSpPr txBox="1"/>
+          <p:nvPr/>
+        </p:nvSpPr>
+        <p:spPr>
+          <a:xfrm>
+            <a:off x="946150" y="723900"/>
+            <a:ext cx="730250" cy="230832"/>
+          </a:xfrm>
+          <a:prstGeom prst="rect">
+            <a:avLst/>
+          </a:prstGeom>
+          <a:noFill/>
+        </p:spPr>
+        <p:txBody>
+          <a:bodyPr wrap="square" rtlCol="0">
+            <a:spAutoFit/>
+          </a:bodyPr>
+          <a:lstStyle/>
+          <a:p>
+            <a:r>
+              <a:rPr lang="en-US" sz="900" b="1" dirty="0" smtClean="0"/>
+              <a:t>2 - </a:t>
+            </a:r>
+            <a:r>
+              <a:rPr lang="en-US" sz="900" b="1" dirty="0" err="1" smtClean="0"/>
+              <a:t>vbatt</a:t>
+            </a:r>
+            <a:endParaRPr lang="en-US" sz="900" b="1" dirty="0"/>
+          </a:p>
+        </p:txBody>
+      </p:sp>
+      <p:sp>
+        <p:nvSpPr>
+          <p:cNvPr id="97" name="TextBox 96"/>
+          <p:cNvSpPr txBox="1"/>
+          <p:nvPr/>
+        </p:nvSpPr>
+        <p:spPr>
+          <a:xfrm>
+            <a:off x="-76199" y="302568"/>
+            <a:ext cx="762000" cy="230832"/>
+          </a:xfrm>
+          <a:prstGeom prst="rect">
+            <a:avLst/>
+          </a:prstGeom>
+          <a:noFill/>
+        </p:spPr>
+        <p:txBody>
+          <a:bodyPr wrap="square" rtlCol="0">
+            <a:spAutoFit/>
+          </a:bodyPr>
+          <a:lstStyle/>
+          <a:p>
+            <a:pPr algn="r"/>
+            <a:r>
+              <a:rPr lang="en-US" sz="900" b="1" dirty="0" smtClean="0"/>
+              <a:t>4 - </a:t>
+            </a:r>
+            <a:r>
+              <a:rPr lang="en-US" sz="900" b="1" dirty="0" err="1" smtClean="0"/>
+              <a:t>gnd</a:t>
+            </a:r>
+            <a:endParaRPr lang="en-US" sz="900" b="1" dirty="0"/>
+          </a:p>
+        </p:txBody>
+      </p:sp>
+      <p:sp>
+        <p:nvSpPr>
+          <p:cNvPr id="98" name="TextBox 97"/>
+          <p:cNvSpPr txBox="1"/>
+          <p:nvPr/>
+        </p:nvSpPr>
+        <p:spPr>
+          <a:xfrm>
+            <a:off x="0" y="685800"/>
+            <a:ext cx="685799" cy="230832"/>
+          </a:xfrm>
+          <a:prstGeom prst="rect">
+            <a:avLst/>
+          </a:prstGeom>
+          <a:noFill/>
+        </p:spPr>
+        <p:txBody>
+          <a:bodyPr wrap="square" rtlCol="0">
+            <a:spAutoFit/>
+          </a:bodyPr>
+          <a:lstStyle/>
+          <a:p>
+            <a:pPr algn="r"/>
+            <a:r>
+              <a:rPr lang="en-US" sz="900" b="1" dirty="0" smtClean="0"/>
+              <a:t>3 – ctrl</a:t>
+            </a:r>
+            <a:endParaRPr lang="en-US" sz="900" b="1" dirty="0"/>
+          </a:p>
+        </p:txBody>
+      </p:sp>
+      <p:sp>
+        <p:nvSpPr>
+          <p:cNvPr id="100" name="TextBox 99"/>
+          <p:cNvSpPr txBox="1"/>
+          <p:nvPr/>
+        </p:nvSpPr>
+        <p:spPr>
+          <a:xfrm>
+            <a:off x="955295" y="1800293"/>
+            <a:ext cx="727455" cy="230832"/>
+          </a:xfrm>
+          <a:prstGeom prst="rect">
+            <a:avLst/>
+          </a:prstGeom>
+          <a:noFill/>
+        </p:spPr>
+        <p:txBody>
+          <a:bodyPr wrap="square" rtlCol="0">
+            <a:spAutoFit/>
+          </a:bodyPr>
+          <a:lstStyle/>
+          <a:p>
+            <a:r>
+              <a:rPr lang="en-US" sz="900" b="1" dirty="0" smtClean="0"/>
+              <a:t>1 - shield</a:t>
+            </a:r>
+            <a:endParaRPr lang="en-US" sz="900" b="1" dirty="0"/>
+          </a:p>
+        </p:txBody>
+      </p:sp>
+      <p:sp>
+        <p:nvSpPr>
+          <p:cNvPr id="101" name="TextBox 100"/>
+          <p:cNvSpPr txBox="1"/>
+          <p:nvPr/>
+        </p:nvSpPr>
+        <p:spPr>
+          <a:xfrm>
+            <a:off x="952500" y="2240946"/>
+            <a:ext cx="730250" cy="230832"/>
+          </a:xfrm>
+          <a:prstGeom prst="rect">
+            <a:avLst/>
+          </a:prstGeom>
+          <a:noFill/>
+        </p:spPr>
+        <p:txBody>
+          <a:bodyPr wrap="square" rtlCol="0">
+            <a:spAutoFit/>
+          </a:bodyPr>
+          <a:lstStyle/>
+          <a:p>
+            <a:r>
+              <a:rPr lang="en-US" sz="900" b="1" dirty="0" smtClean="0"/>
+              <a:t>2 – signal-</a:t>
+            </a:r>
+            <a:endParaRPr lang="en-US" sz="900" b="1" dirty="0"/>
+          </a:p>
+        </p:txBody>
+      </p:sp>
+      <p:sp>
+        <p:nvSpPr>
+          <p:cNvPr id="103" name="TextBox 102"/>
+          <p:cNvSpPr txBox="1"/>
+          <p:nvPr/>
+        </p:nvSpPr>
+        <p:spPr>
+          <a:xfrm>
+            <a:off x="-69849" y="1819614"/>
+            <a:ext cx="762000" cy="230832"/>
+          </a:xfrm>
+          <a:prstGeom prst="rect">
+            <a:avLst/>
+          </a:prstGeom>
+          <a:noFill/>
+        </p:spPr>
+        <p:txBody>
+          <a:bodyPr wrap="square" rtlCol="0">
+            <a:spAutoFit/>
+          </a:bodyPr>
+          <a:lstStyle/>
+          <a:p>
+            <a:pPr algn="r"/>
+            <a:r>
+              <a:rPr lang="en-US" sz="900" b="1" dirty="0" smtClean="0"/>
+              <a:t>4 – signal+</a:t>
+            </a:r>
+            <a:endParaRPr lang="en-US" sz="900" b="1" dirty="0"/>
+          </a:p>
+        </p:txBody>
+      </p:sp>
+      <p:sp>
+        <p:nvSpPr>
+          <p:cNvPr id="104" name="TextBox 103"/>
+          <p:cNvSpPr txBox="1"/>
+          <p:nvPr/>
+        </p:nvSpPr>
+        <p:spPr>
+          <a:xfrm>
+            <a:off x="6350" y="2202846"/>
+            <a:ext cx="685799" cy="230832"/>
+          </a:xfrm>
+          <a:prstGeom prst="rect">
+            <a:avLst/>
+          </a:prstGeom>
+          <a:noFill/>
+        </p:spPr>
+        <p:txBody>
+          <a:bodyPr wrap="square" rtlCol="0">
+            <a:spAutoFit/>
+          </a:bodyPr>
+          <a:lstStyle/>
+          <a:p>
+            <a:pPr algn="r"/>
+            <a:r>
+              <a:rPr lang="en-US" sz="900" b="1" dirty="0" smtClean="0"/>
+              <a:t>3 – </a:t>
+            </a:r>
+            <a:r>
+              <a:rPr lang="en-US" sz="900" b="1" dirty="0" err="1" smtClean="0"/>
+              <a:t>nc</a:t>
+            </a:r>
+            <a:endParaRPr lang="en-US" sz="900" b="1" dirty="0"/>
+          </a:p>
+        </p:txBody>
+      </p:sp>
+      <p:sp>
+        <p:nvSpPr>
+          <p:cNvPr id="106" name="TextBox 105"/>
+          <p:cNvSpPr txBox="1"/>
+          <p:nvPr/>
+        </p:nvSpPr>
+        <p:spPr>
+          <a:xfrm>
+            <a:off x="3396822" y="1824756"/>
+            <a:ext cx="727455" cy="230832"/>
+          </a:xfrm>
+          <a:prstGeom prst="rect">
+            <a:avLst/>
+          </a:prstGeom>
+          <a:noFill/>
+        </p:spPr>
+        <p:txBody>
+          <a:bodyPr wrap="square" rtlCol="0">
+            <a:spAutoFit/>
+          </a:bodyPr>
+          <a:lstStyle/>
+          <a:p>
+            <a:r>
+              <a:rPr lang="en-US" sz="900" b="1" dirty="0" smtClean="0"/>
+              <a:t>1 - +6v</a:t>
+            </a:r>
+            <a:endParaRPr lang="en-US" sz="900" b="1" dirty="0"/>
+          </a:p>
+        </p:txBody>
+      </p:sp>
+      <p:sp>
+        <p:nvSpPr>
+          <p:cNvPr id="107" name="TextBox 106"/>
+          <p:cNvSpPr txBox="1"/>
+          <p:nvPr/>
+        </p:nvSpPr>
+        <p:spPr>
+          <a:xfrm>
+            <a:off x="3394027" y="2265409"/>
+            <a:ext cx="730250" cy="230832"/>
+          </a:xfrm>
+          <a:prstGeom prst="rect">
+            <a:avLst/>
+          </a:prstGeom>
+          <a:noFill/>
+        </p:spPr>
+        <p:txBody>
+          <a:bodyPr wrap="square" rtlCol="0">
+            <a:spAutoFit/>
+          </a:bodyPr>
+          <a:lstStyle/>
+          <a:p>
+            <a:r>
+              <a:rPr lang="en-US" sz="900" b="1" dirty="0" smtClean="0"/>
+              <a:t>2 - signal</a:t>
+            </a:r>
+            <a:endParaRPr lang="en-US" sz="900" b="1" dirty="0"/>
+          </a:p>
+        </p:txBody>
+      </p:sp>
+      <p:sp>
+        <p:nvSpPr>
+          <p:cNvPr id="109" name="TextBox 108"/>
+          <p:cNvSpPr txBox="1"/>
+          <p:nvPr/>
+        </p:nvSpPr>
+        <p:spPr>
+          <a:xfrm>
+            <a:off x="2371678" y="1844077"/>
+            <a:ext cx="762000" cy="230832"/>
+          </a:xfrm>
+          <a:prstGeom prst="rect">
+            <a:avLst/>
+          </a:prstGeom>
+          <a:noFill/>
+        </p:spPr>
+        <p:txBody>
+          <a:bodyPr wrap="square" rtlCol="0">
+            <a:spAutoFit/>
+          </a:bodyPr>
+          <a:lstStyle/>
+          <a:p>
+            <a:pPr algn="r"/>
+            <a:r>
+              <a:rPr lang="en-US" sz="900" b="1" dirty="0" smtClean="0"/>
+              <a:t>4 - </a:t>
+            </a:r>
+            <a:r>
+              <a:rPr lang="en-US" sz="900" b="1" dirty="0" err="1" smtClean="0"/>
+              <a:t>gnd</a:t>
+            </a:r>
+            <a:endParaRPr lang="en-US" sz="900" b="1" dirty="0"/>
+          </a:p>
+        </p:txBody>
+      </p:sp>
+      <p:sp>
+        <p:nvSpPr>
+          <p:cNvPr id="110" name="TextBox 109"/>
+          <p:cNvSpPr txBox="1"/>
+          <p:nvPr/>
+        </p:nvSpPr>
+        <p:spPr>
+          <a:xfrm>
+            <a:off x="2447877" y="2227309"/>
+            <a:ext cx="685799" cy="230832"/>
+          </a:xfrm>
+          <a:prstGeom prst="rect">
+            <a:avLst/>
+          </a:prstGeom>
+          <a:noFill/>
+        </p:spPr>
+        <p:txBody>
+          <a:bodyPr wrap="square" rtlCol="0">
+            <a:spAutoFit/>
+          </a:bodyPr>
+          <a:lstStyle/>
+          <a:p>
+            <a:pPr algn="r"/>
+            <a:r>
+              <a:rPr lang="en-US" sz="900" b="1" dirty="0" smtClean="0"/>
+              <a:t>3 – </a:t>
+            </a:r>
+            <a:r>
+              <a:rPr lang="en-US" sz="900" b="1" dirty="0" err="1" smtClean="0"/>
+              <a:t>nc</a:t>
+            </a:r>
+            <a:endParaRPr lang="en-US" sz="900" b="1" dirty="0"/>
+          </a:p>
+        </p:txBody>
+      </p:sp>
+      <p:sp>
+        <p:nvSpPr>
+          <p:cNvPr id="112" name="TextBox 111"/>
+          <p:cNvSpPr txBox="1"/>
+          <p:nvPr/>
+        </p:nvSpPr>
+        <p:spPr>
+          <a:xfrm>
+            <a:off x="3391058" y="281215"/>
+            <a:ext cx="727455" cy="369332"/>
+          </a:xfrm>
+          <a:prstGeom prst="rect">
+            <a:avLst/>
+          </a:prstGeom>
+          <a:noFill/>
+        </p:spPr>
+        <p:txBody>
+          <a:bodyPr wrap="square" rtlCol="0">
+            <a:spAutoFit/>
+          </a:bodyPr>
+          <a:lstStyle/>
+          <a:p>
+            <a:r>
+              <a:rPr lang="en-US" sz="900" b="1" dirty="0" smtClean="0"/>
+              <a:t>1 – </a:t>
+            </a:r>
+            <a:r>
+              <a:rPr lang="en-US" sz="900" b="1" dirty="0" err="1" smtClean="0"/>
+              <a:t>ard</a:t>
+            </a:r>
+            <a:r>
+              <a:rPr lang="en-US" sz="900" b="1" dirty="0" smtClean="0"/>
+              <a:t> </a:t>
+            </a:r>
+            <a:r>
+              <a:rPr lang="en-US" sz="900" b="1" dirty="0" err="1" smtClean="0"/>
+              <a:t>rx</a:t>
+            </a:r>
+            <a:r>
+              <a:rPr lang="en-US" sz="900" b="1" dirty="0" smtClean="0"/>
+              <a:t> (green)</a:t>
+            </a:r>
+          </a:p>
+        </p:txBody>
+      </p:sp>
+      <p:sp>
+        <p:nvSpPr>
+          <p:cNvPr id="113" name="TextBox 112"/>
+          <p:cNvSpPr txBox="1"/>
+          <p:nvPr/>
+        </p:nvSpPr>
+        <p:spPr>
+          <a:xfrm>
+            <a:off x="3388263" y="721868"/>
+            <a:ext cx="730250" cy="230832"/>
+          </a:xfrm>
+          <a:prstGeom prst="rect">
+            <a:avLst/>
+          </a:prstGeom>
+          <a:noFill/>
+        </p:spPr>
+        <p:txBody>
+          <a:bodyPr wrap="square" rtlCol="0">
+            <a:spAutoFit/>
+          </a:bodyPr>
+          <a:lstStyle/>
+          <a:p>
+            <a:r>
+              <a:rPr lang="en-US" sz="900" b="1" dirty="0" smtClean="0"/>
+              <a:t>2 - </a:t>
+            </a:r>
+            <a:r>
+              <a:rPr lang="en-US" sz="900" b="1" dirty="0" err="1" smtClean="0"/>
+              <a:t>gnd</a:t>
+            </a:r>
+            <a:endParaRPr lang="en-US" sz="900" b="1" dirty="0"/>
+          </a:p>
+        </p:txBody>
+      </p:sp>
+      <p:sp>
+        <p:nvSpPr>
+          <p:cNvPr id="115" name="TextBox 114"/>
+          <p:cNvSpPr txBox="1"/>
+          <p:nvPr/>
+        </p:nvSpPr>
+        <p:spPr>
+          <a:xfrm>
+            <a:off x="2365914" y="300536"/>
+            <a:ext cx="762000" cy="369332"/>
+          </a:xfrm>
+          <a:prstGeom prst="rect">
+            <a:avLst/>
+          </a:prstGeom>
+          <a:noFill/>
+        </p:spPr>
+        <p:txBody>
+          <a:bodyPr wrap="square" rtlCol="0">
+            <a:spAutoFit/>
+          </a:bodyPr>
+          <a:lstStyle/>
+          <a:p>
+            <a:pPr algn="r"/>
+            <a:r>
+              <a:rPr lang="en-US" sz="900" b="1" dirty="0" smtClean="0"/>
+              <a:t>4 – </a:t>
+            </a:r>
+            <a:r>
+              <a:rPr lang="en-US" sz="900" b="1" dirty="0" err="1" smtClean="0"/>
+              <a:t>ard</a:t>
+            </a:r>
+            <a:r>
+              <a:rPr lang="en-US" sz="900" b="1" dirty="0" smtClean="0"/>
+              <a:t> </a:t>
+            </a:r>
+            <a:r>
+              <a:rPr lang="en-US" sz="900" b="1" dirty="0" err="1" smtClean="0"/>
+              <a:t>tx</a:t>
+            </a:r>
+            <a:r>
+              <a:rPr lang="en-US" sz="900" b="1" dirty="0" smtClean="0"/>
+              <a:t> (blue)</a:t>
+            </a:r>
+            <a:endParaRPr lang="en-US" sz="900" b="1" dirty="0"/>
+          </a:p>
+        </p:txBody>
+      </p:sp>
+      <p:sp>
+        <p:nvSpPr>
+          <p:cNvPr id="116" name="TextBox 115"/>
+          <p:cNvSpPr txBox="1"/>
+          <p:nvPr/>
+        </p:nvSpPr>
+        <p:spPr>
+          <a:xfrm>
+            <a:off x="2442113" y="683768"/>
+            <a:ext cx="685799" cy="230832"/>
+          </a:xfrm>
+          <a:prstGeom prst="rect">
+            <a:avLst/>
+          </a:prstGeom>
+          <a:noFill/>
+        </p:spPr>
+        <p:txBody>
+          <a:bodyPr wrap="square" rtlCol="0">
+            <a:spAutoFit/>
+          </a:bodyPr>
+          <a:lstStyle/>
+          <a:p>
+            <a:pPr algn="r"/>
+            <a:r>
+              <a:rPr lang="en-US" sz="900" b="1" dirty="0" smtClean="0"/>
+              <a:t>3 – </a:t>
+            </a:r>
+            <a:r>
+              <a:rPr lang="en-US" sz="900" b="1" dirty="0" err="1" smtClean="0"/>
+              <a:t>vbatt</a:t>
+            </a:r>
+            <a:endParaRPr lang="en-US" sz="900" b="1" dirty="0"/>
+          </a:p>
+        </p:txBody>
+      </p:sp>
+    </p:spTree>
+    <p:extLst>
+      <p:ext uri="{BB962C8B-B14F-4D97-AF65-F5344CB8AC3E}">
+        <p14:creationId xmlns:p14="http://schemas.microsoft.com/office/powerpoint/2010/main" val="808398694"/>
+      </p:ext>
+    </p:extLst>
+  </p:cSld>
+  <p:clrMapOvr>
+    <a:masterClrMapping/>
+  </p:clrMapOvr>
+</p:sld>
+</file>
+
 <file path=ppt/theme/theme1.xml><?xml version="1.0" encoding="utf-8"?>
 <a:theme xmlns:a="http://schemas.openxmlformats.org/drawingml/2006/main" name="Office Theme">
   <a:themeElements>
@@ -5654,4 +8858,289 @@
   <a:objectDefaults/>
   <a:extraClrSchemeLst/>
 </a:theme>
+</file>
+
+<file path=ppt/theme/theme2.xml><?xml version="1.0" encoding="utf-8"?>
+<a:theme xmlns:a="http://schemas.openxmlformats.org/drawingml/2006/main" name="Office Theme">
+  <a:themeElements>
+    <a:clrScheme name="Office">
+      <a:dk1>
+        <a:sysClr val="windowText" lastClr="000000"/>
+      </a:dk1>
+      <a:lt1>
+        <a:sysClr val="window" lastClr="FFFFFF"/>
+      </a:lt1>
+      <a:dk2>
+        <a:srgbClr val="1F497D"/>
+      </a:dk2>
+      <a:lt2>
+        <a:srgbClr val="EEECE1"/>
+      </a:lt2>
+      <a:accent1>
+        <a:srgbClr val="4F81BD"/>
+      </a:accent1>
+      <a:accent2>
+        <a:srgbClr val="C0504D"/>
+      </a:accent2>
+      <a:accent3>
+        <a:srgbClr val="9BBB59"/>
+      </a:accent3>
+      <a:accent4>
+        <a:srgbClr val="8064A2"/>
+      </a:accent4>
+      <a:accent5>
+        <a:srgbClr val="4BACC6"/>
+      </a:accent5>
+      <a:accent6>
+        <a:srgbClr val="F79646"/>
+      </a:accent6>
+      <a:hlink>
+        <a:srgbClr val="0000FF"/>
+      </a:hlink>
+      <a:folHlink>
+        <a:srgbClr val="800080"/>
+      </a:folHlink>
+    </a:clrScheme>
+    <a:fontScheme name="Office">
+      <a:majorFont>
+        <a:latin typeface="Calibri"/>
+        <a:ea typeface=""/>
+        <a:cs typeface=""/>
+        <a:font script="Jpan" typeface="ＭＳ Ｐゴシック"/>
+        <a:font script="Hang" typeface="맑은 고딕"/>
+        <a:font script="Hans" typeface="宋体"/>
+        <a:font script="Hant" typeface="新細明體"/>
+        <a:font script="Arab" typeface="Times New Roman"/>
+        <a:font script="Hebr" typeface="Times New Roman"/>
+        <a:font script="Thai" typeface="Angsana New"/>
+        <a:font script="Ethi" typeface="Nyala"/>
+        <a:font script="Beng" typeface="Vrinda"/>
+        <a:font script="Gujr" typeface="Shruti"/>
+        <a:font script="Khmr" typeface="MoolBoran"/>
+        <a:font script="Knda" typeface="Tunga"/>
+        <a:font script="Guru" typeface="Raavi"/>
+        <a:font script="Cans" typeface="Euphemia"/>
+        <a:font script="Cher" typeface="Plantagenet Cherokee"/>
+        <a:font script="Yiii" typeface="Microsoft Yi Baiti"/>
+        <a:font script="Tibt" typeface="Microsoft Himalaya"/>
+        <a:font script="Thaa" typeface="MV Boli"/>
+        <a:font script="Deva" typeface="Mangal"/>
+        <a:font script="Telu" typeface="Gautami"/>
+        <a:font script="Taml" typeface="Latha"/>
+        <a:font script="Syrc" typeface="Estrangelo Edessa"/>
+        <a:font script="Orya" typeface="Kalinga"/>
+        <a:font script="Mlym" typeface="Kartika"/>
+        <a:font script="Laoo" typeface="DokChampa"/>
+        <a:font script="Sinh" typeface="Iskoola Pota"/>
+        <a:font script="Mong" typeface="Mongolian Baiti"/>
+        <a:font script="Viet" typeface="Times New Roman"/>
+        <a:font script="Uigh" typeface="Microsoft Uighur"/>
+        <a:font script="Geor" typeface="Sylfaen"/>
+      </a:majorFont>
+      <a:minorFont>
+        <a:latin typeface="Calibri"/>
+        <a:ea typeface=""/>
+        <a:cs typeface=""/>
+        <a:font script="Jpan" typeface="ＭＳ Ｐゴシック"/>
+        <a:font script="Hang" typeface="맑은 고딕"/>
+        <a:font script="Hans" typeface="宋体"/>
+        <a:font script="Hant" typeface="新細明體"/>
+        <a:font script="Arab" typeface="Arial"/>
+        <a:font script="Hebr" typeface="Arial"/>
+        <a:font script="Thai" typeface="Cordia New"/>
+        <a:font script="Ethi" typeface="Nyala"/>
+        <a:font script="Beng" typeface="Vrinda"/>
+        <a:font script="Gujr" typeface="Shruti"/>
+        <a:font script="Khmr" typeface="DaunPenh"/>
+        <a:font script="Knda" typeface="Tunga"/>
+        <a:font script="Guru" typeface="Raavi"/>
+        <a:font script="Cans" typeface="Euphemia"/>
+        <a:font script="Cher" typeface="Plantagenet Cherokee"/>
+        <a:font script="Yiii" typeface="Microsoft Yi Baiti"/>
+        <a:font script="Tibt" typeface="Microsoft Himalaya"/>
+        <a:font script="Thaa" typeface="MV Boli"/>
+        <a:font script="Deva" typeface="Mangal"/>
+        <a:font script="Telu" typeface="Gautami"/>
+        <a:font script="Taml" typeface="Latha"/>
+        <a:font script="Syrc" typeface="Estrangelo Edessa"/>
+        <a:font script="Orya" typeface="Kalinga"/>
+        <a:font script="Mlym" typeface="Kartika"/>
+        <a:font script="Laoo" typeface="DokChampa"/>
+        <a:font script="Sinh" typeface="Iskoola Pota"/>
+        <a:font script="Mong" typeface="Mongolian Baiti"/>
+        <a:font script="Viet" typeface="Arial"/>
+        <a:font script="Uigh" typeface="Microsoft Uighur"/>
+        <a:font script="Geor" typeface="Sylfaen"/>
+      </a:minorFont>
+    </a:fontScheme>
+    <a:fmtScheme name="Office">
+      <a:fillStyleLst>
+        <a:solidFill>
+          <a:schemeClr val="phClr"/>
+        </a:solidFill>
+        <a:gradFill rotWithShape="1">
+          <a:gsLst>
+            <a:gs pos="0">
+              <a:schemeClr val="phClr">
+                <a:tint val="50000"/>
+                <a:satMod val="300000"/>
+              </a:schemeClr>
+            </a:gs>
+            <a:gs pos="35000">
+              <a:schemeClr val="phClr">
+                <a:tint val="37000"/>
+                <a:satMod val="300000"/>
+              </a:schemeClr>
+            </a:gs>
+            <a:gs pos="100000">
+              <a:schemeClr val="phClr">
+                <a:tint val="15000"/>
+                <a:satMod val="350000"/>
+              </a:schemeClr>
+            </a:gs>
+          </a:gsLst>
+          <a:lin ang="16200000" scaled="1"/>
+        </a:gradFill>
+        <a:gradFill rotWithShape="1">
+          <a:gsLst>
+            <a:gs pos="0">
+              <a:schemeClr val="phClr">
+                <a:shade val="51000"/>
+                <a:satMod val="130000"/>
+              </a:schemeClr>
+            </a:gs>
+            <a:gs pos="80000">
+              <a:schemeClr val="phClr">
+                <a:shade val="93000"/>
+                <a:satMod val="130000"/>
+              </a:schemeClr>
+            </a:gs>
+            <a:gs pos="100000">
+              <a:schemeClr val="phClr">
+                <a:shade val="94000"/>
+                <a:satMod val="135000"/>
+              </a:schemeClr>
+            </a:gs>
+          </a:gsLst>
+          <a:lin ang="16200000" scaled="0"/>
+        </a:gradFill>
+      </a:fillStyleLst>
+      <a:lnStyleLst>
+        <a:ln w="9525" cap="flat" cmpd="sng" algn="ctr">
+          <a:solidFill>
+            <a:schemeClr val="phClr">
+              <a:shade val="95000"/>
+              <a:satMod val="105000"/>
+            </a:schemeClr>
+          </a:solidFill>
+          <a:prstDash val="solid"/>
+        </a:ln>
+        <a:ln w="25400" cap="flat" cmpd="sng" algn="ctr">
+          <a:solidFill>
+            <a:schemeClr val="phClr"/>
+          </a:solidFill>
+          <a:prstDash val="solid"/>
+        </a:ln>
+        <a:ln w="38100" cap="flat" cmpd="sng" algn="ctr">
+          <a:solidFill>
+            <a:schemeClr val="phClr"/>
+          </a:solidFill>
+          <a:prstDash val="solid"/>
+        </a:ln>
+      </a:lnStyleLst>
+      <a:effectStyleLst>
+        <a:effectStyle>
+          <a:effectLst>
+            <a:outerShdw blurRad="40000" dist="20000" dir="5400000" rotWithShape="0">
+              <a:srgbClr val="000000">
+                <a:alpha val="38000"/>
+              </a:srgbClr>
+            </a:outerShdw>
+          </a:effectLst>
+        </a:effectStyle>
+        <a:effectStyle>
+          <a:effectLst>
+            <a:outerShdw blurRad="40000" dist="23000" dir="5400000" rotWithShape="0">
+              <a:srgbClr val="000000">
+                <a:alpha val="35000"/>
+              </a:srgbClr>
+            </a:outerShdw>
+          </a:effectLst>
+        </a:effectStyle>
+        <a:effectStyle>
+          <a:effectLst>
+            <a:outerShdw blurRad="40000" dist="23000" dir="5400000" rotWithShape="0">
+              <a:srgbClr val="000000">
+                <a:alpha val="35000"/>
+              </a:srgbClr>
+            </a:outerShdw>
+          </a:effectLst>
+          <a:scene3d>
+            <a:camera prst="orthographicFront">
+              <a:rot lat="0" lon="0" rev="0"/>
+            </a:camera>
+            <a:lightRig rig="threePt" dir="t">
+              <a:rot lat="0" lon="0" rev="1200000"/>
+            </a:lightRig>
+          </a:scene3d>
+          <a:sp3d>
+            <a:bevelT w="63500" h="25400"/>
+          </a:sp3d>
+        </a:effectStyle>
+      </a:effectStyleLst>
+      <a:bgFillStyleLst>
+        <a:solidFill>
+          <a:schemeClr val="phClr"/>
+        </a:solidFill>
+        <a:gradFill rotWithShape="1">
+          <a:gsLst>
+            <a:gs pos="0">
+              <a:schemeClr val="phClr">
+                <a:tint val="40000"/>
+                <a:satMod val="350000"/>
+              </a:schemeClr>
+            </a:gs>
+            <a:gs pos="40000">
+              <a:schemeClr val="phClr">
+                <a:tint val="45000"/>
+                <a:shade val="99000"/>
+                <a:satMod val="350000"/>
+              </a:schemeClr>
+            </a:gs>
+            <a:gs pos="100000">
+              <a:schemeClr val="phClr">
+                <a:shade val="20000"/>
+                <a:satMod val="255000"/>
+              </a:schemeClr>
+            </a:gs>
+          </a:gsLst>
+          <a:path path="circle">
+            <a:fillToRect l="50000" t="-80000" r="50000" b="180000"/>
+          </a:path>
+        </a:gradFill>
+        <a:gradFill rotWithShape="1">
+          <a:gsLst>
+            <a:gs pos="0">
+              <a:schemeClr val="phClr">
+                <a:tint val="80000"/>
+                <a:satMod val="300000"/>
+              </a:schemeClr>
+            </a:gs>
+            <a:gs pos="100000">
+              <a:schemeClr val="phClr">
+                <a:shade val="30000"/>
+                <a:satMod val="200000"/>
+              </a:schemeClr>
+            </a:gs>
+          </a:gsLst>
+          <a:path path="circle">
+            <a:fillToRect l="50000" t="50000" r="50000" b="50000"/>
+          </a:path>
+        </a:gradFill>
+      </a:bgFillStyleLst>
+    </a:fmtScheme>
+  </a:themeElements>
+  <a:objectDefaults/>
+  <a:extraClrSchemeLst/>
+</a:theme>
 </file>
--- a/Docs/kayak construction/connector_layout.pptx
+++ b/Docs/kayak construction/connector_layout.pptx
@@ -5,11 +5,13 @@
     <p:sldMasterId id="2147483648" r:id="rId1"/>
   </p:sldMasterIdLst>
   <p:notesMasterIdLst>
-    <p:notesMasterId r:id="rId4"/>
+    <p:notesMasterId r:id="rId6"/>
   </p:notesMasterIdLst>
   <p:sldIdLst>
     <p:sldId id="256" r:id="rId2"/>
     <p:sldId id="257" r:id="rId3"/>
+    <p:sldId id="258" r:id="rId4"/>
+    <p:sldId id="259" r:id="rId5"/>
   </p:sldIdLst>
   <p:sldSz cx="8229600" cy="3200400"/>
   <p:notesSz cx="7099300" cy="9385300"/>
@@ -193,7 +195,7 @@
           <a:p>
             <a:fld id="{317509A6-A9F8-48D2-8259-8DB60A5984A3}" type="datetimeFigureOut">
               <a:rPr lang="en-US" smtClean="0"/>
-              <a:t>3/1/2013</a:t>
+              <a:t>3/23/2013</a:t>
             </a:fld>
             <a:endParaRPr lang="en-US"/>
           </a:p>
@@ -545,6 +547,174 @@
 </p:notes>
 </file>
 
+<file path=ppt/notesSlides/notesSlide2.xml><?xml version="1.0" encoding="utf-8"?>
+<p:notes xmlns:a="http://schemas.openxmlformats.org/drawingml/2006/main" xmlns:r="http://schemas.openxmlformats.org/officeDocument/2006/relationships" xmlns:p="http://schemas.openxmlformats.org/presentationml/2006/main">
+  <p:cSld>
+    <p:spTree>
+      <p:nvGrpSpPr>
+        <p:cNvPr id="1" name=""/>
+        <p:cNvGrpSpPr/>
+        <p:nvPr/>
+      </p:nvGrpSpPr>
+      <p:grpSpPr>
+        <a:xfrm>
+          <a:off x="0" y="0"/>
+          <a:ext cx="0" cy="0"/>
+          <a:chOff x="0" y="0"/>
+          <a:chExt cx="0" cy="0"/>
+        </a:xfrm>
+      </p:grpSpPr>
+      <p:sp>
+        <p:nvSpPr>
+          <p:cNvPr id="2" name="Slide Image Placeholder 1"/>
+          <p:cNvSpPr>
+            <a:spLocks noGrp="1" noRot="1" noChangeAspect="1"/>
+          </p:cNvSpPr>
+          <p:nvPr>
+            <p:ph type="sldImg"/>
+          </p:nvPr>
+        </p:nvSpPr>
+        <p:spPr/>
+      </p:sp>
+      <p:sp>
+        <p:nvSpPr>
+          <p:cNvPr id="3" name="Notes Placeholder 2"/>
+          <p:cNvSpPr>
+            <a:spLocks noGrp="1"/>
+          </p:cNvSpPr>
+          <p:nvPr>
+            <p:ph type="body" idx="1"/>
+          </p:nvPr>
+        </p:nvSpPr>
+        <p:spPr/>
+        <p:txBody>
+          <a:bodyPr/>
+          <a:lstStyle/>
+          <a:p>
+            <a:endParaRPr lang="en-US" dirty="0"/>
+          </a:p>
+        </p:txBody>
+      </p:sp>
+      <p:sp>
+        <p:nvSpPr>
+          <p:cNvPr id="4" name="Slide Number Placeholder 3"/>
+          <p:cNvSpPr>
+            <a:spLocks noGrp="1"/>
+          </p:cNvSpPr>
+          <p:nvPr>
+            <p:ph type="sldNum" sz="quarter" idx="10"/>
+          </p:nvPr>
+        </p:nvSpPr>
+        <p:spPr/>
+        <p:txBody>
+          <a:bodyPr/>
+          <a:lstStyle/>
+          <a:p>
+            <a:fld id="{D51D16B0-14B9-4ABE-A034-1118F2A2036A}" type="slidenum">
+              <a:rPr lang="en-US" smtClean="0"/>
+              <a:t>3</a:t>
+            </a:fld>
+            <a:endParaRPr lang="en-US"/>
+          </a:p>
+        </p:txBody>
+      </p:sp>
+    </p:spTree>
+    <p:extLst>
+      <p:ext uri="{BB962C8B-B14F-4D97-AF65-F5344CB8AC3E}">
+        <p14:creationId xmlns:p14="http://schemas.microsoft.com/office/powerpoint/2010/main" val="2362619514"/>
+      </p:ext>
+    </p:extLst>
+  </p:cSld>
+  <p:clrMapOvr>
+    <a:masterClrMapping/>
+  </p:clrMapOvr>
+</p:notes>
+</file>
+
+<file path=ppt/notesSlides/notesSlide3.xml><?xml version="1.0" encoding="utf-8"?>
+<p:notes xmlns:a="http://schemas.openxmlformats.org/drawingml/2006/main" xmlns:r="http://schemas.openxmlformats.org/officeDocument/2006/relationships" xmlns:p="http://schemas.openxmlformats.org/presentationml/2006/main">
+  <p:cSld>
+    <p:spTree>
+      <p:nvGrpSpPr>
+        <p:cNvPr id="1" name=""/>
+        <p:cNvGrpSpPr/>
+        <p:nvPr/>
+      </p:nvGrpSpPr>
+      <p:grpSpPr>
+        <a:xfrm>
+          <a:off x="0" y="0"/>
+          <a:ext cx="0" cy="0"/>
+          <a:chOff x="0" y="0"/>
+          <a:chExt cx="0" cy="0"/>
+        </a:xfrm>
+      </p:grpSpPr>
+      <p:sp>
+        <p:nvSpPr>
+          <p:cNvPr id="2" name="Slide Image Placeholder 1"/>
+          <p:cNvSpPr>
+            <a:spLocks noGrp="1" noRot="1" noChangeAspect="1"/>
+          </p:cNvSpPr>
+          <p:nvPr>
+            <p:ph type="sldImg"/>
+          </p:nvPr>
+        </p:nvSpPr>
+        <p:spPr/>
+      </p:sp>
+      <p:sp>
+        <p:nvSpPr>
+          <p:cNvPr id="3" name="Notes Placeholder 2"/>
+          <p:cNvSpPr>
+            <a:spLocks noGrp="1"/>
+          </p:cNvSpPr>
+          <p:nvPr>
+            <p:ph type="body" idx="1"/>
+          </p:nvPr>
+        </p:nvSpPr>
+        <p:spPr/>
+        <p:txBody>
+          <a:bodyPr/>
+          <a:lstStyle/>
+          <a:p>
+            <a:endParaRPr lang="en-US" dirty="0"/>
+          </a:p>
+        </p:txBody>
+      </p:sp>
+      <p:sp>
+        <p:nvSpPr>
+          <p:cNvPr id="4" name="Slide Number Placeholder 3"/>
+          <p:cNvSpPr>
+            <a:spLocks noGrp="1"/>
+          </p:cNvSpPr>
+          <p:nvPr>
+            <p:ph type="sldNum" sz="quarter" idx="10"/>
+          </p:nvPr>
+        </p:nvSpPr>
+        <p:spPr/>
+        <p:txBody>
+          <a:bodyPr/>
+          <a:lstStyle/>
+          <a:p>
+            <a:fld id="{D51D16B0-14B9-4ABE-A034-1118F2A2036A}" type="slidenum">
+              <a:rPr lang="en-US" smtClean="0"/>
+              <a:t>4</a:t>
+            </a:fld>
+            <a:endParaRPr lang="en-US"/>
+          </a:p>
+        </p:txBody>
+      </p:sp>
+    </p:spTree>
+    <p:extLst>
+      <p:ext uri="{BB962C8B-B14F-4D97-AF65-F5344CB8AC3E}">
+        <p14:creationId xmlns:p14="http://schemas.microsoft.com/office/powerpoint/2010/main" val="3873958477"/>
+      </p:ext>
+    </p:extLst>
+  </p:cSld>
+  <p:clrMapOvr>
+    <a:masterClrMapping/>
+  </p:clrMapOvr>
+</p:notes>
+</file>
+
 <file path=ppt/slideLayouts/slideLayout1.xml><?xml version="1.0" encoding="utf-8"?>
 <p:sldLayout xmlns:a="http://schemas.openxmlformats.org/drawingml/2006/main" xmlns:r="http://schemas.openxmlformats.org/officeDocument/2006/relationships" xmlns:p="http://schemas.openxmlformats.org/presentationml/2006/main" type="title" preserve="1">
   <p:cSld name="Title Slide">
@@ -726,7 +896,7 @@
           <a:p>
             <a:fld id="{A7F0C8F3-A75F-4F8A-8F50-E4C7FB632DB2}" type="datetimeFigureOut">
               <a:rPr lang="en-US" smtClean="0"/>
-              <a:t>3/1/2013</a:t>
+              <a:t>3/23/2013</a:t>
             </a:fld>
             <a:endParaRPr lang="en-US"/>
           </a:p>
@@ -896,7 +1066,7 @@
           <a:p>
             <a:fld id="{A7F0C8F3-A75F-4F8A-8F50-E4C7FB632DB2}" type="datetimeFigureOut">
               <a:rPr lang="en-US" smtClean="0"/>
-              <a:t>3/1/2013</a:t>
+              <a:t>3/23/2013</a:t>
             </a:fld>
             <a:endParaRPr lang="en-US"/>
           </a:p>
@@ -1076,7 +1246,7 @@
           <a:p>
             <a:fld id="{A7F0C8F3-A75F-4F8A-8F50-E4C7FB632DB2}" type="datetimeFigureOut">
               <a:rPr lang="en-US" smtClean="0"/>
-              <a:t>3/1/2013</a:t>
+              <a:t>3/23/2013</a:t>
             </a:fld>
             <a:endParaRPr lang="en-US"/>
           </a:p>
@@ -1246,7 +1416,7 @@
           <a:p>
             <a:fld id="{A7F0C8F3-A75F-4F8A-8F50-E4C7FB632DB2}" type="datetimeFigureOut">
               <a:rPr lang="en-US" smtClean="0"/>
-              <a:t>3/1/2013</a:t>
+              <a:t>3/23/2013</a:t>
             </a:fld>
             <a:endParaRPr lang="en-US"/>
           </a:p>
@@ -1492,7 +1662,7 @@
           <a:p>
             <a:fld id="{A7F0C8F3-A75F-4F8A-8F50-E4C7FB632DB2}" type="datetimeFigureOut">
               <a:rPr lang="en-US" smtClean="0"/>
-              <a:t>3/1/2013</a:t>
+              <a:t>3/23/2013</a:t>
             </a:fld>
             <a:endParaRPr lang="en-US"/>
           </a:p>
@@ -1780,7 +1950,7 @@
           <a:p>
             <a:fld id="{A7F0C8F3-A75F-4F8A-8F50-E4C7FB632DB2}" type="datetimeFigureOut">
               <a:rPr lang="en-US" smtClean="0"/>
-              <a:t>3/1/2013</a:t>
+              <a:t>3/23/2013</a:t>
             </a:fld>
             <a:endParaRPr lang="en-US"/>
           </a:p>
@@ -2202,7 +2372,7 @@
           <a:p>
             <a:fld id="{A7F0C8F3-A75F-4F8A-8F50-E4C7FB632DB2}" type="datetimeFigureOut">
               <a:rPr lang="en-US" smtClean="0"/>
-              <a:t>3/1/2013</a:t>
+              <a:t>3/23/2013</a:t>
             </a:fld>
             <a:endParaRPr lang="en-US"/>
           </a:p>
@@ -2320,7 +2490,7 @@
           <a:p>
             <a:fld id="{A7F0C8F3-A75F-4F8A-8F50-E4C7FB632DB2}" type="datetimeFigureOut">
               <a:rPr lang="en-US" smtClean="0"/>
-              <a:t>3/1/2013</a:t>
+              <a:t>3/23/2013</a:t>
             </a:fld>
             <a:endParaRPr lang="en-US"/>
           </a:p>
@@ -2415,7 +2585,7 @@
           <a:p>
             <a:fld id="{A7F0C8F3-A75F-4F8A-8F50-E4C7FB632DB2}" type="datetimeFigureOut">
               <a:rPr lang="en-US" smtClean="0"/>
-              <a:t>3/1/2013</a:t>
+              <a:t>3/23/2013</a:t>
             </a:fld>
             <a:endParaRPr lang="en-US"/>
           </a:p>
@@ -2692,7 +2862,7 @@
           <a:p>
             <a:fld id="{A7F0C8F3-A75F-4F8A-8F50-E4C7FB632DB2}" type="datetimeFigureOut">
               <a:rPr lang="en-US" smtClean="0"/>
-              <a:t>3/1/2013</a:t>
+              <a:t>3/23/2013</a:t>
             </a:fld>
             <a:endParaRPr lang="en-US"/>
           </a:p>
@@ -2945,7 +3115,7 @@
           <a:p>
             <a:fld id="{A7F0C8F3-A75F-4F8A-8F50-E4C7FB632DB2}" type="datetimeFigureOut">
               <a:rPr lang="en-US" smtClean="0"/>
-              <a:t>3/1/2013</a:t>
+              <a:t>3/23/2013</a:t>
             </a:fld>
             <a:endParaRPr lang="en-US"/>
           </a:p>
@@ -3158,7 +3328,7 @@
           <a:p>
             <a:fld id="{A7F0C8F3-A75F-4F8A-8F50-E4C7FB632DB2}" type="datetimeFigureOut">
               <a:rPr lang="en-US" smtClean="0"/>
-              <a:t>3/1/2013</a:t>
+              <a:t>3/23/2013</a:t>
             </a:fld>
             <a:endParaRPr lang="en-US"/>
           </a:p>
@@ -7083,7 +7253,6 @@
               <a:rPr lang="en-US" dirty="0" smtClean="0"/>
               <a:t>radio</a:t>
             </a:r>
-            <a:endParaRPr lang="en-US" dirty="0" smtClean="0"/>
           </a:p>
           <a:p>
             <a:endParaRPr lang="en-US" dirty="0"/>
@@ -7116,7 +7285,6 @@
               <a:rPr lang="en-US" dirty="0" smtClean="0"/>
               <a:t>transducer</a:t>
             </a:r>
-            <a:endParaRPr lang="en-US" dirty="0" smtClean="0"/>
           </a:p>
           <a:p>
             <a:endParaRPr lang="en-US" dirty="0"/>
@@ -7149,7 +7317,6 @@
               <a:rPr lang="en-US" dirty="0" smtClean="0"/>
               <a:t>servo</a:t>
             </a:r>
-            <a:endParaRPr lang="en-US" dirty="0" smtClean="0"/>
           </a:p>
           <a:p>
             <a:endParaRPr lang="en-US" dirty="0"/>
@@ -7182,7 +7349,6 @@
               <a:rPr lang="en-US" dirty="0" smtClean="0"/>
               <a:t>motor</a:t>
             </a:r>
-            <a:endParaRPr lang="en-US" dirty="0" smtClean="0"/>
           </a:p>
           <a:p>
             <a:endParaRPr lang="en-US" dirty="0"/>
@@ -8566,6 +8732,4678 @@
     <p:extLst>
       <p:ext uri="{BB962C8B-B14F-4D97-AF65-F5344CB8AC3E}">
         <p14:creationId xmlns:p14="http://schemas.microsoft.com/office/powerpoint/2010/main" val="808398694"/>
+      </p:ext>
+    </p:extLst>
+  </p:cSld>
+  <p:clrMapOvr>
+    <a:masterClrMapping/>
+  </p:clrMapOvr>
+</p:sld>
+</file>
+
+<file path=ppt/slides/slide3.xml><?xml version="1.0" encoding="utf-8"?>
+<p:sld xmlns:a="http://schemas.openxmlformats.org/drawingml/2006/main" xmlns:r="http://schemas.openxmlformats.org/officeDocument/2006/relationships" xmlns:p="http://schemas.openxmlformats.org/presentationml/2006/main">
+  <p:cSld>
+    <p:spTree>
+      <p:nvGrpSpPr>
+        <p:cNvPr id="1" name=""/>
+        <p:cNvGrpSpPr/>
+        <p:nvPr/>
+      </p:nvGrpSpPr>
+      <p:grpSpPr>
+        <a:xfrm>
+          <a:off x="0" y="0"/>
+          <a:ext cx="0" cy="0"/>
+          <a:chOff x="0" y="0"/>
+          <a:chExt cx="0" cy="0"/>
+        </a:xfrm>
+      </p:grpSpPr>
+      <p:cxnSp>
+        <p:nvCxnSpPr>
+          <p:cNvPr id="46" name="Straight Connector 45"/>
+          <p:cNvCxnSpPr/>
+          <p:nvPr/>
+        </p:nvCxnSpPr>
+        <p:spPr>
+          <a:xfrm>
+            <a:off x="304800" y="1390650"/>
+            <a:ext cx="7620000" cy="0"/>
+          </a:xfrm>
+          <a:prstGeom prst="line">
+            <a:avLst/>
+          </a:prstGeom>
+          <a:ln>
+            <a:solidFill>
+              <a:schemeClr val="accent1"/>
+            </a:solidFill>
+            <a:prstDash val="dash"/>
+          </a:ln>
+        </p:spPr>
+        <p:style>
+          <a:lnRef idx="1">
+            <a:schemeClr val="accent1"/>
+          </a:lnRef>
+          <a:fillRef idx="0">
+            <a:schemeClr val="accent1"/>
+          </a:fillRef>
+          <a:effectRef idx="0">
+            <a:schemeClr val="accent1"/>
+          </a:effectRef>
+          <a:fontRef idx="minor">
+            <a:schemeClr val="tx1"/>
+          </a:fontRef>
+        </p:style>
+      </p:cxnSp>
+      <p:grpSp>
+        <p:nvGrpSpPr>
+          <p:cNvPr id="24" name="Group 23"/>
+          <p:cNvGrpSpPr/>
+          <p:nvPr/>
+        </p:nvGrpSpPr>
+        <p:grpSpPr>
+          <a:xfrm>
+            <a:off x="6967728" y="224414"/>
+            <a:ext cx="804672" cy="804672"/>
+            <a:chOff x="3424428" y="224028"/>
+            <a:chExt cx="804672" cy="804672"/>
+          </a:xfrm>
+        </p:grpSpPr>
+        <p:sp>
+          <p:nvSpPr>
+            <p:cNvPr id="21" name="Oval 20"/>
+            <p:cNvSpPr/>
+            <p:nvPr/>
+          </p:nvSpPr>
+          <p:spPr>
+            <a:xfrm>
+              <a:off x="3424428" y="224028"/>
+              <a:ext cx="804672" cy="804672"/>
+            </a:xfrm>
+            <a:prstGeom prst="ellipse">
+              <a:avLst/>
+            </a:prstGeom>
+          </p:spPr>
+          <p:style>
+            <a:lnRef idx="2">
+              <a:schemeClr val="accent2">
+                <a:shade val="50000"/>
+              </a:schemeClr>
+            </a:lnRef>
+            <a:fillRef idx="1">
+              <a:schemeClr val="accent2"/>
+            </a:fillRef>
+            <a:effectRef idx="0">
+              <a:schemeClr val="accent2"/>
+            </a:effectRef>
+            <a:fontRef idx="minor">
+              <a:schemeClr val="lt1"/>
+            </a:fontRef>
+          </p:style>
+          <p:txBody>
+            <a:bodyPr rtlCol="0" anchor="ctr"/>
+            <a:lstStyle/>
+            <a:p>
+              <a:pPr algn="ctr"/>
+              <a:endParaRPr lang="en-US" dirty="0"/>
+            </a:p>
+          </p:txBody>
+        </p:sp>
+        <p:sp>
+          <p:nvSpPr>
+            <p:cNvPr id="5" name="Oval 4"/>
+            <p:cNvSpPr/>
+            <p:nvPr/>
+          </p:nvSpPr>
+          <p:spPr>
+            <a:xfrm>
+              <a:off x="3538728" y="338328"/>
+              <a:ext cx="576072" cy="576072"/>
+            </a:xfrm>
+            <a:prstGeom prst="ellipse">
+              <a:avLst/>
+            </a:prstGeom>
+          </p:spPr>
+          <p:style>
+            <a:lnRef idx="2">
+              <a:schemeClr val="accent1">
+                <a:shade val="50000"/>
+              </a:schemeClr>
+            </a:lnRef>
+            <a:fillRef idx="1">
+              <a:schemeClr val="accent1"/>
+            </a:fillRef>
+            <a:effectRef idx="0">
+              <a:schemeClr val="accent1"/>
+            </a:effectRef>
+            <a:fontRef idx="minor">
+              <a:schemeClr val="lt1"/>
+            </a:fontRef>
+          </p:style>
+          <p:txBody>
+            <a:bodyPr rtlCol="0" anchor="ctr"/>
+            <a:lstStyle/>
+            <a:p>
+              <a:pPr algn="ctr"/>
+              <a:r>
+                <a:rPr lang="en-US" dirty="0" smtClean="0"/>
+                <a:t>switch</a:t>
+              </a:r>
+              <a:endParaRPr lang="en-US" dirty="0"/>
+            </a:p>
+          </p:txBody>
+        </p:sp>
+      </p:grpSp>
+      <p:grpSp>
+        <p:nvGrpSpPr>
+          <p:cNvPr id="19" name="Group 18"/>
+          <p:cNvGrpSpPr/>
+          <p:nvPr/>
+        </p:nvGrpSpPr>
+        <p:grpSpPr>
+          <a:xfrm>
+            <a:off x="381000" y="169550"/>
+            <a:ext cx="914400" cy="914400"/>
+            <a:chOff x="269765" y="217076"/>
+            <a:chExt cx="914400" cy="914400"/>
+          </a:xfrm>
+        </p:grpSpPr>
+        <p:sp>
+          <p:nvSpPr>
+            <p:cNvPr id="18" name="Oval 17"/>
+            <p:cNvSpPr/>
+            <p:nvPr/>
+          </p:nvSpPr>
+          <p:spPr>
+            <a:xfrm>
+              <a:off x="269765" y="217076"/>
+              <a:ext cx="914400" cy="914400"/>
+            </a:xfrm>
+            <a:prstGeom prst="ellipse">
+              <a:avLst/>
+            </a:prstGeom>
+          </p:spPr>
+          <p:style>
+            <a:lnRef idx="2">
+              <a:schemeClr val="accent2">
+                <a:shade val="50000"/>
+              </a:schemeClr>
+            </a:lnRef>
+            <a:fillRef idx="1">
+              <a:schemeClr val="accent2"/>
+            </a:fillRef>
+            <a:effectRef idx="0">
+              <a:schemeClr val="accent2"/>
+            </a:effectRef>
+            <a:fontRef idx="minor">
+              <a:schemeClr val="lt1"/>
+            </a:fontRef>
+          </p:style>
+          <p:txBody>
+            <a:bodyPr rtlCol="0" anchor="ctr"/>
+            <a:lstStyle/>
+            <a:p>
+              <a:pPr algn="ctr"/>
+              <a:endParaRPr lang="en-US" dirty="0"/>
+            </a:p>
+          </p:txBody>
+        </p:sp>
+        <p:sp>
+          <p:nvSpPr>
+            <p:cNvPr id="6" name="Oval 5"/>
+            <p:cNvSpPr/>
+            <p:nvPr/>
+          </p:nvSpPr>
+          <p:spPr>
+            <a:xfrm>
+              <a:off x="356633" y="303944"/>
+              <a:ext cx="740664" cy="740664"/>
+            </a:xfrm>
+            <a:prstGeom prst="ellipse">
+              <a:avLst/>
+            </a:prstGeom>
+          </p:spPr>
+          <p:style>
+            <a:lnRef idx="2">
+              <a:schemeClr val="accent1">
+                <a:shade val="50000"/>
+              </a:schemeClr>
+            </a:lnRef>
+            <a:fillRef idx="1">
+              <a:schemeClr val="accent1"/>
+            </a:fillRef>
+            <a:effectRef idx="0">
+              <a:schemeClr val="accent1"/>
+            </a:effectRef>
+            <a:fontRef idx="minor">
+              <a:schemeClr val="lt1"/>
+            </a:fontRef>
+          </p:style>
+          <p:txBody>
+            <a:bodyPr rtlCol="0" anchor="ctr"/>
+            <a:lstStyle/>
+            <a:p>
+              <a:pPr algn="ctr"/>
+              <a:r>
+                <a:rPr lang="en-US" dirty="0" smtClean="0"/>
+                <a:t>wire</a:t>
+              </a:r>
+              <a:endParaRPr lang="en-US" dirty="0"/>
+            </a:p>
+          </p:txBody>
+        </p:sp>
+      </p:grpSp>
+      <p:grpSp>
+        <p:nvGrpSpPr>
+          <p:cNvPr id="25" name="Group 24"/>
+          <p:cNvGrpSpPr/>
+          <p:nvPr/>
+        </p:nvGrpSpPr>
+        <p:grpSpPr>
+          <a:xfrm>
+            <a:off x="5336286" y="1600200"/>
+            <a:ext cx="1033272" cy="1033272"/>
+            <a:chOff x="6864096" y="158496"/>
+            <a:chExt cx="1033272" cy="1033272"/>
+          </a:xfrm>
+        </p:grpSpPr>
+        <p:sp>
+          <p:nvSpPr>
+            <p:cNvPr id="23" name="Oval 22"/>
+            <p:cNvSpPr/>
+            <p:nvPr/>
+          </p:nvSpPr>
+          <p:spPr>
+            <a:xfrm>
+              <a:off x="6864096" y="158496"/>
+              <a:ext cx="1033272" cy="1033272"/>
+            </a:xfrm>
+            <a:prstGeom prst="ellipse">
+              <a:avLst/>
+            </a:prstGeom>
+          </p:spPr>
+          <p:style>
+            <a:lnRef idx="2">
+              <a:schemeClr val="accent2">
+                <a:shade val="50000"/>
+              </a:schemeClr>
+            </a:lnRef>
+            <a:fillRef idx="1">
+              <a:schemeClr val="accent2"/>
+            </a:fillRef>
+            <a:effectRef idx="0">
+              <a:schemeClr val="accent2"/>
+            </a:effectRef>
+            <a:fontRef idx="minor">
+              <a:schemeClr val="lt1"/>
+            </a:fontRef>
+          </p:style>
+          <p:txBody>
+            <a:bodyPr rtlCol="0" anchor="ctr"/>
+            <a:lstStyle/>
+            <a:p>
+              <a:pPr algn="ctr"/>
+              <a:endParaRPr lang="en-US" dirty="0"/>
+            </a:p>
+          </p:txBody>
+        </p:sp>
+        <p:sp>
+          <p:nvSpPr>
+            <p:cNvPr id="11" name="Oval 10"/>
+            <p:cNvSpPr/>
+            <p:nvPr/>
+          </p:nvSpPr>
+          <p:spPr>
+            <a:xfrm>
+              <a:off x="7010400" y="303944"/>
+              <a:ext cx="740664" cy="740664"/>
+            </a:xfrm>
+            <a:prstGeom prst="ellipse">
+              <a:avLst/>
+            </a:prstGeom>
+          </p:spPr>
+          <p:style>
+            <a:lnRef idx="2">
+              <a:schemeClr val="accent1">
+                <a:shade val="50000"/>
+              </a:schemeClr>
+            </a:lnRef>
+            <a:fillRef idx="1">
+              <a:schemeClr val="accent1"/>
+            </a:fillRef>
+            <a:effectRef idx="0">
+              <a:schemeClr val="accent1"/>
+            </a:effectRef>
+            <a:fontRef idx="minor">
+              <a:schemeClr val="lt1"/>
+            </a:fontRef>
+          </p:style>
+          <p:txBody>
+            <a:bodyPr rtlCol="0" anchor="ctr"/>
+            <a:lstStyle/>
+            <a:p>
+              <a:pPr algn="ctr"/>
+              <a:r>
+                <a:rPr lang="en-US" dirty="0" err="1" smtClean="0"/>
+                <a:t>usb</a:t>
+              </a:r>
+              <a:endParaRPr lang="en-US" dirty="0"/>
+            </a:p>
+          </p:txBody>
+        </p:sp>
+      </p:grpSp>
+      <p:cxnSp>
+        <p:nvCxnSpPr>
+          <p:cNvPr id="14" name="Straight Connector 13"/>
+          <p:cNvCxnSpPr/>
+          <p:nvPr/>
+        </p:nvCxnSpPr>
+        <p:spPr>
+          <a:xfrm>
+            <a:off x="0" y="2819400"/>
+            <a:ext cx="8229600" cy="0"/>
+          </a:xfrm>
+          <a:prstGeom prst="line">
+            <a:avLst/>
+          </a:prstGeom>
+        </p:spPr>
+        <p:style>
+          <a:lnRef idx="1">
+            <a:schemeClr val="accent1"/>
+          </a:lnRef>
+          <a:fillRef idx="0">
+            <a:schemeClr val="accent1"/>
+          </a:fillRef>
+          <a:effectRef idx="0">
+            <a:schemeClr val="accent1"/>
+          </a:effectRef>
+          <a:fontRef idx="minor">
+            <a:schemeClr val="tx1"/>
+          </a:fontRef>
+        </p:style>
+      </p:cxnSp>
+      <p:cxnSp>
+        <p:nvCxnSpPr>
+          <p:cNvPr id="16" name="Straight Connector 15"/>
+          <p:cNvCxnSpPr/>
+          <p:nvPr/>
+        </p:nvCxnSpPr>
+        <p:spPr>
+          <a:xfrm>
+            <a:off x="228600" y="0"/>
+            <a:ext cx="0" cy="2971800"/>
+          </a:xfrm>
+          <a:prstGeom prst="line">
+            <a:avLst/>
+          </a:prstGeom>
+        </p:spPr>
+        <p:style>
+          <a:lnRef idx="1">
+            <a:schemeClr val="accent1"/>
+          </a:lnRef>
+          <a:fillRef idx="0">
+            <a:schemeClr val="accent1"/>
+          </a:fillRef>
+          <a:effectRef idx="0">
+            <a:schemeClr val="accent1"/>
+          </a:effectRef>
+          <a:fontRef idx="minor">
+            <a:schemeClr val="tx1"/>
+          </a:fontRef>
+        </p:style>
+      </p:cxnSp>
+      <p:cxnSp>
+        <p:nvCxnSpPr>
+          <p:cNvPr id="17" name="Straight Connector 16"/>
+          <p:cNvCxnSpPr/>
+          <p:nvPr/>
+        </p:nvCxnSpPr>
+        <p:spPr>
+          <a:xfrm>
+            <a:off x="8001000" y="-76200"/>
+            <a:ext cx="0" cy="2971800"/>
+          </a:xfrm>
+          <a:prstGeom prst="line">
+            <a:avLst/>
+          </a:prstGeom>
+        </p:spPr>
+        <p:style>
+          <a:lnRef idx="1">
+            <a:schemeClr val="accent1"/>
+          </a:lnRef>
+          <a:fillRef idx="0">
+            <a:schemeClr val="accent1"/>
+          </a:fillRef>
+          <a:effectRef idx="0">
+            <a:schemeClr val="accent1"/>
+          </a:effectRef>
+          <a:fontRef idx="minor">
+            <a:schemeClr val="tx1"/>
+          </a:fontRef>
+        </p:style>
+      </p:cxnSp>
+      <p:grpSp>
+        <p:nvGrpSpPr>
+          <p:cNvPr id="30" name="Group 29"/>
+          <p:cNvGrpSpPr/>
+          <p:nvPr/>
+        </p:nvGrpSpPr>
+        <p:grpSpPr>
+          <a:xfrm>
+            <a:off x="381000" y="1659636"/>
+            <a:ext cx="914400" cy="914400"/>
+            <a:chOff x="269765" y="217076"/>
+            <a:chExt cx="914400" cy="914400"/>
+          </a:xfrm>
+        </p:grpSpPr>
+        <p:sp>
+          <p:nvSpPr>
+            <p:cNvPr id="31" name="Oval 30"/>
+            <p:cNvSpPr/>
+            <p:nvPr/>
+          </p:nvSpPr>
+          <p:spPr>
+            <a:xfrm>
+              <a:off x="269765" y="217076"/>
+              <a:ext cx="914400" cy="914400"/>
+            </a:xfrm>
+            <a:prstGeom prst="ellipse">
+              <a:avLst/>
+            </a:prstGeom>
+          </p:spPr>
+          <p:style>
+            <a:lnRef idx="2">
+              <a:schemeClr val="accent2">
+                <a:shade val="50000"/>
+              </a:schemeClr>
+            </a:lnRef>
+            <a:fillRef idx="1">
+              <a:schemeClr val="accent2"/>
+            </a:fillRef>
+            <a:effectRef idx="0">
+              <a:schemeClr val="accent2"/>
+            </a:effectRef>
+            <a:fontRef idx="minor">
+              <a:schemeClr val="lt1"/>
+            </a:fontRef>
+          </p:style>
+          <p:txBody>
+            <a:bodyPr rtlCol="0" anchor="ctr"/>
+            <a:lstStyle/>
+            <a:p>
+              <a:pPr algn="ctr"/>
+              <a:endParaRPr lang="en-US" dirty="0"/>
+            </a:p>
+          </p:txBody>
+        </p:sp>
+        <p:sp>
+          <p:nvSpPr>
+            <p:cNvPr id="32" name="Oval 31"/>
+            <p:cNvSpPr/>
+            <p:nvPr/>
+          </p:nvSpPr>
+          <p:spPr>
+            <a:xfrm>
+              <a:off x="356633" y="303944"/>
+              <a:ext cx="740664" cy="740664"/>
+            </a:xfrm>
+            <a:prstGeom prst="ellipse">
+              <a:avLst/>
+            </a:prstGeom>
+          </p:spPr>
+          <p:style>
+            <a:lnRef idx="2">
+              <a:schemeClr val="accent1">
+                <a:shade val="50000"/>
+              </a:schemeClr>
+            </a:lnRef>
+            <a:fillRef idx="1">
+              <a:schemeClr val="accent1"/>
+            </a:fillRef>
+            <a:effectRef idx="0">
+              <a:schemeClr val="accent1"/>
+            </a:effectRef>
+            <a:fontRef idx="minor">
+              <a:schemeClr val="lt1"/>
+            </a:fontRef>
+          </p:style>
+          <p:txBody>
+            <a:bodyPr rtlCol="0" anchor="ctr"/>
+            <a:lstStyle/>
+            <a:p>
+              <a:pPr algn="ctr"/>
+              <a:r>
+                <a:rPr lang="en-US" dirty="0" smtClean="0"/>
+                <a:t>wire</a:t>
+              </a:r>
+              <a:endParaRPr lang="en-US" dirty="0"/>
+            </a:p>
+          </p:txBody>
+        </p:sp>
+      </p:grpSp>
+      <p:grpSp>
+        <p:nvGrpSpPr>
+          <p:cNvPr id="33" name="Group 32"/>
+          <p:cNvGrpSpPr/>
+          <p:nvPr/>
+        </p:nvGrpSpPr>
+        <p:grpSpPr>
+          <a:xfrm>
+            <a:off x="2590800" y="169550"/>
+            <a:ext cx="914400" cy="914400"/>
+            <a:chOff x="269765" y="217076"/>
+            <a:chExt cx="914400" cy="914400"/>
+          </a:xfrm>
+        </p:grpSpPr>
+        <p:sp>
+          <p:nvSpPr>
+            <p:cNvPr id="34" name="Oval 33"/>
+            <p:cNvSpPr/>
+            <p:nvPr/>
+          </p:nvSpPr>
+          <p:spPr>
+            <a:xfrm>
+              <a:off x="269765" y="217076"/>
+              <a:ext cx="914400" cy="914400"/>
+            </a:xfrm>
+            <a:prstGeom prst="ellipse">
+              <a:avLst/>
+            </a:prstGeom>
+          </p:spPr>
+          <p:style>
+            <a:lnRef idx="2">
+              <a:schemeClr val="accent2">
+                <a:shade val="50000"/>
+              </a:schemeClr>
+            </a:lnRef>
+            <a:fillRef idx="1">
+              <a:schemeClr val="accent2"/>
+            </a:fillRef>
+            <a:effectRef idx="0">
+              <a:schemeClr val="accent2"/>
+            </a:effectRef>
+            <a:fontRef idx="minor">
+              <a:schemeClr val="lt1"/>
+            </a:fontRef>
+          </p:style>
+          <p:txBody>
+            <a:bodyPr rtlCol="0" anchor="ctr"/>
+            <a:lstStyle/>
+            <a:p>
+              <a:pPr algn="ctr"/>
+              <a:endParaRPr lang="en-US" dirty="0"/>
+            </a:p>
+          </p:txBody>
+        </p:sp>
+        <p:sp>
+          <p:nvSpPr>
+            <p:cNvPr id="35" name="Oval 34"/>
+            <p:cNvSpPr/>
+            <p:nvPr/>
+          </p:nvSpPr>
+          <p:spPr>
+            <a:xfrm>
+              <a:off x="356633" y="303944"/>
+              <a:ext cx="740664" cy="740664"/>
+            </a:xfrm>
+            <a:prstGeom prst="ellipse">
+              <a:avLst/>
+            </a:prstGeom>
+          </p:spPr>
+          <p:style>
+            <a:lnRef idx="2">
+              <a:schemeClr val="accent1">
+                <a:shade val="50000"/>
+              </a:schemeClr>
+            </a:lnRef>
+            <a:fillRef idx="1">
+              <a:schemeClr val="accent1"/>
+            </a:fillRef>
+            <a:effectRef idx="0">
+              <a:schemeClr val="accent1"/>
+            </a:effectRef>
+            <a:fontRef idx="minor">
+              <a:schemeClr val="lt1"/>
+            </a:fontRef>
+          </p:style>
+          <p:txBody>
+            <a:bodyPr rtlCol="0" anchor="ctr"/>
+            <a:lstStyle/>
+            <a:p>
+              <a:pPr algn="ctr"/>
+              <a:r>
+                <a:rPr lang="en-US" dirty="0" smtClean="0"/>
+                <a:t>rj45</a:t>
+              </a:r>
+              <a:endParaRPr lang="en-US" dirty="0"/>
+            </a:p>
+          </p:txBody>
+        </p:sp>
+      </p:grpSp>
+      <p:grpSp>
+        <p:nvGrpSpPr>
+          <p:cNvPr id="36" name="Group 35"/>
+          <p:cNvGrpSpPr/>
+          <p:nvPr/>
+        </p:nvGrpSpPr>
+        <p:grpSpPr>
+          <a:xfrm>
+            <a:off x="2590800" y="1659636"/>
+            <a:ext cx="914400" cy="914400"/>
+            <a:chOff x="269765" y="217076"/>
+            <a:chExt cx="914400" cy="914400"/>
+          </a:xfrm>
+        </p:grpSpPr>
+        <p:sp>
+          <p:nvSpPr>
+            <p:cNvPr id="37" name="Oval 36"/>
+            <p:cNvSpPr/>
+            <p:nvPr/>
+          </p:nvSpPr>
+          <p:spPr>
+            <a:xfrm>
+              <a:off x="269765" y="217076"/>
+              <a:ext cx="914400" cy="914400"/>
+            </a:xfrm>
+            <a:prstGeom prst="ellipse">
+              <a:avLst/>
+            </a:prstGeom>
+          </p:spPr>
+          <p:style>
+            <a:lnRef idx="2">
+              <a:schemeClr val="accent2">
+                <a:shade val="50000"/>
+              </a:schemeClr>
+            </a:lnRef>
+            <a:fillRef idx="1">
+              <a:schemeClr val="accent2"/>
+            </a:fillRef>
+            <a:effectRef idx="0">
+              <a:schemeClr val="accent2"/>
+            </a:effectRef>
+            <a:fontRef idx="minor">
+              <a:schemeClr val="lt1"/>
+            </a:fontRef>
+          </p:style>
+          <p:txBody>
+            <a:bodyPr rtlCol="0" anchor="ctr"/>
+            <a:lstStyle/>
+            <a:p>
+              <a:pPr algn="ctr"/>
+              <a:endParaRPr lang="en-US" dirty="0"/>
+            </a:p>
+          </p:txBody>
+        </p:sp>
+        <p:sp>
+          <p:nvSpPr>
+            <p:cNvPr id="38" name="Oval 37"/>
+            <p:cNvSpPr/>
+            <p:nvPr/>
+          </p:nvSpPr>
+          <p:spPr>
+            <a:xfrm>
+              <a:off x="356633" y="303944"/>
+              <a:ext cx="740664" cy="740664"/>
+            </a:xfrm>
+            <a:prstGeom prst="ellipse">
+              <a:avLst/>
+            </a:prstGeom>
+          </p:spPr>
+          <p:style>
+            <a:lnRef idx="2">
+              <a:schemeClr val="accent1">
+                <a:shade val="50000"/>
+              </a:schemeClr>
+            </a:lnRef>
+            <a:fillRef idx="1">
+              <a:schemeClr val="accent1"/>
+            </a:fillRef>
+            <a:effectRef idx="0">
+              <a:schemeClr val="accent1"/>
+            </a:effectRef>
+            <a:fontRef idx="minor">
+              <a:schemeClr val="lt1"/>
+            </a:fontRef>
+          </p:style>
+          <p:txBody>
+            <a:bodyPr rtlCol="0" anchor="ctr"/>
+            <a:lstStyle/>
+            <a:p>
+              <a:pPr algn="ctr"/>
+              <a:r>
+                <a:rPr lang="en-US" dirty="0" smtClean="0"/>
+                <a:t>wire</a:t>
+              </a:r>
+              <a:endParaRPr lang="en-US" dirty="0"/>
+            </a:p>
+          </p:txBody>
+        </p:sp>
+      </p:grpSp>
+      <p:grpSp>
+        <p:nvGrpSpPr>
+          <p:cNvPr id="39" name="Group 38"/>
+          <p:cNvGrpSpPr/>
+          <p:nvPr/>
+        </p:nvGrpSpPr>
+        <p:grpSpPr>
+          <a:xfrm>
+            <a:off x="5334000" y="110114"/>
+            <a:ext cx="1033272" cy="1033272"/>
+            <a:chOff x="6864096" y="158496"/>
+            <a:chExt cx="1033272" cy="1033272"/>
+          </a:xfrm>
+        </p:grpSpPr>
+        <p:sp>
+          <p:nvSpPr>
+            <p:cNvPr id="40" name="Oval 39"/>
+            <p:cNvSpPr/>
+            <p:nvPr/>
+          </p:nvSpPr>
+          <p:spPr>
+            <a:xfrm>
+              <a:off x="6864096" y="158496"/>
+              <a:ext cx="1033272" cy="1033272"/>
+            </a:xfrm>
+            <a:prstGeom prst="ellipse">
+              <a:avLst/>
+            </a:prstGeom>
+          </p:spPr>
+          <p:style>
+            <a:lnRef idx="2">
+              <a:schemeClr val="accent2">
+                <a:shade val="50000"/>
+              </a:schemeClr>
+            </a:lnRef>
+            <a:fillRef idx="1">
+              <a:schemeClr val="accent2"/>
+            </a:fillRef>
+            <a:effectRef idx="0">
+              <a:schemeClr val="accent2"/>
+            </a:effectRef>
+            <a:fontRef idx="minor">
+              <a:schemeClr val="lt1"/>
+            </a:fontRef>
+          </p:style>
+          <p:txBody>
+            <a:bodyPr rtlCol="0" anchor="ctr"/>
+            <a:lstStyle/>
+            <a:p>
+              <a:pPr algn="ctr"/>
+              <a:endParaRPr lang="en-US" dirty="0"/>
+            </a:p>
+          </p:txBody>
+        </p:sp>
+        <p:sp>
+          <p:nvSpPr>
+            <p:cNvPr id="41" name="Oval 40"/>
+            <p:cNvSpPr/>
+            <p:nvPr/>
+          </p:nvSpPr>
+          <p:spPr>
+            <a:xfrm>
+              <a:off x="7010400" y="303944"/>
+              <a:ext cx="740664" cy="740664"/>
+            </a:xfrm>
+            <a:prstGeom prst="ellipse">
+              <a:avLst/>
+            </a:prstGeom>
+          </p:spPr>
+          <p:style>
+            <a:lnRef idx="2">
+              <a:schemeClr val="accent1">
+                <a:shade val="50000"/>
+              </a:schemeClr>
+            </a:lnRef>
+            <a:fillRef idx="1">
+              <a:schemeClr val="accent1"/>
+            </a:fillRef>
+            <a:effectRef idx="0">
+              <a:schemeClr val="accent1"/>
+            </a:effectRef>
+            <a:fontRef idx="minor">
+              <a:schemeClr val="lt1"/>
+            </a:fontRef>
+          </p:style>
+          <p:txBody>
+            <a:bodyPr rtlCol="0" anchor="ctr"/>
+            <a:lstStyle/>
+            <a:p>
+              <a:pPr algn="ctr"/>
+              <a:r>
+                <a:rPr lang="en-US" dirty="0" err="1" smtClean="0"/>
+                <a:t>usb</a:t>
+              </a:r>
+              <a:endParaRPr lang="en-US" dirty="0"/>
+            </a:p>
+          </p:txBody>
+        </p:sp>
+      </p:grpSp>
+      <p:grpSp>
+        <p:nvGrpSpPr>
+          <p:cNvPr id="42" name="Group 41"/>
+          <p:cNvGrpSpPr/>
+          <p:nvPr/>
+        </p:nvGrpSpPr>
+        <p:grpSpPr>
+          <a:xfrm>
+            <a:off x="6858000" y="1600200"/>
+            <a:ext cx="1033272" cy="1033272"/>
+            <a:chOff x="6864096" y="158496"/>
+            <a:chExt cx="1033272" cy="1033272"/>
+          </a:xfrm>
+        </p:grpSpPr>
+        <p:sp>
+          <p:nvSpPr>
+            <p:cNvPr id="43" name="Oval 42"/>
+            <p:cNvSpPr/>
+            <p:nvPr/>
+          </p:nvSpPr>
+          <p:spPr>
+            <a:xfrm>
+              <a:off x="6864096" y="158496"/>
+              <a:ext cx="1033272" cy="1033272"/>
+            </a:xfrm>
+            <a:prstGeom prst="ellipse">
+              <a:avLst/>
+            </a:prstGeom>
+            <a:ln>
+              <a:prstDash val="solid"/>
+            </a:ln>
+          </p:spPr>
+          <p:style>
+            <a:lnRef idx="2">
+              <a:schemeClr val="accent2">
+                <a:shade val="50000"/>
+              </a:schemeClr>
+            </a:lnRef>
+            <a:fillRef idx="1">
+              <a:schemeClr val="accent2"/>
+            </a:fillRef>
+            <a:effectRef idx="0">
+              <a:schemeClr val="accent2"/>
+            </a:effectRef>
+            <a:fontRef idx="minor">
+              <a:schemeClr val="lt1"/>
+            </a:fontRef>
+          </p:style>
+          <p:txBody>
+            <a:bodyPr rtlCol="0" anchor="ctr"/>
+            <a:lstStyle/>
+            <a:p>
+              <a:pPr algn="ctr"/>
+              <a:endParaRPr lang="en-US" dirty="0"/>
+            </a:p>
+          </p:txBody>
+        </p:sp>
+        <p:sp>
+          <p:nvSpPr>
+            <p:cNvPr id="44" name="Oval 43"/>
+            <p:cNvSpPr/>
+            <p:nvPr/>
+          </p:nvSpPr>
+          <p:spPr>
+            <a:xfrm>
+              <a:off x="7010400" y="303944"/>
+              <a:ext cx="740664" cy="740664"/>
+            </a:xfrm>
+            <a:prstGeom prst="ellipse">
+              <a:avLst/>
+            </a:prstGeom>
+            <a:ln>
+              <a:prstDash val="solid"/>
+            </a:ln>
+          </p:spPr>
+          <p:style>
+            <a:lnRef idx="2">
+              <a:schemeClr val="accent1">
+                <a:shade val="50000"/>
+              </a:schemeClr>
+            </a:lnRef>
+            <a:fillRef idx="1">
+              <a:schemeClr val="accent1"/>
+            </a:fillRef>
+            <a:effectRef idx="0">
+              <a:schemeClr val="accent1"/>
+            </a:effectRef>
+            <a:fontRef idx="minor">
+              <a:schemeClr val="lt1"/>
+            </a:fontRef>
+          </p:style>
+          <p:txBody>
+            <a:bodyPr rtlCol="0" anchor="ctr"/>
+            <a:lstStyle/>
+            <a:p>
+              <a:pPr algn="ctr"/>
+              <a:r>
+                <a:rPr lang="en-US" dirty="0" smtClean="0"/>
+                <a:t>Wire</a:t>
+              </a:r>
+            </a:p>
+          </p:txBody>
+        </p:sp>
+      </p:grpSp>
+      <p:sp>
+        <p:nvSpPr>
+          <p:cNvPr id="57" name="Oval 56"/>
+          <p:cNvSpPr/>
+          <p:nvPr/>
+        </p:nvSpPr>
+        <p:spPr>
+          <a:xfrm>
+            <a:off x="6507480" y="1253490"/>
+            <a:ext cx="274320" cy="274320"/>
+          </a:xfrm>
+          <a:prstGeom prst="ellipse">
+            <a:avLst/>
+          </a:prstGeom>
+          <a:ln>
+            <a:prstDash val="sysDot"/>
+          </a:ln>
+        </p:spPr>
+        <p:style>
+          <a:lnRef idx="2">
+            <a:schemeClr val="accent1">
+              <a:shade val="50000"/>
+            </a:schemeClr>
+          </a:lnRef>
+          <a:fillRef idx="1">
+            <a:schemeClr val="accent1"/>
+          </a:fillRef>
+          <a:effectRef idx="0">
+            <a:schemeClr val="accent1"/>
+          </a:effectRef>
+          <a:fontRef idx="minor">
+            <a:schemeClr val="lt1"/>
+          </a:fontRef>
+        </p:style>
+        <p:txBody>
+          <a:bodyPr rtlCol="0" anchor="ctr"/>
+          <a:lstStyle/>
+          <a:p>
+            <a:pPr algn="ctr"/>
+            <a:r>
+              <a:rPr lang="en-US" dirty="0" err="1" smtClean="0"/>
+              <a:t>xbee</a:t>
+            </a:r>
+            <a:endParaRPr lang="en-US" dirty="0"/>
+          </a:p>
+        </p:txBody>
+      </p:sp>
+      <p:cxnSp>
+        <p:nvCxnSpPr>
+          <p:cNvPr id="58" name="Straight Connector 57"/>
+          <p:cNvCxnSpPr/>
+          <p:nvPr/>
+        </p:nvCxnSpPr>
+        <p:spPr>
+          <a:xfrm>
+            <a:off x="304800" y="0"/>
+            <a:ext cx="8229600" cy="0"/>
+          </a:xfrm>
+          <a:prstGeom prst="line">
+            <a:avLst/>
+          </a:prstGeom>
+        </p:spPr>
+        <p:style>
+          <a:lnRef idx="1">
+            <a:schemeClr val="accent1"/>
+          </a:lnRef>
+          <a:fillRef idx="0">
+            <a:schemeClr val="accent1"/>
+          </a:fillRef>
+          <a:effectRef idx="0">
+            <a:schemeClr val="accent1"/>
+          </a:effectRef>
+          <a:fontRef idx="minor">
+            <a:schemeClr val="tx1"/>
+          </a:fontRef>
+        </p:style>
+      </p:cxnSp>
+      <p:cxnSp>
+        <p:nvCxnSpPr>
+          <p:cNvPr id="60" name="Straight Connector 59"/>
+          <p:cNvCxnSpPr>
+            <a:stCxn id="31" idx="3"/>
+            <a:endCxn id="31" idx="7"/>
+          </p:cNvCxnSpPr>
+          <p:nvPr/>
+        </p:nvCxnSpPr>
+        <p:spPr>
+          <a:xfrm flipV="1">
+            <a:off x="514911" y="1793547"/>
+            <a:ext cx="646578" cy="646578"/>
+          </a:xfrm>
+          <a:prstGeom prst="line">
+            <a:avLst/>
+          </a:prstGeom>
+        </p:spPr>
+        <p:style>
+          <a:lnRef idx="3">
+            <a:schemeClr val="dk1"/>
+          </a:lnRef>
+          <a:fillRef idx="0">
+            <a:schemeClr val="dk1"/>
+          </a:fillRef>
+          <a:effectRef idx="2">
+            <a:schemeClr val="dk1"/>
+          </a:effectRef>
+          <a:fontRef idx="minor">
+            <a:schemeClr val="tx1"/>
+          </a:fontRef>
+        </p:style>
+      </p:cxnSp>
+      <p:cxnSp>
+        <p:nvCxnSpPr>
+          <p:cNvPr id="61" name="Straight Connector 60"/>
+          <p:cNvCxnSpPr>
+            <a:stCxn id="31" idx="1"/>
+            <a:endCxn id="31" idx="5"/>
+          </p:cNvCxnSpPr>
+          <p:nvPr/>
+        </p:nvCxnSpPr>
+        <p:spPr>
+          <a:xfrm>
+            <a:off x="514911" y="1793547"/>
+            <a:ext cx="646578" cy="646578"/>
+          </a:xfrm>
+          <a:prstGeom prst="line">
+            <a:avLst/>
+          </a:prstGeom>
+        </p:spPr>
+        <p:style>
+          <a:lnRef idx="3">
+            <a:schemeClr val="dk1"/>
+          </a:lnRef>
+          <a:fillRef idx="0">
+            <a:schemeClr val="dk1"/>
+          </a:fillRef>
+          <a:effectRef idx="2">
+            <a:schemeClr val="dk1"/>
+          </a:effectRef>
+          <a:fontRef idx="minor">
+            <a:schemeClr val="tx1"/>
+          </a:fontRef>
+        </p:style>
+      </p:cxnSp>
+      <p:cxnSp>
+        <p:nvCxnSpPr>
+          <p:cNvPr id="64" name="Straight Connector 63"/>
+          <p:cNvCxnSpPr>
+            <a:stCxn id="18" idx="3"/>
+            <a:endCxn id="18" idx="7"/>
+          </p:cNvCxnSpPr>
+          <p:nvPr/>
+        </p:nvCxnSpPr>
+        <p:spPr>
+          <a:xfrm flipV="1">
+            <a:off x="514911" y="303461"/>
+            <a:ext cx="646578" cy="646578"/>
+          </a:xfrm>
+          <a:prstGeom prst="line">
+            <a:avLst/>
+          </a:prstGeom>
+        </p:spPr>
+        <p:style>
+          <a:lnRef idx="3">
+            <a:schemeClr val="dk1"/>
+          </a:lnRef>
+          <a:fillRef idx="0">
+            <a:schemeClr val="dk1"/>
+          </a:fillRef>
+          <a:effectRef idx="2">
+            <a:schemeClr val="dk1"/>
+          </a:effectRef>
+          <a:fontRef idx="minor">
+            <a:schemeClr val="tx1"/>
+          </a:fontRef>
+        </p:style>
+      </p:cxnSp>
+      <p:cxnSp>
+        <p:nvCxnSpPr>
+          <p:cNvPr id="71" name="Straight Connector 70"/>
+          <p:cNvCxnSpPr>
+            <a:stCxn id="18" idx="1"/>
+            <a:endCxn id="18" idx="5"/>
+          </p:cNvCxnSpPr>
+          <p:nvPr/>
+        </p:nvCxnSpPr>
+        <p:spPr>
+          <a:xfrm>
+            <a:off x="514911" y="303461"/>
+            <a:ext cx="646578" cy="646578"/>
+          </a:xfrm>
+          <a:prstGeom prst="line">
+            <a:avLst/>
+          </a:prstGeom>
+        </p:spPr>
+        <p:style>
+          <a:lnRef idx="3">
+            <a:schemeClr val="dk1"/>
+          </a:lnRef>
+          <a:fillRef idx="0">
+            <a:schemeClr val="dk1"/>
+          </a:fillRef>
+          <a:effectRef idx="2">
+            <a:schemeClr val="dk1"/>
+          </a:effectRef>
+          <a:fontRef idx="minor">
+            <a:schemeClr val="tx1"/>
+          </a:fontRef>
+        </p:style>
+      </p:cxnSp>
+      <p:cxnSp>
+        <p:nvCxnSpPr>
+          <p:cNvPr id="86" name="Straight Connector 85"/>
+          <p:cNvCxnSpPr>
+            <a:stCxn id="34" idx="5"/>
+            <a:endCxn id="34" idx="1"/>
+          </p:cNvCxnSpPr>
+          <p:nvPr/>
+        </p:nvCxnSpPr>
+        <p:spPr>
+          <a:xfrm flipH="1" flipV="1">
+            <a:off x="2724711" y="303461"/>
+            <a:ext cx="646578" cy="646578"/>
+          </a:xfrm>
+          <a:prstGeom prst="line">
+            <a:avLst/>
+          </a:prstGeom>
+        </p:spPr>
+        <p:style>
+          <a:lnRef idx="3">
+            <a:schemeClr val="dk1"/>
+          </a:lnRef>
+          <a:fillRef idx="0">
+            <a:schemeClr val="dk1"/>
+          </a:fillRef>
+          <a:effectRef idx="2">
+            <a:schemeClr val="dk1"/>
+          </a:effectRef>
+          <a:fontRef idx="minor">
+            <a:schemeClr val="tx1"/>
+          </a:fontRef>
+        </p:style>
+      </p:cxnSp>
+      <p:cxnSp>
+        <p:nvCxnSpPr>
+          <p:cNvPr id="90" name="Straight Connector 89"/>
+          <p:cNvCxnSpPr>
+            <a:stCxn id="37" idx="1"/>
+            <a:endCxn id="37" idx="5"/>
+          </p:cNvCxnSpPr>
+          <p:nvPr/>
+        </p:nvCxnSpPr>
+        <p:spPr>
+          <a:xfrm>
+            <a:off x="2724711" y="1793547"/>
+            <a:ext cx="646578" cy="646578"/>
+          </a:xfrm>
+          <a:prstGeom prst="line">
+            <a:avLst/>
+          </a:prstGeom>
+        </p:spPr>
+        <p:style>
+          <a:lnRef idx="3">
+            <a:schemeClr val="dk1"/>
+          </a:lnRef>
+          <a:fillRef idx="0">
+            <a:schemeClr val="dk1"/>
+          </a:fillRef>
+          <a:effectRef idx="2">
+            <a:schemeClr val="dk1"/>
+          </a:effectRef>
+          <a:fontRef idx="minor">
+            <a:schemeClr val="tx1"/>
+          </a:fontRef>
+        </p:style>
+      </p:cxnSp>
+      <p:cxnSp>
+        <p:nvCxnSpPr>
+          <p:cNvPr id="93" name="Straight Connector 92"/>
+          <p:cNvCxnSpPr>
+            <a:stCxn id="37" idx="3"/>
+            <a:endCxn id="37" idx="7"/>
+          </p:cNvCxnSpPr>
+          <p:nvPr/>
+        </p:nvCxnSpPr>
+        <p:spPr>
+          <a:xfrm flipV="1">
+            <a:off x="2724711" y="1793547"/>
+            <a:ext cx="646578" cy="646578"/>
+          </a:xfrm>
+          <a:prstGeom prst="line">
+            <a:avLst/>
+          </a:prstGeom>
+        </p:spPr>
+        <p:style>
+          <a:lnRef idx="3">
+            <a:schemeClr val="dk1"/>
+          </a:lnRef>
+          <a:fillRef idx="0">
+            <a:schemeClr val="dk1"/>
+          </a:fillRef>
+          <a:effectRef idx="2">
+            <a:schemeClr val="dk1"/>
+          </a:effectRef>
+          <a:fontRef idx="minor">
+            <a:schemeClr val="tx1"/>
+          </a:fontRef>
+        </p:style>
+      </p:cxnSp>
+      <p:cxnSp>
+        <p:nvCxnSpPr>
+          <p:cNvPr id="96" name="Straight Connector 95"/>
+          <p:cNvCxnSpPr>
+            <a:stCxn id="34" idx="3"/>
+            <a:endCxn id="34" idx="7"/>
+          </p:cNvCxnSpPr>
+          <p:nvPr/>
+        </p:nvCxnSpPr>
+        <p:spPr>
+          <a:xfrm flipV="1">
+            <a:off x="2724711" y="303461"/>
+            <a:ext cx="646578" cy="646578"/>
+          </a:xfrm>
+          <a:prstGeom prst="line">
+            <a:avLst/>
+          </a:prstGeom>
+        </p:spPr>
+        <p:style>
+          <a:lnRef idx="3">
+            <a:schemeClr val="dk1"/>
+          </a:lnRef>
+          <a:fillRef idx="0">
+            <a:schemeClr val="dk1"/>
+          </a:fillRef>
+          <a:effectRef idx="2">
+            <a:schemeClr val="dk1"/>
+          </a:effectRef>
+          <a:fontRef idx="minor">
+            <a:schemeClr val="tx1"/>
+          </a:fontRef>
+        </p:style>
+      </p:cxnSp>
+      <p:cxnSp>
+        <p:nvCxnSpPr>
+          <p:cNvPr id="99" name="Straight Connector 98"/>
+          <p:cNvCxnSpPr>
+            <a:stCxn id="40" idx="5"/>
+            <a:endCxn id="40" idx="1"/>
+          </p:cNvCxnSpPr>
+          <p:nvPr/>
+        </p:nvCxnSpPr>
+        <p:spPr>
+          <a:xfrm flipH="1" flipV="1">
+            <a:off x="5485319" y="261433"/>
+            <a:ext cx="730634" cy="730634"/>
+          </a:xfrm>
+          <a:prstGeom prst="line">
+            <a:avLst/>
+          </a:prstGeom>
+        </p:spPr>
+        <p:style>
+          <a:lnRef idx="3">
+            <a:schemeClr val="dk1"/>
+          </a:lnRef>
+          <a:fillRef idx="0">
+            <a:schemeClr val="dk1"/>
+          </a:fillRef>
+          <a:effectRef idx="2">
+            <a:schemeClr val="dk1"/>
+          </a:effectRef>
+          <a:fontRef idx="minor">
+            <a:schemeClr val="tx1"/>
+          </a:fontRef>
+        </p:style>
+      </p:cxnSp>
+      <p:cxnSp>
+        <p:nvCxnSpPr>
+          <p:cNvPr id="102" name="Straight Connector 101"/>
+          <p:cNvCxnSpPr>
+            <a:stCxn id="40" idx="3"/>
+            <a:endCxn id="40" idx="7"/>
+          </p:cNvCxnSpPr>
+          <p:nvPr/>
+        </p:nvCxnSpPr>
+        <p:spPr>
+          <a:xfrm flipV="1">
+            <a:off x="5485319" y="261433"/>
+            <a:ext cx="730634" cy="730634"/>
+          </a:xfrm>
+          <a:prstGeom prst="line">
+            <a:avLst/>
+          </a:prstGeom>
+        </p:spPr>
+        <p:style>
+          <a:lnRef idx="3">
+            <a:schemeClr val="dk1"/>
+          </a:lnRef>
+          <a:fillRef idx="0">
+            <a:schemeClr val="dk1"/>
+          </a:fillRef>
+          <a:effectRef idx="2">
+            <a:schemeClr val="dk1"/>
+          </a:effectRef>
+          <a:fontRef idx="minor">
+            <a:schemeClr val="tx1"/>
+          </a:fontRef>
+        </p:style>
+      </p:cxnSp>
+      <p:cxnSp>
+        <p:nvCxnSpPr>
+          <p:cNvPr id="105" name="Straight Connector 104"/>
+          <p:cNvCxnSpPr>
+            <a:stCxn id="23" idx="1"/>
+            <a:endCxn id="23" idx="5"/>
+          </p:cNvCxnSpPr>
+          <p:nvPr/>
+        </p:nvCxnSpPr>
+        <p:spPr>
+          <a:xfrm>
+            <a:off x="5487605" y="1751519"/>
+            <a:ext cx="730634" cy="730634"/>
+          </a:xfrm>
+          <a:prstGeom prst="line">
+            <a:avLst/>
+          </a:prstGeom>
+        </p:spPr>
+        <p:style>
+          <a:lnRef idx="3">
+            <a:schemeClr val="dk1"/>
+          </a:lnRef>
+          <a:fillRef idx="0">
+            <a:schemeClr val="dk1"/>
+          </a:fillRef>
+          <a:effectRef idx="2">
+            <a:schemeClr val="dk1"/>
+          </a:effectRef>
+          <a:fontRef idx="minor">
+            <a:schemeClr val="tx1"/>
+          </a:fontRef>
+        </p:style>
+      </p:cxnSp>
+      <p:cxnSp>
+        <p:nvCxnSpPr>
+          <p:cNvPr id="108" name="Straight Connector 107"/>
+          <p:cNvCxnSpPr>
+            <a:stCxn id="43" idx="3"/>
+            <a:endCxn id="43" idx="7"/>
+          </p:cNvCxnSpPr>
+          <p:nvPr/>
+        </p:nvCxnSpPr>
+        <p:spPr>
+          <a:xfrm flipV="1">
+            <a:off x="7009319" y="1751519"/>
+            <a:ext cx="730634" cy="730634"/>
+          </a:xfrm>
+          <a:prstGeom prst="line">
+            <a:avLst/>
+          </a:prstGeom>
+          <a:ln>
+            <a:prstDash val="solid"/>
+          </a:ln>
+        </p:spPr>
+        <p:style>
+          <a:lnRef idx="3">
+            <a:schemeClr val="dk1"/>
+          </a:lnRef>
+          <a:fillRef idx="0">
+            <a:schemeClr val="dk1"/>
+          </a:fillRef>
+          <a:effectRef idx="2">
+            <a:schemeClr val="dk1"/>
+          </a:effectRef>
+          <a:fontRef idx="minor">
+            <a:schemeClr val="tx1"/>
+          </a:fontRef>
+        </p:style>
+      </p:cxnSp>
+      <p:cxnSp>
+        <p:nvCxnSpPr>
+          <p:cNvPr id="111" name="Straight Connector 110"/>
+          <p:cNvCxnSpPr>
+            <a:stCxn id="43" idx="1"/>
+            <a:endCxn id="43" idx="5"/>
+          </p:cNvCxnSpPr>
+          <p:nvPr/>
+        </p:nvCxnSpPr>
+        <p:spPr>
+          <a:xfrm>
+            <a:off x="7009319" y="1751519"/>
+            <a:ext cx="730634" cy="730634"/>
+          </a:xfrm>
+          <a:prstGeom prst="line">
+            <a:avLst/>
+          </a:prstGeom>
+          <a:ln>
+            <a:prstDash val="solid"/>
+          </a:ln>
+        </p:spPr>
+        <p:style>
+          <a:lnRef idx="3">
+            <a:schemeClr val="dk1"/>
+          </a:lnRef>
+          <a:fillRef idx="0">
+            <a:schemeClr val="dk1"/>
+          </a:fillRef>
+          <a:effectRef idx="2">
+            <a:schemeClr val="dk1"/>
+          </a:effectRef>
+          <a:fontRef idx="minor">
+            <a:schemeClr val="tx1"/>
+          </a:fontRef>
+        </p:style>
+      </p:cxnSp>
+      <p:cxnSp>
+        <p:nvCxnSpPr>
+          <p:cNvPr id="114" name="Straight Connector 113"/>
+          <p:cNvCxnSpPr>
+            <a:stCxn id="21" idx="3"/>
+            <a:endCxn id="21" idx="7"/>
+          </p:cNvCxnSpPr>
+          <p:nvPr/>
+        </p:nvCxnSpPr>
+        <p:spPr>
+          <a:xfrm flipV="1">
+            <a:off x="7085569" y="342255"/>
+            <a:ext cx="568990" cy="568990"/>
+          </a:xfrm>
+          <a:prstGeom prst="line">
+            <a:avLst/>
+          </a:prstGeom>
+        </p:spPr>
+        <p:style>
+          <a:lnRef idx="3">
+            <a:schemeClr val="dk1"/>
+          </a:lnRef>
+          <a:fillRef idx="0">
+            <a:schemeClr val="dk1"/>
+          </a:fillRef>
+          <a:effectRef idx="2">
+            <a:schemeClr val="dk1"/>
+          </a:effectRef>
+          <a:fontRef idx="minor">
+            <a:schemeClr val="tx1"/>
+          </a:fontRef>
+        </p:style>
+      </p:cxnSp>
+      <p:cxnSp>
+        <p:nvCxnSpPr>
+          <p:cNvPr id="117" name="Straight Connector 116"/>
+          <p:cNvCxnSpPr>
+            <a:stCxn id="21" idx="1"/>
+            <a:endCxn id="21" idx="5"/>
+          </p:cNvCxnSpPr>
+          <p:nvPr/>
+        </p:nvCxnSpPr>
+        <p:spPr>
+          <a:xfrm>
+            <a:off x="7085569" y="342255"/>
+            <a:ext cx="568990" cy="568990"/>
+          </a:xfrm>
+          <a:prstGeom prst="line">
+            <a:avLst/>
+          </a:prstGeom>
+        </p:spPr>
+        <p:style>
+          <a:lnRef idx="3">
+            <a:schemeClr val="dk1"/>
+          </a:lnRef>
+          <a:fillRef idx="0">
+            <a:schemeClr val="dk1"/>
+          </a:fillRef>
+          <a:effectRef idx="2">
+            <a:schemeClr val="dk1"/>
+          </a:effectRef>
+          <a:fontRef idx="minor">
+            <a:schemeClr val="tx1"/>
+          </a:fontRef>
+        </p:style>
+      </p:cxnSp>
+      <p:cxnSp>
+        <p:nvCxnSpPr>
+          <p:cNvPr id="120" name="Straight Connector 119"/>
+          <p:cNvCxnSpPr>
+            <a:stCxn id="23" idx="3"/>
+            <a:endCxn id="23" idx="7"/>
+          </p:cNvCxnSpPr>
+          <p:nvPr/>
+        </p:nvCxnSpPr>
+        <p:spPr>
+          <a:xfrm flipV="1">
+            <a:off x="5487605" y="1751519"/>
+            <a:ext cx="730634" cy="730634"/>
+          </a:xfrm>
+          <a:prstGeom prst="line">
+            <a:avLst/>
+          </a:prstGeom>
+        </p:spPr>
+        <p:style>
+          <a:lnRef idx="3">
+            <a:schemeClr val="dk1"/>
+          </a:lnRef>
+          <a:fillRef idx="0">
+            <a:schemeClr val="dk1"/>
+          </a:fillRef>
+          <a:effectRef idx="2">
+            <a:schemeClr val="dk1"/>
+          </a:effectRef>
+          <a:fontRef idx="minor">
+            <a:schemeClr val="tx1"/>
+          </a:fontRef>
+        </p:style>
+      </p:cxnSp>
+      <p:cxnSp>
+        <p:nvCxnSpPr>
+          <p:cNvPr id="123" name="Straight Connector 122"/>
+          <p:cNvCxnSpPr>
+            <a:stCxn id="57" idx="3"/>
+            <a:endCxn id="57" idx="7"/>
+          </p:cNvCxnSpPr>
+          <p:nvPr/>
+        </p:nvCxnSpPr>
+        <p:spPr>
+          <a:xfrm flipV="1">
+            <a:off x="6547653" y="1293663"/>
+            <a:ext cx="193974" cy="193974"/>
+          </a:xfrm>
+          <a:prstGeom prst="line">
+            <a:avLst/>
+          </a:prstGeom>
+          <a:ln>
+            <a:prstDash val="sysDot"/>
+          </a:ln>
+        </p:spPr>
+        <p:style>
+          <a:lnRef idx="3">
+            <a:schemeClr val="dk1"/>
+          </a:lnRef>
+          <a:fillRef idx="0">
+            <a:schemeClr val="dk1"/>
+          </a:fillRef>
+          <a:effectRef idx="2">
+            <a:schemeClr val="dk1"/>
+          </a:effectRef>
+          <a:fontRef idx="minor">
+            <a:schemeClr val="tx1"/>
+          </a:fontRef>
+        </p:style>
+      </p:cxnSp>
+      <p:cxnSp>
+        <p:nvCxnSpPr>
+          <p:cNvPr id="126" name="Straight Connector 125"/>
+          <p:cNvCxnSpPr>
+            <a:stCxn id="57" idx="1"/>
+            <a:endCxn id="57" idx="5"/>
+          </p:cNvCxnSpPr>
+          <p:nvPr/>
+        </p:nvCxnSpPr>
+        <p:spPr>
+          <a:xfrm>
+            <a:off x="6547653" y="1293663"/>
+            <a:ext cx="193974" cy="193974"/>
+          </a:xfrm>
+          <a:prstGeom prst="line">
+            <a:avLst/>
+          </a:prstGeom>
+          <a:ln>
+            <a:prstDash val="sysDot"/>
+          </a:ln>
+        </p:spPr>
+        <p:style>
+          <a:lnRef idx="3">
+            <a:schemeClr val="dk1"/>
+          </a:lnRef>
+          <a:fillRef idx="0">
+            <a:schemeClr val="dk1"/>
+          </a:fillRef>
+          <a:effectRef idx="2">
+            <a:schemeClr val="dk1"/>
+          </a:effectRef>
+          <a:fontRef idx="minor">
+            <a:schemeClr val="tx1"/>
+          </a:fontRef>
+        </p:style>
+      </p:cxnSp>
+      <p:sp>
+        <p:nvSpPr>
+          <p:cNvPr id="129" name="TextBox 128"/>
+          <p:cNvSpPr txBox="1"/>
+          <p:nvPr/>
+        </p:nvSpPr>
+        <p:spPr>
+          <a:xfrm>
+            <a:off x="565785" y="1107757"/>
+            <a:ext cx="661797" cy="492443"/>
+          </a:xfrm>
+          <a:prstGeom prst="rect">
+            <a:avLst/>
+          </a:prstGeom>
+          <a:noFill/>
+        </p:spPr>
+        <p:txBody>
+          <a:bodyPr wrap="square" rtlCol="0">
+            <a:spAutoFit/>
+          </a:bodyPr>
+          <a:lstStyle/>
+          <a:p>
+            <a:r>
+              <a:rPr lang="en-US" dirty="0" smtClean="0"/>
+              <a:t>13/16</a:t>
+            </a:r>
+          </a:p>
+          <a:p>
+            <a:endParaRPr lang="en-US" dirty="0"/>
+          </a:p>
+        </p:txBody>
+      </p:sp>
+      <p:sp>
+        <p:nvSpPr>
+          <p:cNvPr id="130" name="TextBox 129"/>
+          <p:cNvSpPr txBox="1"/>
+          <p:nvPr/>
+        </p:nvSpPr>
+        <p:spPr>
+          <a:xfrm>
+            <a:off x="1141296" y="2240946"/>
+            <a:ext cx="661797" cy="492443"/>
+          </a:xfrm>
+          <a:prstGeom prst="rect">
+            <a:avLst/>
+          </a:prstGeom>
+          <a:noFill/>
+        </p:spPr>
+        <p:txBody>
+          <a:bodyPr wrap="square" rtlCol="0">
+            <a:spAutoFit/>
+          </a:bodyPr>
+          <a:lstStyle/>
+          <a:p>
+            <a:r>
+              <a:rPr lang="en-US" dirty="0" smtClean="0"/>
+              <a:t>13/16</a:t>
+            </a:r>
+          </a:p>
+          <a:p>
+            <a:endParaRPr lang="en-US" dirty="0"/>
+          </a:p>
+        </p:txBody>
+      </p:sp>
+      <p:sp>
+        <p:nvSpPr>
+          <p:cNvPr id="131" name="TextBox 130"/>
+          <p:cNvSpPr txBox="1"/>
+          <p:nvPr/>
+        </p:nvSpPr>
+        <p:spPr>
+          <a:xfrm>
+            <a:off x="2053389" y="2235931"/>
+            <a:ext cx="661797" cy="492443"/>
+          </a:xfrm>
+          <a:prstGeom prst="rect">
+            <a:avLst/>
+          </a:prstGeom>
+          <a:noFill/>
+        </p:spPr>
+        <p:txBody>
+          <a:bodyPr wrap="square" rtlCol="0">
+            <a:spAutoFit/>
+          </a:bodyPr>
+          <a:lstStyle/>
+          <a:p>
+            <a:r>
+              <a:rPr lang="en-US" dirty="0" smtClean="0"/>
+              <a:t>13/16</a:t>
+            </a:r>
+          </a:p>
+          <a:p>
+            <a:endParaRPr lang="en-US" dirty="0"/>
+          </a:p>
+        </p:txBody>
+      </p:sp>
+      <p:sp>
+        <p:nvSpPr>
+          <p:cNvPr id="132" name="TextBox 131"/>
+          <p:cNvSpPr txBox="1"/>
+          <p:nvPr/>
+        </p:nvSpPr>
+        <p:spPr>
+          <a:xfrm>
+            <a:off x="2062914" y="224414"/>
+            <a:ext cx="661797" cy="492443"/>
+          </a:xfrm>
+          <a:prstGeom prst="rect">
+            <a:avLst/>
+          </a:prstGeom>
+          <a:noFill/>
+        </p:spPr>
+        <p:txBody>
+          <a:bodyPr wrap="square" rtlCol="0">
+            <a:spAutoFit/>
+          </a:bodyPr>
+          <a:lstStyle/>
+          <a:p>
+            <a:r>
+              <a:rPr lang="en-US" dirty="0" smtClean="0"/>
+              <a:t>13/16</a:t>
+            </a:r>
+          </a:p>
+          <a:p>
+            <a:endParaRPr lang="en-US" dirty="0"/>
+          </a:p>
+        </p:txBody>
+      </p:sp>
+      <p:sp>
+        <p:nvSpPr>
+          <p:cNvPr id="133" name="TextBox 132"/>
+          <p:cNvSpPr txBox="1"/>
+          <p:nvPr/>
+        </p:nvSpPr>
+        <p:spPr>
+          <a:xfrm>
+            <a:off x="4818507" y="133451"/>
+            <a:ext cx="661797" cy="492443"/>
+          </a:xfrm>
+          <a:prstGeom prst="rect">
+            <a:avLst/>
+          </a:prstGeom>
+          <a:noFill/>
+        </p:spPr>
+        <p:txBody>
+          <a:bodyPr wrap="square" rtlCol="0">
+            <a:spAutoFit/>
+          </a:bodyPr>
+          <a:lstStyle/>
+          <a:p>
+            <a:r>
+              <a:rPr lang="en-US" dirty="0" smtClean="0"/>
+              <a:t>13/16</a:t>
+            </a:r>
+          </a:p>
+          <a:p>
+            <a:endParaRPr lang="en-US" dirty="0"/>
+          </a:p>
+        </p:txBody>
+      </p:sp>
+      <p:sp>
+        <p:nvSpPr>
+          <p:cNvPr id="134" name="TextBox 133"/>
+          <p:cNvSpPr txBox="1"/>
+          <p:nvPr/>
+        </p:nvSpPr>
+        <p:spPr>
+          <a:xfrm>
+            <a:off x="4818506" y="2271052"/>
+            <a:ext cx="661797" cy="492443"/>
+          </a:xfrm>
+          <a:prstGeom prst="rect">
+            <a:avLst/>
+          </a:prstGeom>
+          <a:noFill/>
+        </p:spPr>
+        <p:txBody>
+          <a:bodyPr wrap="square" rtlCol="0">
+            <a:spAutoFit/>
+          </a:bodyPr>
+          <a:lstStyle/>
+          <a:p>
+            <a:r>
+              <a:rPr lang="en-US" dirty="0" smtClean="0"/>
+              <a:t>13/16</a:t>
+            </a:r>
+          </a:p>
+          <a:p>
+            <a:endParaRPr lang="en-US" dirty="0"/>
+          </a:p>
+        </p:txBody>
+      </p:sp>
+      <p:sp>
+        <p:nvSpPr>
+          <p:cNvPr id="135" name="TextBox 134"/>
+          <p:cNvSpPr txBox="1"/>
+          <p:nvPr/>
+        </p:nvSpPr>
+        <p:spPr>
+          <a:xfrm>
+            <a:off x="6424803" y="2326957"/>
+            <a:ext cx="661797" cy="492443"/>
+          </a:xfrm>
+          <a:prstGeom prst="rect">
+            <a:avLst/>
+          </a:prstGeom>
+          <a:noFill/>
+        </p:spPr>
+        <p:txBody>
+          <a:bodyPr wrap="square" rtlCol="0">
+            <a:spAutoFit/>
+          </a:bodyPr>
+          <a:lstStyle/>
+          <a:p>
+            <a:r>
+              <a:rPr lang="en-US" dirty="0" smtClean="0"/>
+              <a:t>13/16</a:t>
+            </a:r>
+          </a:p>
+          <a:p>
+            <a:endParaRPr lang="en-US" dirty="0"/>
+          </a:p>
+        </p:txBody>
+      </p:sp>
+      <p:sp>
+        <p:nvSpPr>
+          <p:cNvPr id="136" name="TextBox 135"/>
+          <p:cNvSpPr txBox="1"/>
+          <p:nvPr/>
+        </p:nvSpPr>
+        <p:spPr>
+          <a:xfrm>
+            <a:off x="6616065" y="87284"/>
+            <a:ext cx="661797" cy="292388"/>
+          </a:xfrm>
+          <a:prstGeom prst="rect">
+            <a:avLst/>
+          </a:prstGeom>
+          <a:noFill/>
+        </p:spPr>
+        <p:txBody>
+          <a:bodyPr wrap="square" rtlCol="0">
+            <a:spAutoFit/>
+          </a:bodyPr>
+          <a:lstStyle/>
+          <a:p>
+            <a:r>
+              <a:rPr lang="en-US" dirty="0" smtClean="0"/>
+              <a:t>5/8</a:t>
+            </a:r>
+            <a:endParaRPr lang="en-US" dirty="0"/>
+          </a:p>
+        </p:txBody>
+      </p:sp>
+      <p:grpSp>
+        <p:nvGrpSpPr>
+          <p:cNvPr id="70" name="Group 69"/>
+          <p:cNvGrpSpPr/>
+          <p:nvPr/>
+        </p:nvGrpSpPr>
+        <p:grpSpPr>
+          <a:xfrm>
+            <a:off x="1447800" y="933846"/>
+            <a:ext cx="914400" cy="914400"/>
+            <a:chOff x="269765" y="217076"/>
+            <a:chExt cx="914400" cy="914400"/>
+          </a:xfrm>
+        </p:grpSpPr>
+        <p:sp>
+          <p:nvSpPr>
+            <p:cNvPr id="72" name="Oval 71"/>
+            <p:cNvSpPr/>
+            <p:nvPr/>
+          </p:nvSpPr>
+          <p:spPr>
+            <a:xfrm>
+              <a:off x="269765" y="217076"/>
+              <a:ext cx="914400" cy="914400"/>
+            </a:xfrm>
+            <a:prstGeom prst="ellipse">
+              <a:avLst/>
+            </a:prstGeom>
+          </p:spPr>
+          <p:style>
+            <a:lnRef idx="2">
+              <a:schemeClr val="accent2">
+                <a:shade val="50000"/>
+              </a:schemeClr>
+            </a:lnRef>
+            <a:fillRef idx="1">
+              <a:schemeClr val="accent2"/>
+            </a:fillRef>
+            <a:effectRef idx="0">
+              <a:schemeClr val="accent2"/>
+            </a:effectRef>
+            <a:fontRef idx="minor">
+              <a:schemeClr val="lt1"/>
+            </a:fontRef>
+          </p:style>
+          <p:txBody>
+            <a:bodyPr rtlCol="0" anchor="ctr"/>
+            <a:lstStyle/>
+            <a:p>
+              <a:pPr algn="ctr"/>
+              <a:endParaRPr lang="en-US" dirty="0"/>
+            </a:p>
+          </p:txBody>
+        </p:sp>
+        <p:sp>
+          <p:nvSpPr>
+            <p:cNvPr id="73" name="Oval 72"/>
+            <p:cNvSpPr/>
+            <p:nvPr/>
+          </p:nvSpPr>
+          <p:spPr>
+            <a:xfrm>
+              <a:off x="356633" y="303944"/>
+              <a:ext cx="740664" cy="740664"/>
+            </a:xfrm>
+            <a:prstGeom prst="ellipse">
+              <a:avLst/>
+            </a:prstGeom>
+          </p:spPr>
+          <p:style>
+            <a:lnRef idx="2">
+              <a:schemeClr val="accent1">
+                <a:shade val="50000"/>
+              </a:schemeClr>
+            </a:lnRef>
+            <a:fillRef idx="1">
+              <a:schemeClr val="accent1"/>
+            </a:fillRef>
+            <a:effectRef idx="0">
+              <a:schemeClr val="accent1"/>
+            </a:effectRef>
+            <a:fontRef idx="minor">
+              <a:schemeClr val="lt1"/>
+            </a:fontRef>
+          </p:style>
+          <p:txBody>
+            <a:bodyPr rtlCol="0" anchor="ctr"/>
+            <a:lstStyle/>
+            <a:p>
+              <a:pPr algn="ctr"/>
+              <a:r>
+                <a:rPr lang="en-US" dirty="0" smtClean="0"/>
+                <a:t>rj45</a:t>
+              </a:r>
+              <a:endParaRPr lang="en-US" dirty="0"/>
+            </a:p>
+          </p:txBody>
+        </p:sp>
+      </p:grpSp>
+      <p:cxnSp>
+        <p:nvCxnSpPr>
+          <p:cNvPr id="95" name="Straight Connector 94"/>
+          <p:cNvCxnSpPr/>
+          <p:nvPr/>
+        </p:nvCxnSpPr>
+        <p:spPr>
+          <a:xfrm flipH="1" flipV="1">
+            <a:off x="1581711" y="1067361"/>
+            <a:ext cx="646578" cy="646578"/>
+          </a:xfrm>
+          <a:prstGeom prst="line">
+            <a:avLst/>
+          </a:prstGeom>
+        </p:spPr>
+        <p:style>
+          <a:lnRef idx="3">
+            <a:schemeClr val="dk1"/>
+          </a:lnRef>
+          <a:fillRef idx="0">
+            <a:schemeClr val="dk1"/>
+          </a:fillRef>
+          <a:effectRef idx="2">
+            <a:schemeClr val="dk1"/>
+          </a:effectRef>
+          <a:fontRef idx="minor">
+            <a:schemeClr val="tx1"/>
+          </a:fontRef>
+        </p:style>
+      </p:cxnSp>
+      <p:cxnSp>
+        <p:nvCxnSpPr>
+          <p:cNvPr id="97" name="Straight Connector 96"/>
+          <p:cNvCxnSpPr/>
+          <p:nvPr/>
+        </p:nvCxnSpPr>
+        <p:spPr>
+          <a:xfrm flipV="1">
+            <a:off x="1581711" y="1067361"/>
+            <a:ext cx="646578" cy="646578"/>
+          </a:xfrm>
+          <a:prstGeom prst="line">
+            <a:avLst/>
+          </a:prstGeom>
+        </p:spPr>
+        <p:style>
+          <a:lnRef idx="3">
+            <a:schemeClr val="dk1"/>
+          </a:lnRef>
+          <a:fillRef idx="0">
+            <a:schemeClr val="dk1"/>
+          </a:fillRef>
+          <a:effectRef idx="2">
+            <a:schemeClr val="dk1"/>
+          </a:effectRef>
+          <a:fontRef idx="minor">
+            <a:schemeClr val="tx1"/>
+          </a:fontRef>
+        </p:style>
+      </p:cxnSp>
+      <p:sp>
+        <p:nvSpPr>
+          <p:cNvPr id="98" name="TextBox 97"/>
+          <p:cNvSpPr txBox="1"/>
+          <p:nvPr/>
+        </p:nvSpPr>
+        <p:spPr>
+          <a:xfrm>
+            <a:off x="1605079" y="598588"/>
+            <a:ext cx="661797" cy="492443"/>
+          </a:xfrm>
+          <a:prstGeom prst="rect">
+            <a:avLst/>
+          </a:prstGeom>
+          <a:noFill/>
+        </p:spPr>
+        <p:txBody>
+          <a:bodyPr wrap="square" rtlCol="0">
+            <a:spAutoFit/>
+          </a:bodyPr>
+          <a:lstStyle/>
+          <a:p>
+            <a:r>
+              <a:rPr lang="en-US" dirty="0" smtClean="0"/>
+              <a:t>13/16</a:t>
+            </a:r>
+          </a:p>
+          <a:p>
+            <a:endParaRPr lang="en-US" dirty="0"/>
+          </a:p>
+        </p:txBody>
+      </p:sp>
+    </p:spTree>
+    <p:extLst>
+      <p:ext uri="{BB962C8B-B14F-4D97-AF65-F5344CB8AC3E}">
+        <p14:creationId xmlns:p14="http://schemas.microsoft.com/office/powerpoint/2010/main" val="838865242"/>
+      </p:ext>
+    </p:extLst>
+  </p:cSld>
+  <p:clrMapOvr>
+    <a:masterClrMapping/>
+  </p:clrMapOvr>
+</p:sld>
+</file>
+
+<file path=ppt/slides/slide4.xml><?xml version="1.0" encoding="utf-8"?>
+<p:sld xmlns:a="http://schemas.openxmlformats.org/drawingml/2006/main" xmlns:r="http://schemas.openxmlformats.org/officeDocument/2006/relationships" xmlns:p="http://schemas.openxmlformats.org/presentationml/2006/main">
+  <p:cSld>
+    <p:spTree>
+      <p:nvGrpSpPr>
+        <p:cNvPr id="1" name=""/>
+        <p:cNvGrpSpPr/>
+        <p:nvPr/>
+      </p:nvGrpSpPr>
+      <p:grpSpPr>
+        <a:xfrm>
+          <a:off x="0" y="0"/>
+          <a:ext cx="0" cy="0"/>
+          <a:chOff x="0" y="0"/>
+          <a:chExt cx="0" cy="0"/>
+        </a:xfrm>
+      </p:grpSpPr>
+      <p:cxnSp>
+        <p:nvCxnSpPr>
+          <p:cNvPr id="46" name="Straight Connector 45"/>
+          <p:cNvCxnSpPr/>
+          <p:nvPr/>
+        </p:nvCxnSpPr>
+        <p:spPr>
+          <a:xfrm>
+            <a:off x="304800" y="1390650"/>
+            <a:ext cx="7620000" cy="0"/>
+          </a:xfrm>
+          <a:prstGeom prst="line">
+            <a:avLst/>
+          </a:prstGeom>
+          <a:ln>
+            <a:solidFill>
+              <a:schemeClr val="accent1"/>
+            </a:solidFill>
+            <a:prstDash val="dash"/>
+          </a:ln>
+        </p:spPr>
+        <p:style>
+          <a:lnRef idx="1">
+            <a:schemeClr val="accent1"/>
+          </a:lnRef>
+          <a:fillRef idx="0">
+            <a:schemeClr val="accent1"/>
+          </a:fillRef>
+          <a:effectRef idx="0">
+            <a:schemeClr val="accent1"/>
+          </a:effectRef>
+          <a:fontRef idx="minor">
+            <a:schemeClr val="tx1"/>
+          </a:fontRef>
+        </p:style>
+      </p:cxnSp>
+      <p:grpSp>
+        <p:nvGrpSpPr>
+          <p:cNvPr id="24" name="Group 23"/>
+          <p:cNvGrpSpPr/>
+          <p:nvPr/>
+        </p:nvGrpSpPr>
+        <p:grpSpPr>
+          <a:xfrm>
+            <a:off x="6967728" y="224414"/>
+            <a:ext cx="804672" cy="804672"/>
+            <a:chOff x="3424428" y="224028"/>
+            <a:chExt cx="804672" cy="804672"/>
+          </a:xfrm>
+        </p:grpSpPr>
+        <p:sp>
+          <p:nvSpPr>
+            <p:cNvPr id="21" name="Oval 20"/>
+            <p:cNvSpPr/>
+            <p:nvPr/>
+          </p:nvSpPr>
+          <p:spPr>
+            <a:xfrm>
+              <a:off x="3424428" y="224028"/>
+              <a:ext cx="804672" cy="804672"/>
+            </a:xfrm>
+            <a:prstGeom prst="ellipse">
+              <a:avLst/>
+            </a:prstGeom>
+          </p:spPr>
+          <p:style>
+            <a:lnRef idx="2">
+              <a:schemeClr val="accent2">
+                <a:shade val="50000"/>
+              </a:schemeClr>
+            </a:lnRef>
+            <a:fillRef idx="1">
+              <a:schemeClr val="accent2"/>
+            </a:fillRef>
+            <a:effectRef idx="0">
+              <a:schemeClr val="accent2"/>
+            </a:effectRef>
+            <a:fontRef idx="minor">
+              <a:schemeClr val="lt1"/>
+            </a:fontRef>
+          </p:style>
+          <p:txBody>
+            <a:bodyPr rtlCol="0" anchor="ctr"/>
+            <a:lstStyle/>
+            <a:p>
+              <a:pPr algn="ctr"/>
+              <a:endParaRPr lang="en-US" dirty="0"/>
+            </a:p>
+          </p:txBody>
+        </p:sp>
+        <p:sp>
+          <p:nvSpPr>
+            <p:cNvPr id="5" name="Oval 4"/>
+            <p:cNvSpPr/>
+            <p:nvPr/>
+          </p:nvSpPr>
+          <p:spPr>
+            <a:xfrm>
+              <a:off x="3538728" y="338328"/>
+              <a:ext cx="576072" cy="576072"/>
+            </a:xfrm>
+            <a:prstGeom prst="ellipse">
+              <a:avLst/>
+            </a:prstGeom>
+          </p:spPr>
+          <p:style>
+            <a:lnRef idx="2">
+              <a:schemeClr val="accent1">
+                <a:shade val="50000"/>
+              </a:schemeClr>
+            </a:lnRef>
+            <a:fillRef idx="1">
+              <a:schemeClr val="accent1"/>
+            </a:fillRef>
+            <a:effectRef idx="0">
+              <a:schemeClr val="accent1"/>
+            </a:effectRef>
+            <a:fontRef idx="minor">
+              <a:schemeClr val="lt1"/>
+            </a:fontRef>
+          </p:style>
+          <p:txBody>
+            <a:bodyPr rtlCol="0" anchor="ctr"/>
+            <a:lstStyle/>
+            <a:p>
+              <a:pPr algn="ctr"/>
+              <a:r>
+                <a:rPr lang="en-US" dirty="0" smtClean="0"/>
+                <a:t>switch</a:t>
+              </a:r>
+              <a:endParaRPr lang="en-US" dirty="0"/>
+            </a:p>
+          </p:txBody>
+        </p:sp>
+      </p:grpSp>
+      <p:grpSp>
+        <p:nvGrpSpPr>
+          <p:cNvPr id="19" name="Group 18"/>
+          <p:cNvGrpSpPr/>
+          <p:nvPr/>
+        </p:nvGrpSpPr>
+        <p:grpSpPr>
+          <a:xfrm>
+            <a:off x="381000" y="169550"/>
+            <a:ext cx="914400" cy="914400"/>
+            <a:chOff x="269765" y="217076"/>
+            <a:chExt cx="914400" cy="914400"/>
+          </a:xfrm>
+        </p:grpSpPr>
+        <p:sp>
+          <p:nvSpPr>
+            <p:cNvPr id="18" name="Oval 17"/>
+            <p:cNvSpPr/>
+            <p:nvPr/>
+          </p:nvSpPr>
+          <p:spPr>
+            <a:xfrm>
+              <a:off x="269765" y="217076"/>
+              <a:ext cx="914400" cy="914400"/>
+            </a:xfrm>
+            <a:prstGeom prst="ellipse">
+              <a:avLst/>
+            </a:prstGeom>
+          </p:spPr>
+          <p:style>
+            <a:lnRef idx="2">
+              <a:schemeClr val="accent2">
+                <a:shade val="50000"/>
+              </a:schemeClr>
+            </a:lnRef>
+            <a:fillRef idx="1">
+              <a:schemeClr val="accent2"/>
+            </a:fillRef>
+            <a:effectRef idx="0">
+              <a:schemeClr val="accent2"/>
+            </a:effectRef>
+            <a:fontRef idx="minor">
+              <a:schemeClr val="lt1"/>
+            </a:fontRef>
+          </p:style>
+          <p:txBody>
+            <a:bodyPr rtlCol="0" anchor="ctr"/>
+            <a:lstStyle/>
+            <a:p>
+              <a:pPr algn="ctr"/>
+              <a:endParaRPr lang="en-US" dirty="0"/>
+            </a:p>
+          </p:txBody>
+        </p:sp>
+        <p:sp>
+          <p:nvSpPr>
+            <p:cNvPr id="6" name="Oval 5"/>
+            <p:cNvSpPr/>
+            <p:nvPr/>
+          </p:nvSpPr>
+          <p:spPr>
+            <a:xfrm>
+              <a:off x="356633" y="303944"/>
+              <a:ext cx="740664" cy="740664"/>
+            </a:xfrm>
+            <a:prstGeom prst="ellipse">
+              <a:avLst/>
+            </a:prstGeom>
+          </p:spPr>
+          <p:style>
+            <a:lnRef idx="2">
+              <a:schemeClr val="accent1">
+                <a:shade val="50000"/>
+              </a:schemeClr>
+            </a:lnRef>
+            <a:fillRef idx="1">
+              <a:schemeClr val="accent1"/>
+            </a:fillRef>
+            <a:effectRef idx="0">
+              <a:schemeClr val="accent1"/>
+            </a:effectRef>
+            <a:fontRef idx="minor">
+              <a:schemeClr val="lt1"/>
+            </a:fontRef>
+          </p:style>
+          <p:txBody>
+            <a:bodyPr rtlCol="0" anchor="ctr"/>
+            <a:lstStyle/>
+            <a:p>
+              <a:pPr algn="ctr"/>
+              <a:endParaRPr lang="en-US" dirty="0"/>
+            </a:p>
+          </p:txBody>
+        </p:sp>
+      </p:grpSp>
+      <p:grpSp>
+        <p:nvGrpSpPr>
+          <p:cNvPr id="25" name="Group 24"/>
+          <p:cNvGrpSpPr/>
+          <p:nvPr/>
+        </p:nvGrpSpPr>
+        <p:grpSpPr>
+          <a:xfrm>
+            <a:off x="5336286" y="1600200"/>
+            <a:ext cx="1033272" cy="1033272"/>
+            <a:chOff x="6864096" y="158496"/>
+            <a:chExt cx="1033272" cy="1033272"/>
+          </a:xfrm>
+        </p:grpSpPr>
+        <p:sp>
+          <p:nvSpPr>
+            <p:cNvPr id="23" name="Oval 22"/>
+            <p:cNvSpPr/>
+            <p:nvPr/>
+          </p:nvSpPr>
+          <p:spPr>
+            <a:xfrm>
+              <a:off x="6864096" y="158496"/>
+              <a:ext cx="1033272" cy="1033272"/>
+            </a:xfrm>
+            <a:prstGeom prst="ellipse">
+              <a:avLst/>
+            </a:prstGeom>
+          </p:spPr>
+          <p:style>
+            <a:lnRef idx="2">
+              <a:schemeClr val="accent2">
+                <a:shade val="50000"/>
+              </a:schemeClr>
+            </a:lnRef>
+            <a:fillRef idx="1">
+              <a:schemeClr val="accent2"/>
+            </a:fillRef>
+            <a:effectRef idx="0">
+              <a:schemeClr val="accent2"/>
+            </a:effectRef>
+            <a:fontRef idx="minor">
+              <a:schemeClr val="lt1"/>
+            </a:fontRef>
+          </p:style>
+          <p:txBody>
+            <a:bodyPr rtlCol="0" anchor="ctr"/>
+            <a:lstStyle/>
+            <a:p>
+              <a:pPr algn="ctr"/>
+              <a:endParaRPr lang="en-US" dirty="0"/>
+            </a:p>
+          </p:txBody>
+        </p:sp>
+        <p:sp>
+          <p:nvSpPr>
+            <p:cNvPr id="11" name="Oval 10"/>
+            <p:cNvSpPr/>
+            <p:nvPr/>
+          </p:nvSpPr>
+          <p:spPr>
+            <a:xfrm>
+              <a:off x="7010400" y="303944"/>
+              <a:ext cx="740664" cy="740664"/>
+            </a:xfrm>
+            <a:prstGeom prst="ellipse">
+              <a:avLst/>
+            </a:prstGeom>
+          </p:spPr>
+          <p:style>
+            <a:lnRef idx="2">
+              <a:schemeClr val="accent1">
+                <a:shade val="50000"/>
+              </a:schemeClr>
+            </a:lnRef>
+            <a:fillRef idx="1">
+              <a:schemeClr val="accent1"/>
+            </a:fillRef>
+            <a:effectRef idx="0">
+              <a:schemeClr val="accent1"/>
+            </a:effectRef>
+            <a:fontRef idx="minor">
+              <a:schemeClr val="lt1"/>
+            </a:fontRef>
+          </p:style>
+          <p:txBody>
+            <a:bodyPr rtlCol="0" anchor="ctr"/>
+            <a:lstStyle/>
+            <a:p>
+              <a:pPr algn="ctr"/>
+              <a:r>
+                <a:rPr lang="en-US" dirty="0" err="1" smtClean="0"/>
+                <a:t>usb</a:t>
+              </a:r>
+              <a:endParaRPr lang="en-US" dirty="0"/>
+            </a:p>
+          </p:txBody>
+        </p:sp>
+      </p:grpSp>
+      <p:cxnSp>
+        <p:nvCxnSpPr>
+          <p:cNvPr id="16" name="Straight Connector 15"/>
+          <p:cNvCxnSpPr/>
+          <p:nvPr/>
+        </p:nvCxnSpPr>
+        <p:spPr>
+          <a:xfrm>
+            <a:off x="228600" y="0"/>
+            <a:ext cx="0" cy="2971800"/>
+          </a:xfrm>
+          <a:prstGeom prst="line">
+            <a:avLst/>
+          </a:prstGeom>
+        </p:spPr>
+        <p:style>
+          <a:lnRef idx="1">
+            <a:schemeClr val="accent1"/>
+          </a:lnRef>
+          <a:fillRef idx="0">
+            <a:schemeClr val="accent1"/>
+          </a:fillRef>
+          <a:effectRef idx="0">
+            <a:schemeClr val="accent1"/>
+          </a:effectRef>
+          <a:fontRef idx="minor">
+            <a:schemeClr val="tx1"/>
+          </a:fontRef>
+        </p:style>
+      </p:cxnSp>
+      <p:cxnSp>
+        <p:nvCxnSpPr>
+          <p:cNvPr id="17" name="Straight Connector 16"/>
+          <p:cNvCxnSpPr/>
+          <p:nvPr/>
+        </p:nvCxnSpPr>
+        <p:spPr>
+          <a:xfrm>
+            <a:off x="8001000" y="-76200"/>
+            <a:ext cx="0" cy="2971800"/>
+          </a:xfrm>
+          <a:prstGeom prst="line">
+            <a:avLst/>
+          </a:prstGeom>
+        </p:spPr>
+        <p:style>
+          <a:lnRef idx="1">
+            <a:schemeClr val="accent1"/>
+          </a:lnRef>
+          <a:fillRef idx="0">
+            <a:schemeClr val="accent1"/>
+          </a:fillRef>
+          <a:effectRef idx="0">
+            <a:schemeClr val="accent1"/>
+          </a:effectRef>
+          <a:fontRef idx="minor">
+            <a:schemeClr val="tx1"/>
+          </a:fontRef>
+        </p:style>
+      </p:cxnSp>
+      <p:grpSp>
+        <p:nvGrpSpPr>
+          <p:cNvPr id="30" name="Group 29"/>
+          <p:cNvGrpSpPr/>
+          <p:nvPr/>
+        </p:nvGrpSpPr>
+        <p:grpSpPr>
+          <a:xfrm>
+            <a:off x="381000" y="1659636"/>
+            <a:ext cx="914400" cy="914400"/>
+            <a:chOff x="269765" y="217076"/>
+            <a:chExt cx="914400" cy="914400"/>
+          </a:xfrm>
+        </p:grpSpPr>
+        <p:sp>
+          <p:nvSpPr>
+            <p:cNvPr id="31" name="Oval 30"/>
+            <p:cNvSpPr/>
+            <p:nvPr/>
+          </p:nvSpPr>
+          <p:spPr>
+            <a:xfrm>
+              <a:off x="269765" y="217076"/>
+              <a:ext cx="914400" cy="914400"/>
+            </a:xfrm>
+            <a:prstGeom prst="ellipse">
+              <a:avLst/>
+            </a:prstGeom>
+          </p:spPr>
+          <p:style>
+            <a:lnRef idx="2">
+              <a:schemeClr val="accent2">
+                <a:shade val="50000"/>
+              </a:schemeClr>
+            </a:lnRef>
+            <a:fillRef idx="1">
+              <a:schemeClr val="accent2"/>
+            </a:fillRef>
+            <a:effectRef idx="0">
+              <a:schemeClr val="accent2"/>
+            </a:effectRef>
+            <a:fontRef idx="minor">
+              <a:schemeClr val="lt1"/>
+            </a:fontRef>
+          </p:style>
+          <p:txBody>
+            <a:bodyPr rtlCol="0" anchor="ctr"/>
+            <a:lstStyle/>
+            <a:p>
+              <a:pPr algn="ctr"/>
+              <a:endParaRPr lang="en-US" dirty="0"/>
+            </a:p>
+          </p:txBody>
+        </p:sp>
+        <p:sp>
+          <p:nvSpPr>
+            <p:cNvPr id="32" name="Oval 31"/>
+            <p:cNvSpPr/>
+            <p:nvPr/>
+          </p:nvSpPr>
+          <p:spPr>
+            <a:xfrm>
+              <a:off x="356633" y="303944"/>
+              <a:ext cx="740664" cy="740664"/>
+            </a:xfrm>
+            <a:prstGeom prst="ellipse">
+              <a:avLst/>
+            </a:prstGeom>
+          </p:spPr>
+          <p:style>
+            <a:lnRef idx="2">
+              <a:schemeClr val="accent1">
+                <a:shade val="50000"/>
+              </a:schemeClr>
+            </a:lnRef>
+            <a:fillRef idx="1">
+              <a:schemeClr val="accent1"/>
+            </a:fillRef>
+            <a:effectRef idx="0">
+              <a:schemeClr val="accent1"/>
+            </a:effectRef>
+            <a:fontRef idx="minor">
+              <a:schemeClr val="lt1"/>
+            </a:fontRef>
+          </p:style>
+          <p:txBody>
+            <a:bodyPr rtlCol="0" anchor="ctr"/>
+            <a:lstStyle/>
+            <a:p>
+              <a:pPr algn="ctr"/>
+              <a:endParaRPr lang="en-US" dirty="0"/>
+            </a:p>
+          </p:txBody>
+        </p:sp>
+      </p:grpSp>
+      <p:grpSp>
+        <p:nvGrpSpPr>
+          <p:cNvPr id="33" name="Group 32"/>
+          <p:cNvGrpSpPr/>
+          <p:nvPr/>
+        </p:nvGrpSpPr>
+        <p:grpSpPr>
+          <a:xfrm>
+            <a:off x="6912864" y="1664086"/>
+            <a:ext cx="914400" cy="914400"/>
+            <a:chOff x="269765" y="217076"/>
+            <a:chExt cx="914400" cy="914400"/>
+          </a:xfrm>
+        </p:grpSpPr>
+        <p:sp>
+          <p:nvSpPr>
+            <p:cNvPr id="34" name="Oval 33"/>
+            <p:cNvSpPr/>
+            <p:nvPr/>
+          </p:nvSpPr>
+          <p:spPr>
+            <a:xfrm>
+              <a:off x="269765" y="217076"/>
+              <a:ext cx="914400" cy="914400"/>
+            </a:xfrm>
+            <a:prstGeom prst="ellipse">
+              <a:avLst/>
+            </a:prstGeom>
+          </p:spPr>
+          <p:style>
+            <a:lnRef idx="2">
+              <a:schemeClr val="accent2">
+                <a:shade val="50000"/>
+              </a:schemeClr>
+            </a:lnRef>
+            <a:fillRef idx="1">
+              <a:schemeClr val="accent2"/>
+            </a:fillRef>
+            <a:effectRef idx="0">
+              <a:schemeClr val="accent2"/>
+            </a:effectRef>
+            <a:fontRef idx="minor">
+              <a:schemeClr val="lt1"/>
+            </a:fontRef>
+          </p:style>
+          <p:txBody>
+            <a:bodyPr rtlCol="0" anchor="ctr"/>
+            <a:lstStyle/>
+            <a:p>
+              <a:pPr algn="ctr"/>
+              <a:endParaRPr lang="en-US" dirty="0"/>
+            </a:p>
+          </p:txBody>
+        </p:sp>
+        <p:sp>
+          <p:nvSpPr>
+            <p:cNvPr id="35" name="Oval 34"/>
+            <p:cNvSpPr/>
+            <p:nvPr/>
+          </p:nvSpPr>
+          <p:spPr>
+            <a:xfrm>
+              <a:off x="356633" y="303944"/>
+              <a:ext cx="740664" cy="740664"/>
+            </a:xfrm>
+            <a:prstGeom prst="ellipse">
+              <a:avLst/>
+            </a:prstGeom>
+          </p:spPr>
+          <p:style>
+            <a:lnRef idx="2">
+              <a:schemeClr val="accent1">
+                <a:shade val="50000"/>
+              </a:schemeClr>
+            </a:lnRef>
+            <a:fillRef idx="1">
+              <a:schemeClr val="accent1"/>
+            </a:fillRef>
+            <a:effectRef idx="0">
+              <a:schemeClr val="accent1"/>
+            </a:effectRef>
+            <a:fontRef idx="minor">
+              <a:schemeClr val="lt1"/>
+            </a:fontRef>
+          </p:style>
+          <p:txBody>
+            <a:bodyPr rtlCol="0" anchor="ctr"/>
+            <a:lstStyle/>
+            <a:p>
+              <a:pPr algn="ctr"/>
+              <a:endParaRPr lang="en-US" dirty="0"/>
+            </a:p>
+          </p:txBody>
+        </p:sp>
+      </p:grpSp>
+      <p:grpSp>
+        <p:nvGrpSpPr>
+          <p:cNvPr id="36" name="Group 35"/>
+          <p:cNvGrpSpPr/>
+          <p:nvPr/>
+        </p:nvGrpSpPr>
+        <p:grpSpPr>
+          <a:xfrm>
+            <a:off x="2581323" y="1659636"/>
+            <a:ext cx="914400" cy="914400"/>
+            <a:chOff x="269765" y="217076"/>
+            <a:chExt cx="914400" cy="914400"/>
+          </a:xfrm>
+        </p:grpSpPr>
+        <p:sp>
+          <p:nvSpPr>
+            <p:cNvPr id="37" name="Oval 36"/>
+            <p:cNvSpPr/>
+            <p:nvPr/>
+          </p:nvSpPr>
+          <p:spPr>
+            <a:xfrm>
+              <a:off x="269765" y="217076"/>
+              <a:ext cx="914400" cy="914400"/>
+            </a:xfrm>
+            <a:prstGeom prst="ellipse">
+              <a:avLst/>
+            </a:prstGeom>
+          </p:spPr>
+          <p:style>
+            <a:lnRef idx="2">
+              <a:schemeClr val="accent2">
+                <a:shade val="50000"/>
+              </a:schemeClr>
+            </a:lnRef>
+            <a:fillRef idx="1">
+              <a:schemeClr val="accent2"/>
+            </a:fillRef>
+            <a:effectRef idx="0">
+              <a:schemeClr val="accent2"/>
+            </a:effectRef>
+            <a:fontRef idx="minor">
+              <a:schemeClr val="lt1"/>
+            </a:fontRef>
+          </p:style>
+          <p:txBody>
+            <a:bodyPr rtlCol="0" anchor="ctr"/>
+            <a:lstStyle/>
+            <a:p>
+              <a:pPr algn="ctr"/>
+              <a:endParaRPr lang="en-US" dirty="0"/>
+            </a:p>
+          </p:txBody>
+        </p:sp>
+        <p:sp>
+          <p:nvSpPr>
+            <p:cNvPr id="38" name="Oval 37"/>
+            <p:cNvSpPr/>
+            <p:nvPr/>
+          </p:nvSpPr>
+          <p:spPr>
+            <a:xfrm>
+              <a:off x="356633" y="303944"/>
+              <a:ext cx="740664" cy="740664"/>
+            </a:xfrm>
+            <a:prstGeom prst="ellipse">
+              <a:avLst/>
+            </a:prstGeom>
+          </p:spPr>
+          <p:style>
+            <a:lnRef idx="2">
+              <a:schemeClr val="accent1">
+                <a:shade val="50000"/>
+              </a:schemeClr>
+            </a:lnRef>
+            <a:fillRef idx="1">
+              <a:schemeClr val="accent1"/>
+            </a:fillRef>
+            <a:effectRef idx="0">
+              <a:schemeClr val="accent1"/>
+            </a:effectRef>
+            <a:fontRef idx="minor">
+              <a:schemeClr val="lt1"/>
+            </a:fontRef>
+          </p:style>
+          <p:txBody>
+            <a:bodyPr rtlCol="0" anchor="ctr"/>
+            <a:lstStyle/>
+            <a:p>
+              <a:pPr algn="ctr"/>
+              <a:endParaRPr lang="en-US" dirty="0"/>
+            </a:p>
+          </p:txBody>
+        </p:sp>
+      </p:grpSp>
+      <p:grpSp>
+        <p:nvGrpSpPr>
+          <p:cNvPr id="39" name="Group 38"/>
+          <p:cNvGrpSpPr/>
+          <p:nvPr/>
+        </p:nvGrpSpPr>
+        <p:grpSpPr>
+          <a:xfrm>
+            <a:off x="5334000" y="110114"/>
+            <a:ext cx="1033272" cy="1033272"/>
+            <a:chOff x="6864096" y="158496"/>
+            <a:chExt cx="1033272" cy="1033272"/>
+          </a:xfrm>
+        </p:grpSpPr>
+        <p:sp>
+          <p:nvSpPr>
+            <p:cNvPr id="40" name="Oval 39"/>
+            <p:cNvSpPr/>
+            <p:nvPr/>
+          </p:nvSpPr>
+          <p:spPr>
+            <a:xfrm>
+              <a:off x="6864096" y="158496"/>
+              <a:ext cx="1033272" cy="1033272"/>
+            </a:xfrm>
+            <a:prstGeom prst="ellipse">
+              <a:avLst/>
+            </a:prstGeom>
+          </p:spPr>
+          <p:style>
+            <a:lnRef idx="2">
+              <a:schemeClr val="accent2">
+                <a:shade val="50000"/>
+              </a:schemeClr>
+            </a:lnRef>
+            <a:fillRef idx="1">
+              <a:schemeClr val="accent2"/>
+            </a:fillRef>
+            <a:effectRef idx="0">
+              <a:schemeClr val="accent2"/>
+            </a:effectRef>
+            <a:fontRef idx="minor">
+              <a:schemeClr val="lt1"/>
+            </a:fontRef>
+          </p:style>
+          <p:txBody>
+            <a:bodyPr rtlCol="0" anchor="ctr"/>
+            <a:lstStyle/>
+            <a:p>
+              <a:pPr algn="ctr"/>
+              <a:endParaRPr lang="en-US" dirty="0"/>
+            </a:p>
+          </p:txBody>
+        </p:sp>
+        <p:sp>
+          <p:nvSpPr>
+            <p:cNvPr id="41" name="Oval 40"/>
+            <p:cNvSpPr/>
+            <p:nvPr/>
+          </p:nvSpPr>
+          <p:spPr>
+            <a:xfrm>
+              <a:off x="7010400" y="303944"/>
+              <a:ext cx="740664" cy="740664"/>
+            </a:xfrm>
+            <a:prstGeom prst="ellipse">
+              <a:avLst/>
+            </a:prstGeom>
+          </p:spPr>
+          <p:style>
+            <a:lnRef idx="2">
+              <a:schemeClr val="accent1">
+                <a:shade val="50000"/>
+              </a:schemeClr>
+            </a:lnRef>
+            <a:fillRef idx="1">
+              <a:schemeClr val="accent1"/>
+            </a:fillRef>
+            <a:effectRef idx="0">
+              <a:schemeClr val="accent1"/>
+            </a:effectRef>
+            <a:fontRef idx="minor">
+              <a:schemeClr val="lt1"/>
+            </a:fontRef>
+          </p:style>
+          <p:txBody>
+            <a:bodyPr rtlCol="0" anchor="ctr"/>
+            <a:lstStyle/>
+            <a:p>
+              <a:pPr algn="ctr"/>
+              <a:r>
+                <a:rPr lang="en-US" dirty="0" err="1" smtClean="0"/>
+                <a:t>usb</a:t>
+              </a:r>
+              <a:endParaRPr lang="en-US" dirty="0"/>
+            </a:p>
+          </p:txBody>
+        </p:sp>
+      </p:grpSp>
+      <p:sp>
+        <p:nvSpPr>
+          <p:cNvPr id="57" name="Oval 56"/>
+          <p:cNvSpPr/>
+          <p:nvPr/>
+        </p:nvSpPr>
+        <p:spPr>
+          <a:xfrm>
+            <a:off x="6507480" y="1253490"/>
+            <a:ext cx="274320" cy="274320"/>
+          </a:xfrm>
+          <a:prstGeom prst="ellipse">
+            <a:avLst/>
+          </a:prstGeom>
+          <a:ln>
+            <a:prstDash val="sysDot"/>
+          </a:ln>
+        </p:spPr>
+        <p:style>
+          <a:lnRef idx="2">
+            <a:schemeClr val="accent1">
+              <a:shade val="50000"/>
+            </a:schemeClr>
+          </a:lnRef>
+          <a:fillRef idx="1">
+            <a:schemeClr val="accent1"/>
+          </a:fillRef>
+          <a:effectRef idx="0">
+            <a:schemeClr val="accent1"/>
+          </a:effectRef>
+          <a:fontRef idx="minor">
+            <a:schemeClr val="lt1"/>
+          </a:fontRef>
+        </p:style>
+        <p:txBody>
+          <a:bodyPr rtlCol="0" anchor="ctr"/>
+          <a:lstStyle/>
+          <a:p>
+            <a:pPr algn="ctr"/>
+            <a:r>
+              <a:rPr lang="en-US" dirty="0" err="1" smtClean="0"/>
+              <a:t>xbee</a:t>
+            </a:r>
+            <a:endParaRPr lang="en-US" dirty="0"/>
+          </a:p>
+        </p:txBody>
+      </p:sp>
+      <p:cxnSp>
+        <p:nvCxnSpPr>
+          <p:cNvPr id="58" name="Straight Connector 57"/>
+          <p:cNvCxnSpPr/>
+          <p:nvPr/>
+        </p:nvCxnSpPr>
+        <p:spPr>
+          <a:xfrm>
+            <a:off x="0" y="0"/>
+            <a:ext cx="8229600" cy="0"/>
+          </a:xfrm>
+          <a:prstGeom prst="line">
+            <a:avLst/>
+          </a:prstGeom>
+        </p:spPr>
+        <p:style>
+          <a:lnRef idx="1">
+            <a:schemeClr val="accent1"/>
+          </a:lnRef>
+          <a:fillRef idx="0">
+            <a:schemeClr val="accent1"/>
+          </a:fillRef>
+          <a:effectRef idx="0">
+            <a:schemeClr val="accent1"/>
+          </a:effectRef>
+          <a:fontRef idx="minor">
+            <a:schemeClr val="tx1"/>
+          </a:fontRef>
+        </p:style>
+      </p:cxnSp>
+      <p:cxnSp>
+        <p:nvCxnSpPr>
+          <p:cNvPr id="123" name="Straight Connector 122"/>
+          <p:cNvCxnSpPr>
+            <a:stCxn id="57" idx="3"/>
+            <a:endCxn id="57" idx="7"/>
+          </p:cNvCxnSpPr>
+          <p:nvPr/>
+        </p:nvCxnSpPr>
+        <p:spPr>
+          <a:xfrm flipV="1">
+            <a:off x="6547653" y="1293663"/>
+            <a:ext cx="193974" cy="193974"/>
+          </a:xfrm>
+          <a:prstGeom prst="line">
+            <a:avLst/>
+          </a:prstGeom>
+          <a:ln>
+            <a:prstDash val="sysDot"/>
+          </a:ln>
+        </p:spPr>
+        <p:style>
+          <a:lnRef idx="3">
+            <a:schemeClr val="dk1"/>
+          </a:lnRef>
+          <a:fillRef idx="0">
+            <a:schemeClr val="dk1"/>
+          </a:fillRef>
+          <a:effectRef idx="2">
+            <a:schemeClr val="dk1"/>
+          </a:effectRef>
+          <a:fontRef idx="minor">
+            <a:schemeClr val="tx1"/>
+          </a:fontRef>
+        </p:style>
+      </p:cxnSp>
+      <p:cxnSp>
+        <p:nvCxnSpPr>
+          <p:cNvPr id="126" name="Straight Connector 125"/>
+          <p:cNvCxnSpPr>
+            <a:stCxn id="57" idx="1"/>
+            <a:endCxn id="57" idx="5"/>
+          </p:cNvCxnSpPr>
+          <p:nvPr/>
+        </p:nvCxnSpPr>
+        <p:spPr>
+          <a:xfrm>
+            <a:off x="6547653" y="1293663"/>
+            <a:ext cx="193974" cy="193974"/>
+          </a:xfrm>
+          <a:prstGeom prst="line">
+            <a:avLst/>
+          </a:prstGeom>
+          <a:ln>
+            <a:prstDash val="sysDot"/>
+          </a:ln>
+        </p:spPr>
+        <p:style>
+          <a:lnRef idx="3">
+            <a:schemeClr val="dk1"/>
+          </a:lnRef>
+          <a:fillRef idx="0">
+            <a:schemeClr val="dk1"/>
+          </a:fillRef>
+          <a:effectRef idx="2">
+            <a:schemeClr val="dk1"/>
+          </a:effectRef>
+          <a:fontRef idx="minor">
+            <a:schemeClr val="tx1"/>
+          </a:fontRef>
+        </p:style>
+      </p:cxnSp>
+      <p:sp>
+        <p:nvSpPr>
+          <p:cNvPr id="129" name="TextBox 128"/>
+          <p:cNvSpPr txBox="1"/>
+          <p:nvPr/>
+        </p:nvSpPr>
+        <p:spPr>
+          <a:xfrm>
+            <a:off x="565785" y="1107757"/>
+            <a:ext cx="661797" cy="492443"/>
+          </a:xfrm>
+          <a:prstGeom prst="rect">
+            <a:avLst/>
+          </a:prstGeom>
+          <a:noFill/>
+        </p:spPr>
+        <p:txBody>
+          <a:bodyPr wrap="square" rtlCol="0">
+            <a:spAutoFit/>
+          </a:bodyPr>
+          <a:lstStyle/>
+          <a:p>
+            <a:r>
+              <a:rPr lang="en-US" dirty="0" smtClean="0"/>
+              <a:t>radio</a:t>
+            </a:r>
+          </a:p>
+          <a:p>
+            <a:endParaRPr lang="en-US" dirty="0"/>
+          </a:p>
+        </p:txBody>
+      </p:sp>
+      <p:sp>
+        <p:nvSpPr>
+          <p:cNvPr id="130" name="TextBox 129"/>
+          <p:cNvSpPr txBox="1"/>
+          <p:nvPr/>
+        </p:nvSpPr>
+        <p:spPr>
+          <a:xfrm>
+            <a:off x="464645" y="2649378"/>
+            <a:ext cx="1294765" cy="492443"/>
+          </a:xfrm>
+          <a:prstGeom prst="rect">
+            <a:avLst/>
+          </a:prstGeom>
+          <a:noFill/>
+        </p:spPr>
+        <p:txBody>
+          <a:bodyPr wrap="square" rtlCol="0">
+            <a:spAutoFit/>
+          </a:bodyPr>
+          <a:lstStyle/>
+          <a:p>
+            <a:r>
+              <a:rPr lang="en-US" dirty="0" smtClean="0"/>
+              <a:t>transducer</a:t>
+            </a:r>
+          </a:p>
+          <a:p>
+            <a:endParaRPr lang="en-US" dirty="0"/>
+          </a:p>
+        </p:txBody>
+      </p:sp>
+      <p:sp>
+        <p:nvSpPr>
+          <p:cNvPr id="131" name="TextBox 130"/>
+          <p:cNvSpPr txBox="1"/>
+          <p:nvPr/>
+        </p:nvSpPr>
+        <p:spPr>
+          <a:xfrm>
+            <a:off x="2747058" y="2620168"/>
+            <a:ext cx="661797" cy="492443"/>
+          </a:xfrm>
+          <a:prstGeom prst="rect">
+            <a:avLst/>
+          </a:prstGeom>
+          <a:noFill/>
+        </p:spPr>
+        <p:txBody>
+          <a:bodyPr wrap="square" rtlCol="0">
+            <a:spAutoFit/>
+          </a:bodyPr>
+          <a:lstStyle/>
+          <a:p>
+            <a:r>
+              <a:rPr lang="en-US" dirty="0" smtClean="0"/>
+              <a:t>servo</a:t>
+            </a:r>
+          </a:p>
+          <a:p>
+            <a:endParaRPr lang="en-US" dirty="0"/>
+          </a:p>
+        </p:txBody>
+      </p:sp>
+      <p:sp>
+        <p:nvSpPr>
+          <p:cNvPr id="132" name="TextBox 131"/>
+          <p:cNvSpPr txBox="1"/>
+          <p:nvPr/>
+        </p:nvSpPr>
+        <p:spPr>
+          <a:xfrm>
+            <a:off x="7078525" y="2661729"/>
+            <a:ext cx="661797" cy="492443"/>
+          </a:xfrm>
+          <a:prstGeom prst="rect">
+            <a:avLst/>
+          </a:prstGeom>
+          <a:noFill/>
+        </p:spPr>
+        <p:txBody>
+          <a:bodyPr wrap="square" rtlCol="0">
+            <a:spAutoFit/>
+          </a:bodyPr>
+          <a:lstStyle/>
+          <a:p>
+            <a:r>
+              <a:rPr lang="en-US" dirty="0" smtClean="0"/>
+              <a:t>motor</a:t>
+            </a:r>
+          </a:p>
+          <a:p>
+            <a:endParaRPr lang="en-US" dirty="0"/>
+          </a:p>
+        </p:txBody>
+      </p:sp>
+      <p:sp>
+        <p:nvSpPr>
+          <p:cNvPr id="133" name="TextBox 132"/>
+          <p:cNvSpPr txBox="1"/>
+          <p:nvPr/>
+        </p:nvSpPr>
+        <p:spPr>
+          <a:xfrm>
+            <a:off x="4818507" y="133451"/>
+            <a:ext cx="661797" cy="492443"/>
+          </a:xfrm>
+          <a:prstGeom prst="rect">
+            <a:avLst/>
+          </a:prstGeom>
+          <a:noFill/>
+        </p:spPr>
+        <p:txBody>
+          <a:bodyPr wrap="square" rtlCol="0">
+            <a:spAutoFit/>
+          </a:bodyPr>
+          <a:lstStyle/>
+          <a:p>
+            <a:r>
+              <a:rPr lang="en-US" dirty="0" smtClean="0"/>
+              <a:t>13/16</a:t>
+            </a:r>
+          </a:p>
+          <a:p>
+            <a:endParaRPr lang="en-US" dirty="0"/>
+          </a:p>
+        </p:txBody>
+      </p:sp>
+      <p:sp>
+        <p:nvSpPr>
+          <p:cNvPr id="134" name="TextBox 133"/>
+          <p:cNvSpPr txBox="1"/>
+          <p:nvPr/>
+        </p:nvSpPr>
+        <p:spPr>
+          <a:xfrm>
+            <a:off x="4818506" y="2271052"/>
+            <a:ext cx="661797" cy="492443"/>
+          </a:xfrm>
+          <a:prstGeom prst="rect">
+            <a:avLst/>
+          </a:prstGeom>
+          <a:noFill/>
+        </p:spPr>
+        <p:txBody>
+          <a:bodyPr wrap="square" rtlCol="0">
+            <a:spAutoFit/>
+          </a:bodyPr>
+          <a:lstStyle/>
+          <a:p>
+            <a:r>
+              <a:rPr lang="en-US" dirty="0" smtClean="0"/>
+              <a:t>13/16</a:t>
+            </a:r>
+          </a:p>
+          <a:p>
+            <a:endParaRPr lang="en-US" dirty="0"/>
+          </a:p>
+        </p:txBody>
+      </p:sp>
+      <p:sp>
+        <p:nvSpPr>
+          <p:cNvPr id="135" name="TextBox 134"/>
+          <p:cNvSpPr txBox="1"/>
+          <p:nvPr/>
+        </p:nvSpPr>
+        <p:spPr>
+          <a:xfrm>
+            <a:off x="6424803" y="2326957"/>
+            <a:ext cx="661797" cy="492443"/>
+          </a:xfrm>
+          <a:prstGeom prst="rect">
+            <a:avLst/>
+          </a:prstGeom>
+          <a:noFill/>
+        </p:spPr>
+        <p:txBody>
+          <a:bodyPr wrap="square" rtlCol="0">
+            <a:spAutoFit/>
+          </a:bodyPr>
+          <a:lstStyle/>
+          <a:p>
+            <a:r>
+              <a:rPr lang="en-US" dirty="0" smtClean="0"/>
+              <a:t>13/16</a:t>
+            </a:r>
+          </a:p>
+          <a:p>
+            <a:endParaRPr lang="en-US" dirty="0"/>
+          </a:p>
+        </p:txBody>
+      </p:sp>
+      <p:sp>
+        <p:nvSpPr>
+          <p:cNvPr id="136" name="TextBox 135"/>
+          <p:cNvSpPr txBox="1"/>
+          <p:nvPr/>
+        </p:nvSpPr>
+        <p:spPr>
+          <a:xfrm>
+            <a:off x="6616065" y="87284"/>
+            <a:ext cx="661797" cy="292388"/>
+          </a:xfrm>
+          <a:prstGeom prst="rect">
+            <a:avLst/>
+          </a:prstGeom>
+          <a:noFill/>
+        </p:spPr>
+        <p:txBody>
+          <a:bodyPr wrap="square" rtlCol="0">
+            <a:spAutoFit/>
+          </a:bodyPr>
+          <a:lstStyle/>
+          <a:p>
+            <a:r>
+              <a:rPr lang="en-US" dirty="0" smtClean="0"/>
+              <a:t>5/8</a:t>
+            </a:r>
+            <a:endParaRPr lang="en-US" dirty="0"/>
+          </a:p>
+        </p:txBody>
+      </p:sp>
+      <p:sp>
+        <p:nvSpPr>
+          <p:cNvPr id="3" name="Oval 2"/>
+          <p:cNvSpPr/>
+          <p:nvPr/>
+        </p:nvSpPr>
+        <p:spPr>
+          <a:xfrm>
+            <a:off x="914400" y="457200"/>
+            <a:ext cx="76200" cy="76200"/>
+          </a:xfrm>
+          <a:prstGeom prst="ellipse">
+            <a:avLst/>
+          </a:prstGeom>
+        </p:spPr>
+        <p:style>
+          <a:lnRef idx="2">
+            <a:schemeClr val="accent3">
+              <a:shade val="50000"/>
+            </a:schemeClr>
+          </a:lnRef>
+          <a:fillRef idx="1">
+            <a:schemeClr val="accent3"/>
+          </a:fillRef>
+          <a:effectRef idx="0">
+            <a:schemeClr val="accent3"/>
+          </a:effectRef>
+          <a:fontRef idx="minor">
+            <a:schemeClr val="lt1"/>
+          </a:fontRef>
+        </p:style>
+        <p:txBody>
+          <a:bodyPr rtlCol="0" anchor="ctr"/>
+          <a:lstStyle/>
+          <a:p>
+            <a:pPr algn="ctr"/>
+            <a:endParaRPr lang="en-US"/>
+          </a:p>
+        </p:txBody>
+      </p:sp>
+      <p:sp>
+        <p:nvSpPr>
+          <p:cNvPr id="72" name="Oval 71"/>
+          <p:cNvSpPr/>
+          <p:nvPr/>
+        </p:nvSpPr>
+        <p:spPr>
+          <a:xfrm>
+            <a:off x="914400" y="685800"/>
+            <a:ext cx="76200" cy="76200"/>
+          </a:xfrm>
+          <a:prstGeom prst="ellipse">
+            <a:avLst/>
+          </a:prstGeom>
+        </p:spPr>
+        <p:style>
+          <a:lnRef idx="2">
+            <a:schemeClr val="accent3">
+              <a:shade val="50000"/>
+            </a:schemeClr>
+          </a:lnRef>
+          <a:fillRef idx="1">
+            <a:schemeClr val="accent3"/>
+          </a:fillRef>
+          <a:effectRef idx="0">
+            <a:schemeClr val="accent3"/>
+          </a:effectRef>
+          <a:fontRef idx="minor">
+            <a:schemeClr val="lt1"/>
+          </a:fontRef>
+        </p:style>
+        <p:txBody>
+          <a:bodyPr rtlCol="0" anchor="ctr"/>
+          <a:lstStyle/>
+          <a:p>
+            <a:pPr algn="ctr"/>
+            <a:endParaRPr lang="en-US"/>
+          </a:p>
+        </p:txBody>
+      </p:sp>
+      <p:sp>
+        <p:nvSpPr>
+          <p:cNvPr id="73" name="Oval 72"/>
+          <p:cNvSpPr/>
+          <p:nvPr/>
+        </p:nvSpPr>
+        <p:spPr>
+          <a:xfrm>
+            <a:off x="685800" y="685800"/>
+            <a:ext cx="76200" cy="76200"/>
+          </a:xfrm>
+          <a:prstGeom prst="ellipse">
+            <a:avLst/>
+          </a:prstGeom>
+        </p:spPr>
+        <p:style>
+          <a:lnRef idx="2">
+            <a:schemeClr val="accent3">
+              <a:shade val="50000"/>
+            </a:schemeClr>
+          </a:lnRef>
+          <a:fillRef idx="1">
+            <a:schemeClr val="accent3"/>
+          </a:fillRef>
+          <a:effectRef idx="0">
+            <a:schemeClr val="accent3"/>
+          </a:effectRef>
+          <a:fontRef idx="minor">
+            <a:schemeClr val="lt1"/>
+          </a:fontRef>
+        </p:style>
+        <p:txBody>
+          <a:bodyPr rtlCol="0" anchor="ctr"/>
+          <a:lstStyle/>
+          <a:p>
+            <a:pPr algn="ctr"/>
+            <a:endParaRPr lang="en-US"/>
+          </a:p>
+        </p:txBody>
+      </p:sp>
+      <p:sp>
+        <p:nvSpPr>
+          <p:cNvPr id="75" name="Oval 74"/>
+          <p:cNvSpPr/>
+          <p:nvPr/>
+        </p:nvSpPr>
+        <p:spPr>
+          <a:xfrm>
+            <a:off x="685800" y="457200"/>
+            <a:ext cx="76200" cy="76200"/>
+          </a:xfrm>
+          <a:prstGeom prst="ellipse">
+            <a:avLst/>
+          </a:prstGeom>
+        </p:spPr>
+        <p:style>
+          <a:lnRef idx="2">
+            <a:schemeClr val="accent3">
+              <a:shade val="50000"/>
+            </a:schemeClr>
+          </a:lnRef>
+          <a:fillRef idx="1">
+            <a:schemeClr val="accent3"/>
+          </a:fillRef>
+          <a:effectRef idx="0">
+            <a:schemeClr val="accent3"/>
+          </a:effectRef>
+          <a:fontRef idx="minor">
+            <a:schemeClr val="lt1"/>
+          </a:fontRef>
+        </p:style>
+        <p:txBody>
+          <a:bodyPr rtlCol="0" anchor="ctr"/>
+          <a:lstStyle/>
+          <a:p>
+            <a:pPr algn="ctr"/>
+            <a:endParaRPr lang="en-US"/>
+          </a:p>
+        </p:txBody>
+      </p:sp>
+      <p:sp>
+        <p:nvSpPr>
+          <p:cNvPr id="76" name="Oval 75"/>
+          <p:cNvSpPr/>
+          <p:nvPr/>
+        </p:nvSpPr>
+        <p:spPr>
+          <a:xfrm>
+            <a:off x="914400" y="1974246"/>
+            <a:ext cx="76200" cy="76200"/>
+          </a:xfrm>
+          <a:prstGeom prst="ellipse">
+            <a:avLst/>
+          </a:prstGeom>
+        </p:spPr>
+        <p:style>
+          <a:lnRef idx="2">
+            <a:schemeClr val="accent3">
+              <a:shade val="50000"/>
+            </a:schemeClr>
+          </a:lnRef>
+          <a:fillRef idx="1">
+            <a:schemeClr val="accent3"/>
+          </a:fillRef>
+          <a:effectRef idx="0">
+            <a:schemeClr val="accent3"/>
+          </a:effectRef>
+          <a:fontRef idx="minor">
+            <a:schemeClr val="lt1"/>
+          </a:fontRef>
+        </p:style>
+        <p:txBody>
+          <a:bodyPr rtlCol="0" anchor="ctr"/>
+          <a:lstStyle/>
+          <a:p>
+            <a:pPr algn="ctr"/>
+            <a:endParaRPr lang="en-US"/>
+          </a:p>
+        </p:txBody>
+      </p:sp>
+      <p:sp>
+        <p:nvSpPr>
+          <p:cNvPr id="78" name="Oval 77"/>
+          <p:cNvSpPr/>
+          <p:nvPr/>
+        </p:nvSpPr>
+        <p:spPr>
+          <a:xfrm>
+            <a:off x="914400" y="2202846"/>
+            <a:ext cx="76200" cy="76200"/>
+          </a:xfrm>
+          <a:prstGeom prst="ellipse">
+            <a:avLst/>
+          </a:prstGeom>
+        </p:spPr>
+        <p:style>
+          <a:lnRef idx="2">
+            <a:schemeClr val="accent3">
+              <a:shade val="50000"/>
+            </a:schemeClr>
+          </a:lnRef>
+          <a:fillRef idx="1">
+            <a:schemeClr val="accent3"/>
+          </a:fillRef>
+          <a:effectRef idx="0">
+            <a:schemeClr val="accent3"/>
+          </a:effectRef>
+          <a:fontRef idx="minor">
+            <a:schemeClr val="lt1"/>
+          </a:fontRef>
+        </p:style>
+        <p:txBody>
+          <a:bodyPr rtlCol="0" anchor="ctr"/>
+          <a:lstStyle/>
+          <a:p>
+            <a:pPr algn="ctr"/>
+            <a:endParaRPr lang="en-US"/>
+          </a:p>
+        </p:txBody>
+      </p:sp>
+      <p:sp>
+        <p:nvSpPr>
+          <p:cNvPr id="79" name="Oval 78"/>
+          <p:cNvSpPr/>
+          <p:nvPr/>
+        </p:nvSpPr>
+        <p:spPr>
+          <a:xfrm>
+            <a:off x="685800" y="2202846"/>
+            <a:ext cx="76200" cy="76200"/>
+          </a:xfrm>
+          <a:prstGeom prst="ellipse">
+            <a:avLst/>
+          </a:prstGeom>
+        </p:spPr>
+        <p:style>
+          <a:lnRef idx="2">
+            <a:schemeClr val="accent3">
+              <a:shade val="50000"/>
+            </a:schemeClr>
+          </a:lnRef>
+          <a:fillRef idx="1">
+            <a:schemeClr val="accent3"/>
+          </a:fillRef>
+          <a:effectRef idx="0">
+            <a:schemeClr val="accent3"/>
+          </a:effectRef>
+          <a:fontRef idx="minor">
+            <a:schemeClr val="lt1"/>
+          </a:fontRef>
+        </p:style>
+        <p:txBody>
+          <a:bodyPr rtlCol="0" anchor="ctr"/>
+          <a:lstStyle/>
+          <a:p>
+            <a:pPr algn="ctr"/>
+            <a:endParaRPr lang="en-US"/>
+          </a:p>
+        </p:txBody>
+      </p:sp>
+      <p:sp>
+        <p:nvSpPr>
+          <p:cNvPr id="81" name="Oval 80"/>
+          <p:cNvSpPr/>
+          <p:nvPr/>
+        </p:nvSpPr>
+        <p:spPr>
+          <a:xfrm>
+            <a:off x="685800" y="1974246"/>
+            <a:ext cx="76200" cy="76200"/>
+          </a:xfrm>
+          <a:prstGeom prst="ellipse">
+            <a:avLst/>
+          </a:prstGeom>
+        </p:spPr>
+        <p:style>
+          <a:lnRef idx="2">
+            <a:schemeClr val="accent3">
+              <a:shade val="50000"/>
+            </a:schemeClr>
+          </a:lnRef>
+          <a:fillRef idx="1">
+            <a:schemeClr val="accent3"/>
+          </a:fillRef>
+          <a:effectRef idx="0">
+            <a:schemeClr val="accent3"/>
+          </a:effectRef>
+          <a:fontRef idx="minor">
+            <a:schemeClr val="lt1"/>
+          </a:fontRef>
+        </p:style>
+        <p:txBody>
+          <a:bodyPr rtlCol="0" anchor="ctr"/>
+          <a:lstStyle/>
+          <a:p>
+            <a:pPr algn="ctr"/>
+            <a:endParaRPr lang="en-US"/>
+          </a:p>
+        </p:txBody>
+      </p:sp>
+      <p:sp>
+        <p:nvSpPr>
+          <p:cNvPr id="82" name="Oval 81"/>
+          <p:cNvSpPr/>
+          <p:nvPr/>
+        </p:nvSpPr>
+        <p:spPr>
+          <a:xfrm>
+            <a:off x="7446264" y="1951736"/>
+            <a:ext cx="76200" cy="76200"/>
+          </a:xfrm>
+          <a:prstGeom prst="ellipse">
+            <a:avLst/>
+          </a:prstGeom>
+        </p:spPr>
+        <p:style>
+          <a:lnRef idx="2">
+            <a:schemeClr val="accent3">
+              <a:shade val="50000"/>
+            </a:schemeClr>
+          </a:lnRef>
+          <a:fillRef idx="1">
+            <a:schemeClr val="accent3"/>
+          </a:fillRef>
+          <a:effectRef idx="0">
+            <a:schemeClr val="accent3"/>
+          </a:effectRef>
+          <a:fontRef idx="minor">
+            <a:schemeClr val="lt1"/>
+          </a:fontRef>
+        </p:style>
+        <p:txBody>
+          <a:bodyPr rtlCol="0" anchor="ctr"/>
+          <a:lstStyle/>
+          <a:p>
+            <a:pPr algn="ctr"/>
+            <a:endParaRPr lang="en-US"/>
+          </a:p>
+        </p:txBody>
+      </p:sp>
+      <p:sp>
+        <p:nvSpPr>
+          <p:cNvPr id="84" name="Oval 83"/>
+          <p:cNvSpPr/>
+          <p:nvPr/>
+        </p:nvSpPr>
+        <p:spPr>
+          <a:xfrm>
+            <a:off x="7446264" y="2180336"/>
+            <a:ext cx="76200" cy="76200"/>
+          </a:xfrm>
+          <a:prstGeom prst="ellipse">
+            <a:avLst/>
+          </a:prstGeom>
+        </p:spPr>
+        <p:style>
+          <a:lnRef idx="2">
+            <a:schemeClr val="accent3">
+              <a:shade val="50000"/>
+            </a:schemeClr>
+          </a:lnRef>
+          <a:fillRef idx="1">
+            <a:schemeClr val="accent3"/>
+          </a:fillRef>
+          <a:effectRef idx="0">
+            <a:schemeClr val="accent3"/>
+          </a:effectRef>
+          <a:fontRef idx="minor">
+            <a:schemeClr val="lt1"/>
+          </a:fontRef>
+        </p:style>
+        <p:txBody>
+          <a:bodyPr rtlCol="0" anchor="ctr"/>
+          <a:lstStyle/>
+          <a:p>
+            <a:pPr algn="ctr"/>
+            <a:endParaRPr lang="en-US"/>
+          </a:p>
+        </p:txBody>
+      </p:sp>
+      <p:sp>
+        <p:nvSpPr>
+          <p:cNvPr id="85" name="Oval 84"/>
+          <p:cNvSpPr/>
+          <p:nvPr/>
+        </p:nvSpPr>
+        <p:spPr>
+          <a:xfrm>
+            <a:off x="7217664" y="2180336"/>
+            <a:ext cx="76200" cy="76200"/>
+          </a:xfrm>
+          <a:prstGeom prst="ellipse">
+            <a:avLst/>
+          </a:prstGeom>
+        </p:spPr>
+        <p:style>
+          <a:lnRef idx="2">
+            <a:schemeClr val="accent3">
+              <a:shade val="50000"/>
+            </a:schemeClr>
+          </a:lnRef>
+          <a:fillRef idx="1">
+            <a:schemeClr val="accent3"/>
+          </a:fillRef>
+          <a:effectRef idx="0">
+            <a:schemeClr val="accent3"/>
+          </a:effectRef>
+          <a:fontRef idx="minor">
+            <a:schemeClr val="lt1"/>
+          </a:fontRef>
+        </p:style>
+        <p:txBody>
+          <a:bodyPr rtlCol="0" anchor="ctr"/>
+          <a:lstStyle/>
+          <a:p>
+            <a:pPr algn="ctr"/>
+            <a:endParaRPr lang="en-US"/>
+          </a:p>
+        </p:txBody>
+      </p:sp>
+      <p:sp>
+        <p:nvSpPr>
+          <p:cNvPr id="87" name="Oval 86"/>
+          <p:cNvSpPr/>
+          <p:nvPr/>
+        </p:nvSpPr>
+        <p:spPr>
+          <a:xfrm>
+            <a:off x="7217664" y="1951736"/>
+            <a:ext cx="76200" cy="76200"/>
+          </a:xfrm>
+          <a:prstGeom prst="ellipse">
+            <a:avLst/>
+          </a:prstGeom>
+        </p:spPr>
+        <p:style>
+          <a:lnRef idx="2">
+            <a:schemeClr val="accent3">
+              <a:shade val="50000"/>
+            </a:schemeClr>
+          </a:lnRef>
+          <a:fillRef idx="1">
+            <a:schemeClr val="accent3"/>
+          </a:fillRef>
+          <a:effectRef idx="0">
+            <a:schemeClr val="accent3"/>
+          </a:effectRef>
+          <a:fontRef idx="minor">
+            <a:schemeClr val="lt1"/>
+          </a:fontRef>
+        </p:style>
+        <p:txBody>
+          <a:bodyPr rtlCol="0" anchor="ctr"/>
+          <a:lstStyle/>
+          <a:p>
+            <a:pPr algn="ctr"/>
+            <a:endParaRPr lang="en-US"/>
+          </a:p>
+        </p:txBody>
+      </p:sp>
+      <p:sp>
+        <p:nvSpPr>
+          <p:cNvPr id="88" name="Oval 87"/>
+          <p:cNvSpPr/>
+          <p:nvPr/>
+        </p:nvSpPr>
+        <p:spPr>
+          <a:xfrm>
+            <a:off x="3114723" y="1974246"/>
+            <a:ext cx="76200" cy="76200"/>
+          </a:xfrm>
+          <a:prstGeom prst="ellipse">
+            <a:avLst/>
+          </a:prstGeom>
+        </p:spPr>
+        <p:style>
+          <a:lnRef idx="2">
+            <a:schemeClr val="accent3">
+              <a:shade val="50000"/>
+            </a:schemeClr>
+          </a:lnRef>
+          <a:fillRef idx="1">
+            <a:schemeClr val="accent3"/>
+          </a:fillRef>
+          <a:effectRef idx="0">
+            <a:schemeClr val="accent3"/>
+          </a:effectRef>
+          <a:fontRef idx="minor">
+            <a:schemeClr val="lt1"/>
+          </a:fontRef>
+        </p:style>
+        <p:txBody>
+          <a:bodyPr rtlCol="0" anchor="ctr"/>
+          <a:lstStyle/>
+          <a:p>
+            <a:pPr algn="ctr"/>
+            <a:endParaRPr lang="en-US"/>
+          </a:p>
+        </p:txBody>
+      </p:sp>
+      <p:sp>
+        <p:nvSpPr>
+          <p:cNvPr id="89" name="Oval 88"/>
+          <p:cNvSpPr/>
+          <p:nvPr/>
+        </p:nvSpPr>
+        <p:spPr>
+          <a:xfrm>
+            <a:off x="3114723" y="2202846"/>
+            <a:ext cx="76200" cy="76200"/>
+          </a:xfrm>
+          <a:prstGeom prst="ellipse">
+            <a:avLst/>
+          </a:prstGeom>
+        </p:spPr>
+        <p:style>
+          <a:lnRef idx="2">
+            <a:schemeClr val="accent3">
+              <a:shade val="50000"/>
+            </a:schemeClr>
+          </a:lnRef>
+          <a:fillRef idx="1">
+            <a:schemeClr val="accent3"/>
+          </a:fillRef>
+          <a:effectRef idx="0">
+            <a:schemeClr val="accent3"/>
+          </a:effectRef>
+          <a:fontRef idx="minor">
+            <a:schemeClr val="lt1"/>
+          </a:fontRef>
+        </p:style>
+        <p:txBody>
+          <a:bodyPr rtlCol="0" anchor="ctr"/>
+          <a:lstStyle/>
+          <a:p>
+            <a:pPr algn="ctr"/>
+            <a:endParaRPr lang="en-US"/>
+          </a:p>
+        </p:txBody>
+      </p:sp>
+      <p:sp>
+        <p:nvSpPr>
+          <p:cNvPr id="91" name="Oval 90"/>
+          <p:cNvSpPr/>
+          <p:nvPr/>
+        </p:nvSpPr>
+        <p:spPr>
+          <a:xfrm>
+            <a:off x="2886123" y="2202846"/>
+            <a:ext cx="76200" cy="76200"/>
+          </a:xfrm>
+          <a:prstGeom prst="ellipse">
+            <a:avLst/>
+          </a:prstGeom>
+        </p:spPr>
+        <p:style>
+          <a:lnRef idx="2">
+            <a:schemeClr val="accent3">
+              <a:shade val="50000"/>
+            </a:schemeClr>
+          </a:lnRef>
+          <a:fillRef idx="1">
+            <a:schemeClr val="accent3"/>
+          </a:fillRef>
+          <a:effectRef idx="0">
+            <a:schemeClr val="accent3"/>
+          </a:effectRef>
+          <a:fontRef idx="minor">
+            <a:schemeClr val="lt1"/>
+          </a:fontRef>
+        </p:style>
+        <p:txBody>
+          <a:bodyPr rtlCol="0" anchor="ctr"/>
+          <a:lstStyle/>
+          <a:p>
+            <a:pPr algn="ctr"/>
+            <a:endParaRPr lang="en-US"/>
+          </a:p>
+        </p:txBody>
+      </p:sp>
+      <p:sp>
+        <p:nvSpPr>
+          <p:cNvPr id="92" name="Oval 91"/>
+          <p:cNvSpPr/>
+          <p:nvPr/>
+        </p:nvSpPr>
+        <p:spPr>
+          <a:xfrm>
+            <a:off x="2886123" y="1974246"/>
+            <a:ext cx="76200" cy="76200"/>
+          </a:xfrm>
+          <a:prstGeom prst="ellipse">
+            <a:avLst/>
+          </a:prstGeom>
+        </p:spPr>
+        <p:style>
+          <a:lnRef idx="2">
+            <a:schemeClr val="accent3">
+              <a:shade val="50000"/>
+            </a:schemeClr>
+          </a:lnRef>
+          <a:fillRef idx="1">
+            <a:schemeClr val="accent3"/>
+          </a:fillRef>
+          <a:effectRef idx="0">
+            <a:schemeClr val="accent3"/>
+          </a:effectRef>
+          <a:fontRef idx="minor">
+            <a:schemeClr val="lt1"/>
+          </a:fontRef>
+        </p:style>
+        <p:txBody>
+          <a:bodyPr rtlCol="0" anchor="ctr"/>
+          <a:lstStyle/>
+          <a:p>
+            <a:pPr algn="ctr"/>
+            <a:endParaRPr lang="en-US"/>
+          </a:p>
+        </p:txBody>
+      </p:sp>
+      <p:sp>
+        <p:nvSpPr>
+          <p:cNvPr id="9" name="TextBox 8"/>
+          <p:cNvSpPr txBox="1"/>
+          <p:nvPr/>
+        </p:nvSpPr>
+        <p:spPr>
+          <a:xfrm>
+            <a:off x="948945" y="283247"/>
+            <a:ext cx="727455" cy="230832"/>
+          </a:xfrm>
+          <a:prstGeom prst="rect">
+            <a:avLst/>
+          </a:prstGeom>
+          <a:noFill/>
+        </p:spPr>
+        <p:txBody>
+          <a:bodyPr wrap="square" rtlCol="0">
+            <a:spAutoFit/>
+          </a:bodyPr>
+          <a:lstStyle/>
+          <a:p>
+            <a:r>
+              <a:rPr lang="en-US" sz="900" b="1" dirty="0" smtClean="0"/>
+              <a:t>1 - +5v</a:t>
+            </a:r>
+            <a:endParaRPr lang="en-US" sz="900" b="1" dirty="0"/>
+          </a:p>
+        </p:txBody>
+      </p:sp>
+      <p:sp>
+        <p:nvSpPr>
+          <p:cNvPr id="94" name="TextBox 93"/>
+          <p:cNvSpPr txBox="1"/>
+          <p:nvPr/>
+        </p:nvSpPr>
+        <p:spPr>
+          <a:xfrm>
+            <a:off x="946150" y="723900"/>
+            <a:ext cx="730250" cy="230832"/>
+          </a:xfrm>
+          <a:prstGeom prst="rect">
+            <a:avLst/>
+          </a:prstGeom>
+          <a:noFill/>
+        </p:spPr>
+        <p:txBody>
+          <a:bodyPr wrap="square" rtlCol="0">
+            <a:spAutoFit/>
+          </a:bodyPr>
+          <a:lstStyle/>
+          <a:p>
+            <a:r>
+              <a:rPr lang="en-US" sz="900" b="1" dirty="0" smtClean="0"/>
+              <a:t>2 - </a:t>
+            </a:r>
+            <a:r>
+              <a:rPr lang="en-US" sz="900" b="1" dirty="0" err="1" smtClean="0"/>
+              <a:t>vbatt</a:t>
+            </a:r>
+            <a:endParaRPr lang="en-US" sz="900" b="1" dirty="0"/>
+          </a:p>
+        </p:txBody>
+      </p:sp>
+      <p:sp>
+        <p:nvSpPr>
+          <p:cNvPr id="97" name="TextBox 96"/>
+          <p:cNvSpPr txBox="1"/>
+          <p:nvPr/>
+        </p:nvSpPr>
+        <p:spPr>
+          <a:xfrm>
+            <a:off x="-76199" y="302568"/>
+            <a:ext cx="762000" cy="230832"/>
+          </a:xfrm>
+          <a:prstGeom prst="rect">
+            <a:avLst/>
+          </a:prstGeom>
+          <a:noFill/>
+        </p:spPr>
+        <p:txBody>
+          <a:bodyPr wrap="square" rtlCol="0">
+            <a:spAutoFit/>
+          </a:bodyPr>
+          <a:lstStyle/>
+          <a:p>
+            <a:pPr algn="r"/>
+            <a:r>
+              <a:rPr lang="en-US" sz="900" b="1" dirty="0" smtClean="0"/>
+              <a:t>4 - </a:t>
+            </a:r>
+            <a:r>
+              <a:rPr lang="en-US" sz="900" b="1" dirty="0" err="1" smtClean="0"/>
+              <a:t>gnd</a:t>
+            </a:r>
+            <a:endParaRPr lang="en-US" sz="900" b="1" dirty="0"/>
+          </a:p>
+        </p:txBody>
+      </p:sp>
+      <p:sp>
+        <p:nvSpPr>
+          <p:cNvPr id="98" name="TextBox 97"/>
+          <p:cNvSpPr txBox="1"/>
+          <p:nvPr/>
+        </p:nvSpPr>
+        <p:spPr>
+          <a:xfrm>
+            <a:off x="0" y="685800"/>
+            <a:ext cx="685799" cy="230832"/>
+          </a:xfrm>
+          <a:prstGeom prst="rect">
+            <a:avLst/>
+          </a:prstGeom>
+          <a:noFill/>
+        </p:spPr>
+        <p:txBody>
+          <a:bodyPr wrap="square" rtlCol="0">
+            <a:spAutoFit/>
+          </a:bodyPr>
+          <a:lstStyle/>
+          <a:p>
+            <a:pPr algn="r"/>
+            <a:r>
+              <a:rPr lang="en-US" sz="900" b="1" dirty="0" smtClean="0"/>
+              <a:t>3 – ctrl</a:t>
+            </a:r>
+            <a:endParaRPr lang="en-US" sz="900" b="1" dirty="0"/>
+          </a:p>
+        </p:txBody>
+      </p:sp>
+      <p:sp>
+        <p:nvSpPr>
+          <p:cNvPr id="100" name="TextBox 99"/>
+          <p:cNvSpPr txBox="1"/>
+          <p:nvPr/>
+        </p:nvSpPr>
+        <p:spPr>
+          <a:xfrm>
+            <a:off x="955295" y="1800293"/>
+            <a:ext cx="727455" cy="230832"/>
+          </a:xfrm>
+          <a:prstGeom prst="rect">
+            <a:avLst/>
+          </a:prstGeom>
+          <a:noFill/>
+        </p:spPr>
+        <p:txBody>
+          <a:bodyPr wrap="square" rtlCol="0">
+            <a:spAutoFit/>
+          </a:bodyPr>
+          <a:lstStyle/>
+          <a:p>
+            <a:r>
+              <a:rPr lang="en-US" sz="900" b="1" dirty="0" smtClean="0"/>
+              <a:t>1 - shield</a:t>
+            </a:r>
+            <a:endParaRPr lang="en-US" sz="900" b="1" dirty="0"/>
+          </a:p>
+        </p:txBody>
+      </p:sp>
+      <p:sp>
+        <p:nvSpPr>
+          <p:cNvPr id="101" name="TextBox 100"/>
+          <p:cNvSpPr txBox="1"/>
+          <p:nvPr/>
+        </p:nvSpPr>
+        <p:spPr>
+          <a:xfrm>
+            <a:off x="952500" y="2240946"/>
+            <a:ext cx="730250" cy="230832"/>
+          </a:xfrm>
+          <a:prstGeom prst="rect">
+            <a:avLst/>
+          </a:prstGeom>
+          <a:noFill/>
+        </p:spPr>
+        <p:txBody>
+          <a:bodyPr wrap="square" rtlCol="0">
+            <a:spAutoFit/>
+          </a:bodyPr>
+          <a:lstStyle/>
+          <a:p>
+            <a:r>
+              <a:rPr lang="en-US" sz="900" b="1" dirty="0" smtClean="0"/>
+              <a:t>2 – signal-</a:t>
+            </a:r>
+            <a:endParaRPr lang="en-US" sz="900" b="1" dirty="0"/>
+          </a:p>
+        </p:txBody>
+      </p:sp>
+      <p:sp>
+        <p:nvSpPr>
+          <p:cNvPr id="103" name="TextBox 102"/>
+          <p:cNvSpPr txBox="1"/>
+          <p:nvPr/>
+        </p:nvSpPr>
+        <p:spPr>
+          <a:xfrm>
+            <a:off x="-69849" y="1819614"/>
+            <a:ext cx="762000" cy="230832"/>
+          </a:xfrm>
+          <a:prstGeom prst="rect">
+            <a:avLst/>
+          </a:prstGeom>
+          <a:noFill/>
+        </p:spPr>
+        <p:txBody>
+          <a:bodyPr wrap="square" rtlCol="0">
+            <a:spAutoFit/>
+          </a:bodyPr>
+          <a:lstStyle/>
+          <a:p>
+            <a:pPr algn="r"/>
+            <a:r>
+              <a:rPr lang="en-US" sz="900" b="1" dirty="0" smtClean="0"/>
+              <a:t>4 – signal+</a:t>
+            </a:r>
+            <a:endParaRPr lang="en-US" sz="900" b="1" dirty="0"/>
+          </a:p>
+        </p:txBody>
+      </p:sp>
+      <p:sp>
+        <p:nvSpPr>
+          <p:cNvPr id="104" name="TextBox 103"/>
+          <p:cNvSpPr txBox="1"/>
+          <p:nvPr/>
+        </p:nvSpPr>
+        <p:spPr>
+          <a:xfrm>
+            <a:off x="6350" y="2202846"/>
+            <a:ext cx="685799" cy="230832"/>
+          </a:xfrm>
+          <a:prstGeom prst="rect">
+            <a:avLst/>
+          </a:prstGeom>
+          <a:noFill/>
+        </p:spPr>
+        <p:txBody>
+          <a:bodyPr wrap="square" rtlCol="0">
+            <a:spAutoFit/>
+          </a:bodyPr>
+          <a:lstStyle/>
+          <a:p>
+            <a:pPr algn="r"/>
+            <a:r>
+              <a:rPr lang="en-US" sz="900" b="1" dirty="0" smtClean="0"/>
+              <a:t>3 – </a:t>
+            </a:r>
+            <a:r>
+              <a:rPr lang="en-US" sz="900" b="1" dirty="0" err="1" smtClean="0"/>
+              <a:t>nc</a:t>
+            </a:r>
+            <a:endParaRPr lang="en-US" sz="900" b="1" dirty="0"/>
+          </a:p>
+        </p:txBody>
+      </p:sp>
+      <p:sp>
+        <p:nvSpPr>
+          <p:cNvPr id="106" name="TextBox 105"/>
+          <p:cNvSpPr txBox="1"/>
+          <p:nvPr/>
+        </p:nvSpPr>
+        <p:spPr>
+          <a:xfrm>
+            <a:off x="3158745" y="1824756"/>
+            <a:ext cx="727455" cy="230832"/>
+          </a:xfrm>
+          <a:prstGeom prst="rect">
+            <a:avLst/>
+          </a:prstGeom>
+          <a:noFill/>
+        </p:spPr>
+        <p:txBody>
+          <a:bodyPr wrap="square" rtlCol="0">
+            <a:spAutoFit/>
+          </a:bodyPr>
+          <a:lstStyle/>
+          <a:p>
+            <a:r>
+              <a:rPr lang="en-US" sz="900" b="1" dirty="0" smtClean="0"/>
+              <a:t>1 - +6v</a:t>
+            </a:r>
+            <a:endParaRPr lang="en-US" sz="900" b="1" dirty="0"/>
+          </a:p>
+        </p:txBody>
+      </p:sp>
+      <p:sp>
+        <p:nvSpPr>
+          <p:cNvPr id="107" name="TextBox 106"/>
+          <p:cNvSpPr txBox="1"/>
+          <p:nvPr/>
+        </p:nvSpPr>
+        <p:spPr>
+          <a:xfrm>
+            <a:off x="3155950" y="2265409"/>
+            <a:ext cx="730250" cy="230832"/>
+          </a:xfrm>
+          <a:prstGeom prst="rect">
+            <a:avLst/>
+          </a:prstGeom>
+          <a:noFill/>
+        </p:spPr>
+        <p:txBody>
+          <a:bodyPr wrap="square" rtlCol="0">
+            <a:spAutoFit/>
+          </a:bodyPr>
+          <a:lstStyle/>
+          <a:p>
+            <a:r>
+              <a:rPr lang="en-US" sz="900" b="1" dirty="0" smtClean="0"/>
+              <a:t>2 - signal</a:t>
+            </a:r>
+            <a:endParaRPr lang="en-US" sz="900" b="1" dirty="0"/>
+          </a:p>
+        </p:txBody>
+      </p:sp>
+      <p:sp>
+        <p:nvSpPr>
+          <p:cNvPr id="109" name="TextBox 108"/>
+          <p:cNvSpPr txBox="1"/>
+          <p:nvPr/>
+        </p:nvSpPr>
+        <p:spPr>
+          <a:xfrm>
+            <a:off x="2133601" y="1844077"/>
+            <a:ext cx="762000" cy="230832"/>
+          </a:xfrm>
+          <a:prstGeom prst="rect">
+            <a:avLst/>
+          </a:prstGeom>
+          <a:noFill/>
+        </p:spPr>
+        <p:txBody>
+          <a:bodyPr wrap="square" rtlCol="0">
+            <a:spAutoFit/>
+          </a:bodyPr>
+          <a:lstStyle/>
+          <a:p>
+            <a:pPr algn="r"/>
+            <a:r>
+              <a:rPr lang="en-US" sz="900" b="1" dirty="0" smtClean="0"/>
+              <a:t>4 - </a:t>
+            </a:r>
+            <a:r>
+              <a:rPr lang="en-US" sz="900" b="1" dirty="0" err="1" smtClean="0"/>
+              <a:t>gnd</a:t>
+            </a:r>
+            <a:endParaRPr lang="en-US" sz="900" b="1" dirty="0"/>
+          </a:p>
+        </p:txBody>
+      </p:sp>
+      <p:sp>
+        <p:nvSpPr>
+          <p:cNvPr id="110" name="TextBox 109"/>
+          <p:cNvSpPr txBox="1"/>
+          <p:nvPr/>
+        </p:nvSpPr>
+        <p:spPr>
+          <a:xfrm>
+            <a:off x="2209800" y="2227309"/>
+            <a:ext cx="685799" cy="230832"/>
+          </a:xfrm>
+          <a:prstGeom prst="rect">
+            <a:avLst/>
+          </a:prstGeom>
+          <a:noFill/>
+        </p:spPr>
+        <p:txBody>
+          <a:bodyPr wrap="square" rtlCol="0">
+            <a:spAutoFit/>
+          </a:bodyPr>
+          <a:lstStyle/>
+          <a:p>
+            <a:pPr algn="r"/>
+            <a:r>
+              <a:rPr lang="en-US" sz="900" b="1" dirty="0" smtClean="0"/>
+              <a:t>3 – </a:t>
+            </a:r>
+            <a:r>
+              <a:rPr lang="en-US" sz="900" b="1" dirty="0" err="1" smtClean="0"/>
+              <a:t>nc</a:t>
+            </a:r>
+            <a:endParaRPr lang="en-US" sz="900" b="1" dirty="0"/>
+          </a:p>
+        </p:txBody>
+      </p:sp>
+      <p:sp>
+        <p:nvSpPr>
+          <p:cNvPr id="112" name="TextBox 111"/>
+          <p:cNvSpPr txBox="1"/>
+          <p:nvPr/>
+        </p:nvSpPr>
+        <p:spPr>
+          <a:xfrm>
+            <a:off x="7484522" y="1775751"/>
+            <a:ext cx="727455" cy="369332"/>
+          </a:xfrm>
+          <a:prstGeom prst="rect">
+            <a:avLst/>
+          </a:prstGeom>
+          <a:noFill/>
+        </p:spPr>
+        <p:txBody>
+          <a:bodyPr wrap="square" rtlCol="0">
+            <a:spAutoFit/>
+          </a:bodyPr>
+          <a:lstStyle/>
+          <a:p>
+            <a:r>
+              <a:rPr lang="en-US" sz="900" b="1" dirty="0" smtClean="0"/>
+              <a:t>1 – </a:t>
+            </a:r>
+            <a:r>
+              <a:rPr lang="en-US" sz="900" b="1" dirty="0" err="1" smtClean="0"/>
+              <a:t>ard</a:t>
+            </a:r>
+            <a:r>
+              <a:rPr lang="en-US" sz="900" b="1" dirty="0" smtClean="0"/>
+              <a:t> </a:t>
+            </a:r>
+            <a:r>
+              <a:rPr lang="en-US" sz="900" b="1" dirty="0" err="1" smtClean="0"/>
+              <a:t>rx</a:t>
+            </a:r>
+            <a:r>
+              <a:rPr lang="en-US" sz="900" b="1" dirty="0" smtClean="0"/>
+              <a:t> (green)</a:t>
+            </a:r>
+          </a:p>
+        </p:txBody>
+      </p:sp>
+      <p:sp>
+        <p:nvSpPr>
+          <p:cNvPr id="113" name="TextBox 112"/>
+          <p:cNvSpPr txBox="1"/>
+          <p:nvPr/>
+        </p:nvSpPr>
+        <p:spPr>
+          <a:xfrm>
+            <a:off x="7481727" y="2216404"/>
+            <a:ext cx="730250" cy="230832"/>
+          </a:xfrm>
+          <a:prstGeom prst="rect">
+            <a:avLst/>
+          </a:prstGeom>
+          <a:noFill/>
+        </p:spPr>
+        <p:txBody>
+          <a:bodyPr wrap="square" rtlCol="0">
+            <a:spAutoFit/>
+          </a:bodyPr>
+          <a:lstStyle/>
+          <a:p>
+            <a:r>
+              <a:rPr lang="en-US" sz="900" b="1" dirty="0" smtClean="0"/>
+              <a:t>2 - </a:t>
+            </a:r>
+            <a:r>
+              <a:rPr lang="en-US" sz="900" b="1" dirty="0" err="1" smtClean="0"/>
+              <a:t>gnd</a:t>
+            </a:r>
+            <a:endParaRPr lang="en-US" sz="900" b="1" dirty="0"/>
+          </a:p>
+        </p:txBody>
+      </p:sp>
+      <p:sp>
+        <p:nvSpPr>
+          <p:cNvPr id="115" name="TextBox 114"/>
+          <p:cNvSpPr txBox="1"/>
+          <p:nvPr/>
+        </p:nvSpPr>
+        <p:spPr>
+          <a:xfrm>
+            <a:off x="6459378" y="1795072"/>
+            <a:ext cx="762000" cy="369332"/>
+          </a:xfrm>
+          <a:prstGeom prst="rect">
+            <a:avLst/>
+          </a:prstGeom>
+          <a:noFill/>
+        </p:spPr>
+        <p:txBody>
+          <a:bodyPr wrap="square" rtlCol="0">
+            <a:spAutoFit/>
+          </a:bodyPr>
+          <a:lstStyle/>
+          <a:p>
+            <a:pPr algn="r"/>
+            <a:r>
+              <a:rPr lang="en-US" sz="900" b="1" dirty="0" smtClean="0"/>
+              <a:t>4 – </a:t>
+            </a:r>
+            <a:r>
+              <a:rPr lang="en-US" sz="900" b="1" dirty="0" err="1" smtClean="0"/>
+              <a:t>ard</a:t>
+            </a:r>
+            <a:r>
+              <a:rPr lang="en-US" sz="900" b="1" dirty="0" smtClean="0"/>
+              <a:t> </a:t>
+            </a:r>
+            <a:r>
+              <a:rPr lang="en-US" sz="900" b="1" dirty="0" err="1" smtClean="0"/>
+              <a:t>tx</a:t>
+            </a:r>
+            <a:r>
+              <a:rPr lang="en-US" sz="900" b="1" dirty="0" smtClean="0"/>
+              <a:t> (blue)</a:t>
+            </a:r>
+            <a:endParaRPr lang="en-US" sz="900" b="1" dirty="0"/>
+          </a:p>
+        </p:txBody>
+      </p:sp>
+      <p:sp>
+        <p:nvSpPr>
+          <p:cNvPr id="116" name="TextBox 115"/>
+          <p:cNvSpPr txBox="1"/>
+          <p:nvPr/>
+        </p:nvSpPr>
+        <p:spPr>
+          <a:xfrm>
+            <a:off x="6535577" y="2178304"/>
+            <a:ext cx="685799" cy="230832"/>
+          </a:xfrm>
+          <a:prstGeom prst="rect">
+            <a:avLst/>
+          </a:prstGeom>
+          <a:noFill/>
+        </p:spPr>
+        <p:txBody>
+          <a:bodyPr wrap="square" rtlCol="0">
+            <a:spAutoFit/>
+          </a:bodyPr>
+          <a:lstStyle/>
+          <a:p>
+            <a:pPr algn="r"/>
+            <a:r>
+              <a:rPr lang="en-US" sz="900" b="1" dirty="0" smtClean="0"/>
+              <a:t>3 – </a:t>
+            </a:r>
+            <a:r>
+              <a:rPr lang="en-US" sz="900" b="1" dirty="0" err="1" smtClean="0"/>
+              <a:t>vbatt</a:t>
+            </a:r>
+            <a:endParaRPr lang="en-US" sz="900" b="1" dirty="0"/>
+          </a:p>
+        </p:txBody>
+      </p:sp>
+      <p:grpSp>
+        <p:nvGrpSpPr>
+          <p:cNvPr id="83" name="Group 82"/>
+          <p:cNvGrpSpPr/>
+          <p:nvPr/>
+        </p:nvGrpSpPr>
+        <p:grpSpPr>
+          <a:xfrm>
+            <a:off x="2590800" y="169550"/>
+            <a:ext cx="914400" cy="914400"/>
+            <a:chOff x="269765" y="217076"/>
+            <a:chExt cx="914400" cy="914400"/>
+          </a:xfrm>
+        </p:grpSpPr>
+        <p:sp>
+          <p:nvSpPr>
+            <p:cNvPr id="86" name="Oval 85"/>
+            <p:cNvSpPr/>
+            <p:nvPr/>
+          </p:nvSpPr>
+          <p:spPr>
+            <a:xfrm>
+              <a:off x="269765" y="217076"/>
+              <a:ext cx="914400" cy="914400"/>
+            </a:xfrm>
+            <a:prstGeom prst="ellipse">
+              <a:avLst/>
+            </a:prstGeom>
+          </p:spPr>
+          <p:style>
+            <a:lnRef idx="2">
+              <a:schemeClr val="accent2">
+                <a:shade val="50000"/>
+              </a:schemeClr>
+            </a:lnRef>
+            <a:fillRef idx="1">
+              <a:schemeClr val="accent2"/>
+            </a:fillRef>
+            <a:effectRef idx="0">
+              <a:schemeClr val="accent2"/>
+            </a:effectRef>
+            <a:fontRef idx="minor">
+              <a:schemeClr val="lt1"/>
+            </a:fontRef>
+          </p:style>
+          <p:txBody>
+            <a:bodyPr rtlCol="0" anchor="ctr"/>
+            <a:lstStyle/>
+            <a:p>
+              <a:pPr algn="ctr"/>
+              <a:endParaRPr lang="en-US" dirty="0"/>
+            </a:p>
+          </p:txBody>
+        </p:sp>
+        <p:sp>
+          <p:nvSpPr>
+            <p:cNvPr id="90" name="Oval 89"/>
+            <p:cNvSpPr/>
+            <p:nvPr/>
+          </p:nvSpPr>
+          <p:spPr>
+            <a:xfrm>
+              <a:off x="356633" y="303944"/>
+              <a:ext cx="740664" cy="740664"/>
+            </a:xfrm>
+            <a:prstGeom prst="ellipse">
+              <a:avLst/>
+            </a:prstGeom>
+          </p:spPr>
+          <p:style>
+            <a:lnRef idx="2">
+              <a:schemeClr val="accent1">
+                <a:shade val="50000"/>
+              </a:schemeClr>
+            </a:lnRef>
+            <a:fillRef idx="1">
+              <a:schemeClr val="accent1"/>
+            </a:fillRef>
+            <a:effectRef idx="0">
+              <a:schemeClr val="accent1"/>
+            </a:effectRef>
+            <a:fontRef idx="minor">
+              <a:schemeClr val="lt1"/>
+            </a:fontRef>
+          </p:style>
+          <p:txBody>
+            <a:bodyPr rtlCol="0" anchor="ctr"/>
+            <a:lstStyle/>
+            <a:p>
+              <a:pPr algn="ctr"/>
+              <a:r>
+                <a:rPr lang="en-US" dirty="0" smtClean="0"/>
+                <a:t>rj45</a:t>
+              </a:r>
+              <a:endParaRPr lang="en-US" dirty="0"/>
+            </a:p>
+          </p:txBody>
+        </p:sp>
+      </p:grpSp>
+      <p:grpSp>
+        <p:nvGrpSpPr>
+          <p:cNvPr id="93" name="Group 92"/>
+          <p:cNvGrpSpPr/>
+          <p:nvPr/>
+        </p:nvGrpSpPr>
+        <p:grpSpPr>
+          <a:xfrm>
+            <a:off x="1447800" y="933846"/>
+            <a:ext cx="914400" cy="914400"/>
+            <a:chOff x="269765" y="217076"/>
+            <a:chExt cx="914400" cy="914400"/>
+          </a:xfrm>
+        </p:grpSpPr>
+        <p:sp>
+          <p:nvSpPr>
+            <p:cNvPr id="95" name="Oval 94"/>
+            <p:cNvSpPr/>
+            <p:nvPr/>
+          </p:nvSpPr>
+          <p:spPr>
+            <a:xfrm>
+              <a:off x="269765" y="217076"/>
+              <a:ext cx="914400" cy="914400"/>
+            </a:xfrm>
+            <a:prstGeom prst="ellipse">
+              <a:avLst/>
+            </a:prstGeom>
+          </p:spPr>
+          <p:style>
+            <a:lnRef idx="2">
+              <a:schemeClr val="accent2">
+                <a:shade val="50000"/>
+              </a:schemeClr>
+            </a:lnRef>
+            <a:fillRef idx="1">
+              <a:schemeClr val="accent2"/>
+            </a:fillRef>
+            <a:effectRef idx="0">
+              <a:schemeClr val="accent2"/>
+            </a:effectRef>
+            <a:fontRef idx="minor">
+              <a:schemeClr val="lt1"/>
+            </a:fontRef>
+          </p:style>
+          <p:txBody>
+            <a:bodyPr rtlCol="0" anchor="ctr"/>
+            <a:lstStyle/>
+            <a:p>
+              <a:pPr algn="ctr"/>
+              <a:endParaRPr lang="en-US" dirty="0"/>
+            </a:p>
+          </p:txBody>
+        </p:sp>
+        <p:sp>
+          <p:nvSpPr>
+            <p:cNvPr id="96" name="Oval 95"/>
+            <p:cNvSpPr/>
+            <p:nvPr/>
+          </p:nvSpPr>
+          <p:spPr>
+            <a:xfrm>
+              <a:off x="356633" y="303944"/>
+              <a:ext cx="740664" cy="740664"/>
+            </a:xfrm>
+            <a:prstGeom prst="ellipse">
+              <a:avLst/>
+            </a:prstGeom>
+          </p:spPr>
+          <p:style>
+            <a:lnRef idx="2">
+              <a:schemeClr val="accent1">
+                <a:shade val="50000"/>
+              </a:schemeClr>
+            </a:lnRef>
+            <a:fillRef idx="1">
+              <a:schemeClr val="accent1"/>
+            </a:fillRef>
+            <a:effectRef idx="0">
+              <a:schemeClr val="accent1"/>
+            </a:effectRef>
+            <a:fontRef idx="minor">
+              <a:schemeClr val="lt1"/>
+            </a:fontRef>
+          </p:style>
+          <p:txBody>
+            <a:bodyPr rtlCol="0" anchor="ctr"/>
+            <a:lstStyle/>
+            <a:p>
+              <a:pPr algn="ctr"/>
+              <a:r>
+                <a:rPr lang="en-US" dirty="0" smtClean="0"/>
+                <a:t>rj45</a:t>
+              </a:r>
+              <a:endParaRPr lang="en-US" dirty="0"/>
+            </a:p>
+          </p:txBody>
+        </p:sp>
+      </p:grpSp>
+    </p:spTree>
+    <p:extLst>
+      <p:ext uri="{BB962C8B-B14F-4D97-AF65-F5344CB8AC3E}">
+        <p14:creationId xmlns:p14="http://schemas.microsoft.com/office/powerpoint/2010/main" val="3383394685"/>
       </p:ext>
     </p:extLst>
   </p:cSld>
